--- a/LHL – CAPSTONE.pptx
+++ b/LHL – CAPSTONE.pptx
@@ -10,6 +10,9 @@
     <p:sldId id="259" r:id="rId4"/>
     <p:sldId id="260" r:id="rId5"/>
     <p:sldId id="261" r:id="rId6"/>
+    <p:sldId id="262" r:id="rId7"/>
+    <p:sldId id="263" r:id="rId8"/>
+    <p:sldId id="264" r:id="rId9"/>
   </p:sldIdLst>
   <p:sldSz cx="12192000" cy="6858000"/>
   <p:notesSz cx="6858000" cy="9144000"/>
@@ -108,6 +111,11 @@
       </a:defRPr>
     </a:lvl9pPr>
   </p:defaultTextStyle>
+  <p:extLst>
+    <p:ext uri="{EFAFB233-063F-42B5-8137-9DF3F51BA10A}">
+      <p15:sldGuideLst xmlns:p15="http://schemas.microsoft.com/office/powerpoint/2012/main"/>
+    </p:ext>
+  </p:extLst>
 </p:presentation>
 </file>
 
@@ -296,7 +304,7 @@
           <a:p>
             <a:fld id="{0FB7CF4A-31B0-4E73-B1E5-56F1B67C2C74}" type="datetimeFigureOut">
               <a:rPr lang="en-US" smtClean="0"/>
-              <a:t>3/25/2024</a:t>
+              <a:t>3/26/2024</a:t>
             </a:fld>
             <a:endParaRPr lang="en-US"/>
           </a:p>
@@ -594,7 +602,7 @@
           <a:p>
             <a:fld id="{0FB7CF4A-31B0-4E73-B1E5-56F1B67C2C74}" type="datetimeFigureOut">
               <a:rPr lang="en-US" smtClean="0"/>
-              <a:t>3/25/2024</a:t>
+              <a:t>3/26/2024</a:t>
             </a:fld>
             <a:endParaRPr lang="en-US"/>
           </a:p>
@@ -786,7 +794,7 @@
           <a:p>
             <a:fld id="{0FB7CF4A-31B0-4E73-B1E5-56F1B67C2C74}" type="datetimeFigureOut">
               <a:rPr lang="en-US" smtClean="0"/>
-              <a:t>3/25/2024</a:t>
+              <a:t>3/26/2024</a:t>
             </a:fld>
             <a:endParaRPr lang="en-US"/>
           </a:p>
@@ -1047,7 +1055,7 @@
           <a:p>
             <a:fld id="{0FB7CF4A-31B0-4E73-B1E5-56F1B67C2C74}" type="datetimeFigureOut">
               <a:rPr lang="en-US" smtClean="0"/>
-              <a:t>3/25/2024</a:t>
+              <a:t>3/26/2024</a:t>
             </a:fld>
             <a:endParaRPr lang="en-US"/>
           </a:p>
@@ -1471,7 +1479,7 @@
           <a:p>
             <a:fld id="{0FB7CF4A-31B0-4E73-B1E5-56F1B67C2C74}" type="datetimeFigureOut">
               <a:rPr lang="en-US" smtClean="0"/>
-              <a:t>3/25/2024</a:t>
+              <a:t>3/26/2024</a:t>
             </a:fld>
             <a:endParaRPr lang="en-US"/>
           </a:p>
@@ -2008,7 +2016,7 @@
           <a:p>
             <a:fld id="{0FB7CF4A-31B0-4E73-B1E5-56F1B67C2C74}" type="datetimeFigureOut">
               <a:rPr lang="en-US" smtClean="0"/>
-              <a:t>3/25/2024</a:t>
+              <a:t>3/26/2024</a:t>
             </a:fld>
             <a:endParaRPr lang="en-US"/>
           </a:p>
@@ -2872,7 +2880,7 @@
           <a:p>
             <a:fld id="{0FB7CF4A-31B0-4E73-B1E5-56F1B67C2C74}" type="datetimeFigureOut">
               <a:rPr lang="en-US" smtClean="0"/>
-              <a:t>3/25/2024</a:t>
+              <a:t>3/26/2024</a:t>
             </a:fld>
             <a:endParaRPr lang="en-US"/>
           </a:p>
@@ -3042,7 +3050,7 @@
           <a:p>
             <a:fld id="{0FB7CF4A-31B0-4E73-B1E5-56F1B67C2C74}" type="datetimeFigureOut">
               <a:rPr lang="en-US" smtClean="0"/>
-              <a:t>3/25/2024</a:t>
+              <a:t>3/26/2024</a:t>
             </a:fld>
             <a:endParaRPr lang="en-US"/>
           </a:p>
@@ -3226,7 +3234,7 @@
           <a:p>
             <a:fld id="{0FB7CF4A-31B0-4E73-B1E5-56F1B67C2C74}" type="datetimeFigureOut">
               <a:rPr lang="en-US" smtClean="0"/>
-              <a:t>3/25/2024</a:t>
+              <a:t>3/26/2024</a:t>
             </a:fld>
             <a:endParaRPr lang="en-US"/>
           </a:p>
@@ -3396,7 +3404,7 @@
           <a:p>
             <a:fld id="{0FB7CF4A-31B0-4E73-B1E5-56F1B67C2C74}" type="datetimeFigureOut">
               <a:rPr lang="en-US" smtClean="0"/>
-              <a:t>3/25/2024</a:t>
+              <a:t>3/26/2024</a:t>
             </a:fld>
             <a:endParaRPr lang="en-US"/>
           </a:p>
@@ -3640,7 +3648,7 @@
           <a:p>
             <a:fld id="{0FB7CF4A-31B0-4E73-B1E5-56F1B67C2C74}" type="datetimeFigureOut">
               <a:rPr lang="en-US" smtClean="0"/>
-              <a:t>3/25/2024</a:t>
+              <a:t>3/26/2024</a:t>
             </a:fld>
             <a:endParaRPr lang="en-US"/>
           </a:p>
@@ -3876,7 +3884,7 @@
           <a:p>
             <a:fld id="{0FB7CF4A-31B0-4E73-B1E5-56F1B67C2C74}" type="datetimeFigureOut">
               <a:rPr lang="en-US" smtClean="0"/>
-              <a:t>3/25/2024</a:t>
+              <a:t>3/26/2024</a:t>
             </a:fld>
             <a:endParaRPr lang="en-US"/>
           </a:p>
@@ -4342,7 +4350,7 @@
           <a:p>
             <a:fld id="{0FB7CF4A-31B0-4E73-B1E5-56F1B67C2C74}" type="datetimeFigureOut">
               <a:rPr lang="en-US" smtClean="0"/>
-              <a:t>3/25/2024</a:t>
+              <a:t>3/26/2024</a:t>
             </a:fld>
             <a:endParaRPr lang="en-US"/>
           </a:p>
@@ -4460,7 +4468,7 @@
           <a:p>
             <a:fld id="{0FB7CF4A-31B0-4E73-B1E5-56F1B67C2C74}" type="datetimeFigureOut">
               <a:rPr lang="en-US" smtClean="0"/>
-              <a:t>3/25/2024</a:t>
+              <a:t>3/26/2024</a:t>
             </a:fld>
             <a:endParaRPr lang="en-US"/>
           </a:p>
@@ -4555,7 +4563,7 @@
           <a:p>
             <a:fld id="{0FB7CF4A-31B0-4E73-B1E5-56F1B67C2C74}" type="datetimeFigureOut">
               <a:rPr lang="en-US" smtClean="0"/>
-              <a:t>3/25/2024</a:t>
+              <a:t>3/26/2024</a:t>
             </a:fld>
             <a:endParaRPr lang="en-US"/>
           </a:p>
@@ -4810,7 +4818,7 @@
           <a:p>
             <a:fld id="{0FB7CF4A-31B0-4E73-B1E5-56F1B67C2C74}" type="datetimeFigureOut">
               <a:rPr lang="en-US" smtClean="0"/>
-              <a:t>3/25/2024</a:t>
+              <a:t>3/26/2024</a:t>
             </a:fld>
             <a:endParaRPr lang="en-US"/>
           </a:p>
@@ -5110,7 +5118,7 @@
           <a:p>
             <a:fld id="{0FB7CF4A-31B0-4E73-B1E5-56F1B67C2C74}" type="datetimeFigureOut">
               <a:rPr lang="en-US" smtClean="0"/>
-              <a:t>3/25/2024</a:t>
+              <a:t>3/26/2024</a:t>
             </a:fld>
             <a:endParaRPr lang="en-US"/>
           </a:p>
@@ -5344,7 +5352,7 @@
           <a:p>
             <a:fld id="{0FB7CF4A-31B0-4E73-B1E5-56F1B67C2C74}" type="datetimeFigureOut">
               <a:rPr lang="en-US" smtClean="0"/>
-              <a:t>3/25/2024</a:t>
+              <a:t>3/26/2024</a:t>
             </a:fld>
             <a:endParaRPr lang="en-US"/>
           </a:p>
@@ -7685,6 +7693,291 @@
 </p:sld>
 </file>
 
+<file path=ppt/slides/slide6.xml><?xml version="1.0" encoding="utf-8"?>
+<p:sld xmlns:a="http://schemas.openxmlformats.org/drawingml/2006/main" xmlns:r="http://schemas.openxmlformats.org/officeDocument/2006/relationships" xmlns:p="http://schemas.openxmlformats.org/presentationml/2006/main">
+  <p:cSld>
+    <p:spTree>
+      <p:nvGrpSpPr>
+        <p:cNvPr id="1" name=""/>
+        <p:cNvGrpSpPr/>
+        <p:nvPr/>
+      </p:nvGrpSpPr>
+      <p:grpSpPr>
+        <a:xfrm>
+          <a:off x="0" y="0"/>
+          <a:ext cx="0" cy="0"/>
+          <a:chOff x="0" y="0"/>
+          <a:chExt cx="0" cy="0"/>
+        </a:xfrm>
+      </p:grpSpPr>
+      <p:sp>
+        <p:nvSpPr>
+          <p:cNvPr id="2" name="Title 1">
+            <a:extLst>
+              <a:ext uri="{FF2B5EF4-FFF2-40B4-BE49-F238E27FC236}">
+                <a16:creationId xmlns:a16="http://schemas.microsoft.com/office/drawing/2014/main" id="{DC82551F-A188-FF6B-2D54-439BC50F9363}"/>
+              </a:ext>
+            </a:extLst>
+          </p:cNvPr>
+          <p:cNvSpPr>
+            <a:spLocks noGrp="1"/>
+          </p:cNvSpPr>
+          <p:nvPr>
+            <p:ph type="title"/>
+          </p:nvPr>
+        </p:nvSpPr>
+        <p:spPr/>
+        <p:txBody>
+          <a:bodyPr/>
+          <a:lstStyle/>
+          <a:p>
+            <a:r>
+              <a:rPr lang="en-US" dirty="0"/>
+              <a:t>Market Composition</a:t>
+            </a:r>
+          </a:p>
+        </p:txBody>
+      </p:sp>
+      <p:pic>
+        <p:nvPicPr>
+          <p:cNvPr id="5" name="Content Placeholder 4">
+            <a:extLst>
+              <a:ext uri="{FF2B5EF4-FFF2-40B4-BE49-F238E27FC236}">
+                <a16:creationId xmlns:a16="http://schemas.microsoft.com/office/drawing/2014/main" id="{E686F9AE-5654-382B-15A2-3527323595CC}"/>
+              </a:ext>
+            </a:extLst>
+          </p:cNvPr>
+          <p:cNvPicPr>
+            <a:picLocks noGrp="1" noChangeAspect="1"/>
+          </p:cNvPicPr>
+          <p:nvPr>
+            <p:ph idx="1"/>
+          </p:nvPr>
+        </p:nvPicPr>
+        <p:blipFill rotWithShape="1">
+          <a:blip r:embed="rId2">
+            <a:extLst>
+              <a:ext uri="{28A0092B-C50C-407E-A947-70E740481C1C}">
+                <a14:useLocalDpi xmlns:a14="http://schemas.microsoft.com/office/drawing/2010/main" val="0"/>
+              </a:ext>
+            </a:extLst>
+          </a:blip>
+          <a:srcRect l="18376" t="10278" r="17879" b="8298"/>
+          <a:stretch/>
+        </p:blipFill>
+        <p:spPr>
+          <a:xfrm>
+            <a:off x="3046070" y="1833575"/>
+            <a:ext cx="6099859" cy="4636673"/>
+          </a:xfrm>
+          <a:effectLst>
+            <a:outerShdw blurRad="25400" dir="17880000">
+              <a:srgbClr val="000000">
+                <a:alpha val="46000"/>
+              </a:srgbClr>
+            </a:outerShdw>
+            <a:softEdge rad="38100"/>
+          </a:effectLst>
+        </p:spPr>
+      </p:pic>
+    </p:spTree>
+    <p:extLst>
+      <p:ext uri="{BB962C8B-B14F-4D97-AF65-F5344CB8AC3E}">
+        <p14:creationId xmlns:p14="http://schemas.microsoft.com/office/powerpoint/2010/main" val="945811903"/>
+      </p:ext>
+    </p:extLst>
+  </p:cSld>
+  <p:clrMapOvr>
+    <a:masterClrMapping/>
+  </p:clrMapOvr>
+</p:sld>
+</file>
+
+<file path=ppt/slides/slide7.xml><?xml version="1.0" encoding="utf-8"?>
+<p:sld xmlns:a="http://schemas.openxmlformats.org/drawingml/2006/main" xmlns:r="http://schemas.openxmlformats.org/officeDocument/2006/relationships" xmlns:p="http://schemas.openxmlformats.org/presentationml/2006/main">
+  <p:cSld>
+    <p:spTree>
+      <p:nvGrpSpPr>
+        <p:cNvPr id="1" name=""/>
+        <p:cNvGrpSpPr/>
+        <p:nvPr/>
+      </p:nvGrpSpPr>
+      <p:grpSpPr>
+        <a:xfrm>
+          <a:off x="0" y="0"/>
+          <a:ext cx="0" cy="0"/>
+          <a:chOff x="0" y="0"/>
+          <a:chExt cx="0" cy="0"/>
+        </a:xfrm>
+      </p:grpSpPr>
+      <p:sp>
+        <p:nvSpPr>
+          <p:cNvPr id="2" name="Title 1">
+            <a:extLst>
+              <a:ext uri="{FF2B5EF4-FFF2-40B4-BE49-F238E27FC236}">
+                <a16:creationId xmlns:a16="http://schemas.microsoft.com/office/drawing/2014/main" id="{E0404782-784D-306C-8BC7-945DAC4C3F60}"/>
+              </a:ext>
+            </a:extLst>
+          </p:cNvPr>
+          <p:cNvSpPr>
+            <a:spLocks noGrp="1"/>
+          </p:cNvSpPr>
+          <p:nvPr>
+            <p:ph type="title"/>
+          </p:nvPr>
+        </p:nvSpPr>
+        <p:spPr/>
+        <p:txBody>
+          <a:bodyPr/>
+          <a:lstStyle/>
+          <a:p>
+            <a:r>
+              <a:rPr lang="en-US" dirty="0"/>
+              <a:t>Avg Price per unit by Week</a:t>
+            </a:r>
+          </a:p>
+        </p:txBody>
+      </p:sp>
+      <p:pic>
+        <p:nvPicPr>
+          <p:cNvPr id="5" name="Content Placeholder 4">
+            <a:extLst>
+              <a:ext uri="{FF2B5EF4-FFF2-40B4-BE49-F238E27FC236}">
+                <a16:creationId xmlns:a16="http://schemas.microsoft.com/office/drawing/2014/main" id="{9C612B76-BC7C-FD4C-D444-ED1795A5BEF7}"/>
+              </a:ext>
+            </a:extLst>
+          </p:cNvPr>
+          <p:cNvPicPr>
+            <a:picLocks noGrp="1" noChangeAspect="1"/>
+          </p:cNvPicPr>
+          <p:nvPr>
+            <p:ph idx="1"/>
+          </p:nvPr>
+        </p:nvPicPr>
+        <p:blipFill>
+          <a:blip r:embed="rId2">
+            <a:extLst>
+              <a:ext uri="{28A0092B-C50C-407E-A947-70E740481C1C}">
+                <a14:useLocalDpi xmlns:a14="http://schemas.microsoft.com/office/drawing/2010/main" val="0"/>
+              </a:ext>
+            </a:extLst>
+          </a:blip>
+          <a:stretch>
+            <a:fillRect/>
+          </a:stretch>
+        </p:blipFill>
+        <p:spPr>
+          <a:xfrm>
+            <a:off x="1516369" y="1404173"/>
+            <a:ext cx="9148614" cy="5453827"/>
+          </a:xfrm>
+          <a:effectLst>
+            <a:outerShdw blurRad="25400" dir="17880000">
+              <a:srgbClr val="000000">
+                <a:alpha val="46000"/>
+              </a:srgbClr>
+            </a:outerShdw>
+            <a:softEdge rad="38100"/>
+          </a:effectLst>
+        </p:spPr>
+      </p:pic>
+    </p:spTree>
+    <p:extLst>
+      <p:ext uri="{BB962C8B-B14F-4D97-AF65-F5344CB8AC3E}">
+        <p14:creationId xmlns:p14="http://schemas.microsoft.com/office/powerpoint/2010/main" val="1627026516"/>
+      </p:ext>
+    </p:extLst>
+  </p:cSld>
+  <p:clrMapOvr>
+    <a:masterClrMapping/>
+  </p:clrMapOvr>
+</p:sld>
+</file>
+
+<file path=ppt/slides/slide8.xml><?xml version="1.0" encoding="utf-8"?>
+<p:sld xmlns:a="http://schemas.openxmlformats.org/drawingml/2006/main" xmlns:r="http://schemas.openxmlformats.org/officeDocument/2006/relationships" xmlns:p="http://schemas.openxmlformats.org/presentationml/2006/main">
+  <p:cSld>
+    <p:spTree>
+      <p:nvGrpSpPr>
+        <p:cNvPr id="1" name=""/>
+        <p:cNvGrpSpPr/>
+        <p:nvPr/>
+      </p:nvGrpSpPr>
+      <p:grpSpPr>
+        <a:xfrm>
+          <a:off x="0" y="0"/>
+          <a:ext cx="0" cy="0"/>
+          <a:chOff x="0" y="0"/>
+          <a:chExt cx="0" cy="0"/>
+        </a:xfrm>
+      </p:grpSpPr>
+      <p:sp>
+        <p:nvSpPr>
+          <p:cNvPr id="2" name="Title 1">
+            <a:extLst>
+              <a:ext uri="{FF2B5EF4-FFF2-40B4-BE49-F238E27FC236}">
+                <a16:creationId xmlns:a16="http://schemas.microsoft.com/office/drawing/2014/main" id="{7C1791A1-C254-23CB-C2A4-EEFF697765D4}"/>
+              </a:ext>
+            </a:extLst>
+          </p:cNvPr>
+          <p:cNvSpPr>
+            <a:spLocks noGrp="1"/>
+          </p:cNvSpPr>
+          <p:nvPr>
+            <p:ph type="title"/>
+          </p:nvPr>
+        </p:nvSpPr>
+        <p:spPr/>
+        <p:txBody>
+          <a:bodyPr/>
+          <a:lstStyle/>
+          <a:p>
+            <a:r>
+              <a:rPr lang="en-US"/>
+              <a:t>Forecasting</a:t>
+            </a:r>
+            <a:endParaRPr lang="en-US" dirty="0"/>
+          </a:p>
+        </p:txBody>
+      </p:sp>
+      <p:sp>
+        <p:nvSpPr>
+          <p:cNvPr id="3" name="Content Placeholder 2">
+            <a:extLst>
+              <a:ext uri="{FF2B5EF4-FFF2-40B4-BE49-F238E27FC236}">
+                <a16:creationId xmlns:a16="http://schemas.microsoft.com/office/drawing/2014/main" id="{4DCB6032-E0A8-E01D-5F8E-CFA3FA1111E3}"/>
+              </a:ext>
+            </a:extLst>
+          </p:cNvPr>
+          <p:cNvSpPr>
+            <a:spLocks noGrp="1"/>
+          </p:cNvSpPr>
+          <p:nvPr>
+            <p:ph idx="1"/>
+          </p:nvPr>
+        </p:nvSpPr>
+        <p:spPr/>
+        <p:txBody>
+          <a:bodyPr/>
+          <a:lstStyle/>
+          <a:p>
+            <a:endParaRPr lang="en-US"/>
+          </a:p>
+        </p:txBody>
+      </p:sp>
+    </p:spTree>
+    <p:extLst>
+      <p:ext uri="{BB962C8B-B14F-4D97-AF65-F5344CB8AC3E}">
+        <p14:creationId xmlns:p14="http://schemas.microsoft.com/office/powerpoint/2010/main" val="2994938770"/>
+      </p:ext>
+    </p:extLst>
+  </p:cSld>
+  <p:clrMapOvr>
+    <a:masterClrMapping/>
+  </p:clrMapOvr>
+</p:sld>
+</file>
+
 <file path=ppt/theme/theme1.xml><?xml version="1.0" encoding="utf-8"?>
 <a:theme xmlns:a="http://schemas.openxmlformats.org/drawingml/2006/main" name="Slate">
   <a:themeElements>

--- a/LHL – CAPSTONE.pptx
+++ b/LHL – CAPSTONE.pptx
@@ -4,15 +4,22 @@
   <p:sldMasterIdLst>
     <p:sldMasterId id="2147483660" r:id="rId1"/>
   </p:sldMasterIdLst>
+  <p:notesMasterIdLst>
+    <p:notesMasterId r:id="rId14"/>
+  </p:notesMasterIdLst>
   <p:sldIdLst>
     <p:sldId id="256" r:id="rId2"/>
     <p:sldId id="258" r:id="rId3"/>
     <p:sldId id="259" r:id="rId4"/>
-    <p:sldId id="260" r:id="rId5"/>
-    <p:sldId id="261" r:id="rId6"/>
-    <p:sldId id="262" r:id="rId7"/>
+    <p:sldId id="271" r:id="rId5"/>
+    <p:sldId id="260" r:id="rId6"/>
+    <p:sldId id="261" r:id="rId7"/>
     <p:sldId id="263" r:id="rId8"/>
-    <p:sldId id="264" r:id="rId9"/>
+    <p:sldId id="265" r:id="rId9"/>
+    <p:sldId id="264" r:id="rId10"/>
+    <p:sldId id="268" r:id="rId11"/>
+    <p:sldId id="269" r:id="rId12"/>
+    <p:sldId id="270" r:id="rId13"/>
   </p:sldIdLst>
   <p:sldSz cx="12192000" cy="6858000"/>
   <p:notesSz cx="6858000" cy="9144000"/>
@@ -119,6 +126,1415 @@
 </p:presentation>
 </file>
 
+<file path=ppt/notesMasters/notesMaster1.xml><?xml version="1.0" encoding="utf-8"?>
+<p:notesMaster xmlns:a="http://schemas.openxmlformats.org/drawingml/2006/main" xmlns:r="http://schemas.openxmlformats.org/officeDocument/2006/relationships" xmlns:p="http://schemas.openxmlformats.org/presentationml/2006/main">
+  <p:cSld>
+    <p:bg>
+      <p:bgRef idx="1001">
+        <a:schemeClr val="bg1"/>
+      </p:bgRef>
+    </p:bg>
+    <p:spTree>
+      <p:nvGrpSpPr>
+        <p:cNvPr id="1" name=""/>
+        <p:cNvGrpSpPr/>
+        <p:nvPr/>
+      </p:nvGrpSpPr>
+      <p:grpSpPr>
+        <a:xfrm>
+          <a:off x="0" y="0"/>
+          <a:ext cx="0" cy="0"/>
+          <a:chOff x="0" y="0"/>
+          <a:chExt cx="0" cy="0"/>
+        </a:xfrm>
+      </p:grpSpPr>
+      <p:sp>
+        <p:nvSpPr>
+          <p:cNvPr id="2" name="Header Placeholder 1"/>
+          <p:cNvSpPr>
+            <a:spLocks noGrp="1"/>
+          </p:cNvSpPr>
+          <p:nvPr>
+            <p:ph type="hdr" sz="quarter"/>
+          </p:nvPr>
+        </p:nvSpPr>
+        <p:spPr>
+          <a:xfrm>
+            <a:off x="0" y="0"/>
+            <a:ext cx="2971800" cy="458788"/>
+          </a:xfrm>
+          <a:prstGeom prst="rect">
+            <a:avLst/>
+          </a:prstGeom>
+        </p:spPr>
+        <p:txBody>
+          <a:bodyPr vert="horz" lIns="91440" tIns="45720" rIns="91440" bIns="45720" rtlCol="0"/>
+          <a:lstStyle>
+            <a:lvl1pPr algn="l">
+              <a:defRPr sz="1200"/>
+            </a:lvl1pPr>
+          </a:lstStyle>
+          <a:p>
+            <a:endParaRPr lang="en-US"/>
+          </a:p>
+        </p:txBody>
+      </p:sp>
+      <p:sp>
+        <p:nvSpPr>
+          <p:cNvPr id="3" name="Date Placeholder 2"/>
+          <p:cNvSpPr>
+            <a:spLocks noGrp="1"/>
+          </p:cNvSpPr>
+          <p:nvPr>
+            <p:ph type="dt" idx="1"/>
+          </p:nvPr>
+        </p:nvSpPr>
+        <p:spPr>
+          <a:xfrm>
+            <a:off x="3884613" y="0"/>
+            <a:ext cx="2971800" cy="458788"/>
+          </a:xfrm>
+          <a:prstGeom prst="rect">
+            <a:avLst/>
+          </a:prstGeom>
+        </p:spPr>
+        <p:txBody>
+          <a:bodyPr vert="horz" lIns="91440" tIns="45720" rIns="91440" bIns="45720" rtlCol="0"/>
+          <a:lstStyle>
+            <a:lvl1pPr algn="r">
+              <a:defRPr sz="1200"/>
+            </a:lvl1pPr>
+          </a:lstStyle>
+          <a:p>
+            <a:fld id="{D54107B0-FE46-4F9D-A9F0-2859B83F01E0}" type="datetimeFigureOut">
+              <a:rPr lang="en-US" smtClean="0"/>
+              <a:t>3/28/2024</a:t>
+            </a:fld>
+            <a:endParaRPr lang="en-US"/>
+          </a:p>
+        </p:txBody>
+      </p:sp>
+      <p:sp>
+        <p:nvSpPr>
+          <p:cNvPr id="4" name="Slide Image Placeholder 3"/>
+          <p:cNvSpPr>
+            <a:spLocks noGrp="1" noRot="1" noChangeAspect="1"/>
+          </p:cNvSpPr>
+          <p:nvPr>
+            <p:ph type="sldImg" idx="2"/>
+          </p:nvPr>
+        </p:nvSpPr>
+        <p:spPr>
+          <a:xfrm>
+            <a:off x="685800" y="1143000"/>
+            <a:ext cx="5486400" cy="3086100"/>
+          </a:xfrm>
+          <a:prstGeom prst="rect">
+            <a:avLst/>
+          </a:prstGeom>
+          <a:noFill/>
+          <a:ln w="12700">
+            <a:solidFill>
+              <a:prstClr val="black"/>
+            </a:solidFill>
+          </a:ln>
+        </p:spPr>
+        <p:txBody>
+          <a:bodyPr vert="horz" lIns="91440" tIns="45720" rIns="91440" bIns="45720" rtlCol="0" anchor="ctr"/>
+          <a:lstStyle/>
+          <a:p>
+            <a:endParaRPr lang="en-US"/>
+          </a:p>
+        </p:txBody>
+      </p:sp>
+      <p:sp>
+        <p:nvSpPr>
+          <p:cNvPr id="5" name="Notes Placeholder 4"/>
+          <p:cNvSpPr>
+            <a:spLocks noGrp="1"/>
+          </p:cNvSpPr>
+          <p:nvPr>
+            <p:ph type="body" sz="quarter" idx="3"/>
+          </p:nvPr>
+        </p:nvSpPr>
+        <p:spPr>
+          <a:xfrm>
+            <a:off x="685800" y="4400550"/>
+            <a:ext cx="5486400" cy="3600450"/>
+          </a:xfrm>
+          <a:prstGeom prst="rect">
+            <a:avLst/>
+          </a:prstGeom>
+        </p:spPr>
+        <p:txBody>
+          <a:bodyPr vert="horz" lIns="91440" tIns="45720" rIns="91440" bIns="45720" rtlCol="0"/>
+          <a:lstStyle/>
+          <a:p>
+            <a:pPr lvl="0"/>
+            <a:r>
+              <a:rPr lang="en-US"/>
+              <a:t>Click to edit Master text styles</a:t>
+            </a:r>
+          </a:p>
+          <a:p>
+            <a:pPr lvl="1"/>
+            <a:r>
+              <a:rPr lang="en-US"/>
+              <a:t>Second level</a:t>
+            </a:r>
+          </a:p>
+          <a:p>
+            <a:pPr lvl="2"/>
+            <a:r>
+              <a:rPr lang="en-US"/>
+              <a:t>Third level</a:t>
+            </a:r>
+          </a:p>
+          <a:p>
+            <a:pPr lvl="3"/>
+            <a:r>
+              <a:rPr lang="en-US"/>
+              <a:t>Fourth level</a:t>
+            </a:r>
+          </a:p>
+          <a:p>
+            <a:pPr lvl="4"/>
+            <a:r>
+              <a:rPr lang="en-US"/>
+              <a:t>Fifth level</a:t>
+            </a:r>
+          </a:p>
+        </p:txBody>
+      </p:sp>
+      <p:sp>
+        <p:nvSpPr>
+          <p:cNvPr id="6" name="Footer Placeholder 5"/>
+          <p:cNvSpPr>
+            <a:spLocks noGrp="1"/>
+          </p:cNvSpPr>
+          <p:nvPr>
+            <p:ph type="ftr" sz="quarter" idx="4"/>
+          </p:nvPr>
+        </p:nvSpPr>
+        <p:spPr>
+          <a:xfrm>
+            <a:off x="0" y="8685213"/>
+            <a:ext cx="2971800" cy="458787"/>
+          </a:xfrm>
+          <a:prstGeom prst="rect">
+            <a:avLst/>
+          </a:prstGeom>
+        </p:spPr>
+        <p:txBody>
+          <a:bodyPr vert="horz" lIns="91440" tIns="45720" rIns="91440" bIns="45720" rtlCol="0" anchor="b"/>
+          <a:lstStyle>
+            <a:lvl1pPr algn="l">
+              <a:defRPr sz="1200"/>
+            </a:lvl1pPr>
+          </a:lstStyle>
+          <a:p>
+            <a:endParaRPr lang="en-US"/>
+          </a:p>
+        </p:txBody>
+      </p:sp>
+      <p:sp>
+        <p:nvSpPr>
+          <p:cNvPr id="7" name="Slide Number Placeholder 6"/>
+          <p:cNvSpPr>
+            <a:spLocks noGrp="1"/>
+          </p:cNvSpPr>
+          <p:nvPr>
+            <p:ph type="sldNum" sz="quarter" idx="5"/>
+          </p:nvPr>
+        </p:nvSpPr>
+        <p:spPr>
+          <a:xfrm>
+            <a:off x="3884613" y="8685213"/>
+            <a:ext cx="2971800" cy="458787"/>
+          </a:xfrm>
+          <a:prstGeom prst="rect">
+            <a:avLst/>
+          </a:prstGeom>
+        </p:spPr>
+        <p:txBody>
+          <a:bodyPr vert="horz" lIns="91440" tIns="45720" rIns="91440" bIns="45720" rtlCol="0" anchor="b"/>
+          <a:lstStyle>
+            <a:lvl1pPr algn="r">
+              <a:defRPr sz="1200"/>
+            </a:lvl1pPr>
+          </a:lstStyle>
+          <a:p>
+            <a:fld id="{255BD4BB-F3D1-4454-BB65-DD8DBBACF9E2}" type="slidenum">
+              <a:rPr lang="en-US" smtClean="0"/>
+              <a:t>‹#›</a:t>
+            </a:fld>
+            <a:endParaRPr lang="en-US"/>
+          </a:p>
+        </p:txBody>
+      </p:sp>
+    </p:spTree>
+    <p:extLst>
+      <p:ext uri="{BB962C8B-B14F-4D97-AF65-F5344CB8AC3E}">
+        <p14:creationId xmlns:p14="http://schemas.microsoft.com/office/powerpoint/2010/main" val="4073530293"/>
+      </p:ext>
+    </p:extLst>
+  </p:cSld>
+  <p:clrMap bg1="lt1" tx1="dk1" bg2="lt2" tx2="dk2" accent1="accent1" accent2="accent2" accent3="accent3" accent4="accent4" accent5="accent5" accent6="accent6" hlink="hlink" folHlink="folHlink"/>
+  <p:notesStyle>
+    <a:lvl1pPr marL="0" algn="l" defTabSz="914400" rtl="0" eaLnBrk="1" latinLnBrk="0" hangingPunct="1">
+      <a:defRPr sz="1200" kern="1200">
+        <a:solidFill>
+          <a:schemeClr val="tx1"/>
+        </a:solidFill>
+        <a:latin typeface="+mn-lt"/>
+        <a:ea typeface="+mn-ea"/>
+        <a:cs typeface="+mn-cs"/>
+      </a:defRPr>
+    </a:lvl1pPr>
+    <a:lvl2pPr marL="457200" algn="l" defTabSz="914400" rtl="0" eaLnBrk="1" latinLnBrk="0" hangingPunct="1">
+      <a:defRPr sz="1200" kern="1200">
+        <a:solidFill>
+          <a:schemeClr val="tx1"/>
+        </a:solidFill>
+        <a:latin typeface="+mn-lt"/>
+        <a:ea typeface="+mn-ea"/>
+        <a:cs typeface="+mn-cs"/>
+      </a:defRPr>
+    </a:lvl2pPr>
+    <a:lvl3pPr marL="914400" algn="l" defTabSz="914400" rtl="0" eaLnBrk="1" latinLnBrk="0" hangingPunct="1">
+      <a:defRPr sz="1200" kern="1200">
+        <a:solidFill>
+          <a:schemeClr val="tx1"/>
+        </a:solidFill>
+        <a:latin typeface="+mn-lt"/>
+        <a:ea typeface="+mn-ea"/>
+        <a:cs typeface="+mn-cs"/>
+      </a:defRPr>
+    </a:lvl3pPr>
+    <a:lvl4pPr marL="1371600" algn="l" defTabSz="914400" rtl="0" eaLnBrk="1" latinLnBrk="0" hangingPunct="1">
+      <a:defRPr sz="1200" kern="1200">
+        <a:solidFill>
+          <a:schemeClr val="tx1"/>
+        </a:solidFill>
+        <a:latin typeface="+mn-lt"/>
+        <a:ea typeface="+mn-ea"/>
+        <a:cs typeface="+mn-cs"/>
+      </a:defRPr>
+    </a:lvl4pPr>
+    <a:lvl5pPr marL="1828800" algn="l" defTabSz="914400" rtl="0" eaLnBrk="1" latinLnBrk="0" hangingPunct="1">
+      <a:defRPr sz="1200" kern="1200">
+        <a:solidFill>
+          <a:schemeClr val="tx1"/>
+        </a:solidFill>
+        <a:latin typeface="+mn-lt"/>
+        <a:ea typeface="+mn-ea"/>
+        <a:cs typeface="+mn-cs"/>
+      </a:defRPr>
+    </a:lvl5pPr>
+    <a:lvl6pPr marL="2286000" algn="l" defTabSz="914400" rtl="0" eaLnBrk="1" latinLnBrk="0" hangingPunct="1">
+      <a:defRPr sz="1200" kern="1200">
+        <a:solidFill>
+          <a:schemeClr val="tx1"/>
+        </a:solidFill>
+        <a:latin typeface="+mn-lt"/>
+        <a:ea typeface="+mn-ea"/>
+        <a:cs typeface="+mn-cs"/>
+      </a:defRPr>
+    </a:lvl6pPr>
+    <a:lvl7pPr marL="2743200" algn="l" defTabSz="914400" rtl="0" eaLnBrk="1" latinLnBrk="0" hangingPunct="1">
+      <a:defRPr sz="1200" kern="1200">
+        <a:solidFill>
+          <a:schemeClr val="tx1"/>
+        </a:solidFill>
+        <a:latin typeface="+mn-lt"/>
+        <a:ea typeface="+mn-ea"/>
+        <a:cs typeface="+mn-cs"/>
+      </a:defRPr>
+    </a:lvl7pPr>
+    <a:lvl8pPr marL="3200400" algn="l" defTabSz="914400" rtl="0" eaLnBrk="1" latinLnBrk="0" hangingPunct="1">
+      <a:defRPr sz="1200" kern="1200">
+        <a:solidFill>
+          <a:schemeClr val="tx1"/>
+        </a:solidFill>
+        <a:latin typeface="+mn-lt"/>
+        <a:ea typeface="+mn-ea"/>
+        <a:cs typeface="+mn-cs"/>
+      </a:defRPr>
+    </a:lvl8pPr>
+    <a:lvl9pPr marL="3657600" algn="l" defTabSz="914400" rtl="0" eaLnBrk="1" latinLnBrk="0" hangingPunct="1">
+      <a:defRPr sz="1200" kern="1200">
+        <a:solidFill>
+          <a:schemeClr val="tx1"/>
+        </a:solidFill>
+        <a:latin typeface="+mn-lt"/>
+        <a:ea typeface="+mn-ea"/>
+        <a:cs typeface="+mn-cs"/>
+      </a:defRPr>
+    </a:lvl9pPr>
+  </p:notesStyle>
+</p:notesMaster>
+</file>
+
+<file path=ppt/notesSlides/notesSlide1.xml><?xml version="1.0" encoding="utf-8"?>
+<p:notes xmlns:a="http://schemas.openxmlformats.org/drawingml/2006/main" xmlns:r="http://schemas.openxmlformats.org/officeDocument/2006/relationships" xmlns:p="http://schemas.openxmlformats.org/presentationml/2006/main">
+  <p:cSld>
+    <p:spTree>
+      <p:nvGrpSpPr>
+        <p:cNvPr id="1" name=""/>
+        <p:cNvGrpSpPr/>
+        <p:nvPr/>
+      </p:nvGrpSpPr>
+      <p:grpSpPr>
+        <a:xfrm>
+          <a:off x="0" y="0"/>
+          <a:ext cx="0" cy="0"/>
+          <a:chOff x="0" y="0"/>
+          <a:chExt cx="0" cy="0"/>
+        </a:xfrm>
+      </p:grpSpPr>
+      <p:sp>
+        <p:nvSpPr>
+          <p:cNvPr id="2" name="Slide Image Placeholder 1"/>
+          <p:cNvSpPr>
+            <a:spLocks noGrp="1" noRot="1" noChangeAspect="1"/>
+          </p:cNvSpPr>
+          <p:nvPr>
+            <p:ph type="sldImg"/>
+          </p:nvPr>
+        </p:nvSpPr>
+        <p:spPr/>
+      </p:sp>
+      <p:sp>
+        <p:nvSpPr>
+          <p:cNvPr id="3" name="Notes Placeholder 2"/>
+          <p:cNvSpPr>
+            <a:spLocks noGrp="1"/>
+          </p:cNvSpPr>
+          <p:nvPr>
+            <p:ph type="body" idx="1"/>
+          </p:nvPr>
+        </p:nvSpPr>
+        <p:spPr/>
+        <p:txBody>
+          <a:bodyPr/>
+          <a:lstStyle/>
+          <a:p>
+            <a:endParaRPr lang="en-US" dirty="0"/>
+          </a:p>
+        </p:txBody>
+      </p:sp>
+      <p:sp>
+        <p:nvSpPr>
+          <p:cNvPr id="4" name="Slide Number Placeholder 3"/>
+          <p:cNvSpPr>
+            <a:spLocks noGrp="1"/>
+          </p:cNvSpPr>
+          <p:nvPr>
+            <p:ph type="sldNum" sz="quarter" idx="5"/>
+          </p:nvPr>
+        </p:nvSpPr>
+        <p:spPr/>
+        <p:txBody>
+          <a:bodyPr/>
+          <a:lstStyle/>
+          <a:p>
+            <a:fld id="{255BD4BB-F3D1-4454-BB65-DD8DBBACF9E2}" type="slidenum">
+              <a:rPr lang="en-US" smtClean="0"/>
+              <a:t>1</a:t>
+            </a:fld>
+            <a:endParaRPr lang="en-US"/>
+          </a:p>
+        </p:txBody>
+      </p:sp>
+    </p:spTree>
+    <p:extLst>
+      <p:ext uri="{BB962C8B-B14F-4D97-AF65-F5344CB8AC3E}">
+        <p14:creationId xmlns:p14="http://schemas.microsoft.com/office/powerpoint/2010/main" val="1261200364"/>
+      </p:ext>
+    </p:extLst>
+  </p:cSld>
+  <p:clrMapOvr>
+    <a:masterClrMapping/>
+  </p:clrMapOvr>
+</p:notes>
+</file>
+
+<file path=ppt/notesSlides/notesSlide2.xml><?xml version="1.0" encoding="utf-8"?>
+<p:notes xmlns:a="http://schemas.openxmlformats.org/drawingml/2006/main" xmlns:r="http://schemas.openxmlformats.org/officeDocument/2006/relationships" xmlns:p="http://schemas.openxmlformats.org/presentationml/2006/main">
+  <p:cSld>
+    <p:spTree>
+      <p:nvGrpSpPr>
+        <p:cNvPr id="1" name=""/>
+        <p:cNvGrpSpPr/>
+        <p:nvPr/>
+      </p:nvGrpSpPr>
+      <p:grpSpPr>
+        <a:xfrm>
+          <a:off x="0" y="0"/>
+          <a:ext cx="0" cy="0"/>
+          <a:chOff x="0" y="0"/>
+          <a:chExt cx="0" cy="0"/>
+        </a:xfrm>
+      </p:grpSpPr>
+      <p:sp>
+        <p:nvSpPr>
+          <p:cNvPr id="2" name="Slide Image Placeholder 1"/>
+          <p:cNvSpPr>
+            <a:spLocks noGrp="1" noRot="1" noChangeAspect="1"/>
+          </p:cNvSpPr>
+          <p:nvPr>
+            <p:ph type="sldImg"/>
+          </p:nvPr>
+        </p:nvSpPr>
+        <p:spPr/>
+      </p:sp>
+      <p:sp>
+        <p:nvSpPr>
+          <p:cNvPr id="3" name="Notes Placeholder 2"/>
+          <p:cNvSpPr>
+            <a:spLocks noGrp="1"/>
+          </p:cNvSpPr>
+          <p:nvPr>
+            <p:ph type="body" idx="1"/>
+          </p:nvPr>
+        </p:nvSpPr>
+        <p:spPr/>
+        <p:txBody>
+          <a:bodyPr/>
+          <a:lstStyle/>
+          <a:p>
+            <a:endParaRPr lang="en-US" dirty="0"/>
+          </a:p>
+        </p:txBody>
+      </p:sp>
+      <p:sp>
+        <p:nvSpPr>
+          <p:cNvPr id="4" name="Slide Number Placeholder 3"/>
+          <p:cNvSpPr>
+            <a:spLocks noGrp="1"/>
+          </p:cNvSpPr>
+          <p:nvPr>
+            <p:ph type="sldNum" sz="quarter" idx="5"/>
+          </p:nvPr>
+        </p:nvSpPr>
+        <p:spPr/>
+        <p:txBody>
+          <a:bodyPr/>
+          <a:lstStyle/>
+          <a:p>
+            <a:fld id="{255BD4BB-F3D1-4454-BB65-DD8DBBACF9E2}" type="slidenum">
+              <a:rPr lang="en-US" smtClean="0"/>
+              <a:t>2</a:t>
+            </a:fld>
+            <a:endParaRPr lang="en-US"/>
+          </a:p>
+        </p:txBody>
+      </p:sp>
+    </p:spTree>
+    <p:extLst>
+      <p:ext uri="{BB962C8B-B14F-4D97-AF65-F5344CB8AC3E}">
+        <p14:creationId xmlns:p14="http://schemas.microsoft.com/office/powerpoint/2010/main" val="2630411357"/>
+      </p:ext>
+    </p:extLst>
+  </p:cSld>
+  <p:clrMapOvr>
+    <a:masterClrMapping/>
+  </p:clrMapOvr>
+</p:notes>
+</file>
+
+<file path=ppt/notesSlides/notesSlide3.xml><?xml version="1.0" encoding="utf-8"?>
+<p:notes xmlns:a="http://schemas.openxmlformats.org/drawingml/2006/main" xmlns:r="http://schemas.openxmlformats.org/officeDocument/2006/relationships" xmlns:p="http://schemas.openxmlformats.org/presentationml/2006/main">
+  <p:cSld>
+    <p:spTree>
+      <p:nvGrpSpPr>
+        <p:cNvPr id="1" name=""/>
+        <p:cNvGrpSpPr/>
+        <p:nvPr/>
+      </p:nvGrpSpPr>
+      <p:grpSpPr>
+        <a:xfrm>
+          <a:off x="0" y="0"/>
+          <a:ext cx="0" cy="0"/>
+          <a:chOff x="0" y="0"/>
+          <a:chExt cx="0" cy="0"/>
+        </a:xfrm>
+      </p:grpSpPr>
+      <p:sp>
+        <p:nvSpPr>
+          <p:cNvPr id="2" name="Slide Image Placeholder 1"/>
+          <p:cNvSpPr>
+            <a:spLocks noGrp="1" noRot="1" noChangeAspect="1"/>
+          </p:cNvSpPr>
+          <p:nvPr>
+            <p:ph type="sldImg"/>
+          </p:nvPr>
+        </p:nvSpPr>
+        <p:spPr/>
+      </p:sp>
+      <p:sp>
+        <p:nvSpPr>
+          <p:cNvPr id="3" name="Notes Placeholder 2"/>
+          <p:cNvSpPr>
+            <a:spLocks noGrp="1"/>
+          </p:cNvSpPr>
+          <p:nvPr>
+            <p:ph type="body" idx="1"/>
+          </p:nvPr>
+        </p:nvSpPr>
+        <p:spPr/>
+        <p:txBody>
+          <a:bodyPr/>
+          <a:lstStyle/>
+          <a:p>
+            <a:r>
+              <a:rPr lang="en-US" dirty="0"/>
+              <a:t>Players purchase consumables from the market board to save themselves the trouble of crafting which is time consuming</a:t>
+            </a:r>
+          </a:p>
+          <a:p>
+            <a:endParaRPr lang="en-US" dirty="0"/>
+          </a:p>
+          <a:p>
+            <a:r>
+              <a:rPr lang="en-US" dirty="0"/>
+              <a:t>Difficult content is restricted to 1 completion per week so I expected to see restocking behavior on reset days</a:t>
+            </a:r>
+          </a:p>
+          <a:p>
+            <a:endParaRPr lang="en-US" dirty="0"/>
+          </a:p>
+          <a:p>
+            <a:r>
+              <a:rPr lang="en-US" dirty="0"/>
+              <a:t>I mainly spend my time in game crafting these items for because I like the minigame that is the market board</a:t>
+            </a:r>
+          </a:p>
+        </p:txBody>
+      </p:sp>
+      <p:sp>
+        <p:nvSpPr>
+          <p:cNvPr id="4" name="Slide Number Placeholder 3"/>
+          <p:cNvSpPr>
+            <a:spLocks noGrp="1"/>
+          </p:cNvSpPr>
+          <p:nvPr>
+            <p:ph type="sldNum" sz="quarter" idx="5"/>
+          </p:nvPr>
+        </p:nvSpPr>
+        <p:spPr/>
+        <p:txBody>
+          <a:bodyPr/>
+          <a:lstStyle/>
+          <a:p>
+            <a:fld id="{255BD4BB-F3D1-4454-BB65-DD8DBBACF9E2}" type="slidenum">
+              <a:rPr lang="en-US" smtClean="0"/>
+              <a:t>3</a:t>
+            </a:fld>
+            <a:endParaRPr lang="en-US"/>
+          </a:p>
+        </p:txBody>
+      </p:sp>
+    </p:spTree>
+    <p:extLst>
+      <p:ext uri="{BB962C8B-B14F-4D97-AF65-F5344CB8AC3E}">
+        <p14:creationId xmlns:p14="http://schemas.microsoft.com/office/powerpoint/2010/main" val="717481229"/>
+      </p:ext>
+    </p:extLst>
+  </p:cSld>
+  <p:clrMapOvr>
+    <a:masterClrMapping/>
+  </p:clrMapOvr>
+</p:notes>
+</file>
+
+<file path=ppt/notesSlides/notesSlide4.xml><?xml version="1.0" encoding="utf-8"?>
+<p:notes xmlns:a="http://schemas.openxmlformats.org/drawingml/2006/main" xmlns:r="http://schemas.openxmlformats.org/officeDocument/2006/relationships" xmlns:p="http://schemas.openxmlformats.org/presentationml/2006/main">
+  <p:cSld>
+    <p:spTree>
+      <p:nvGrpSpPr>
+        <p:cNvPr id="1" name=""/>
+        <p:cNvGrpSpPr/>
+        <p:nvPr/>
+      </p:nvGrpSpPr>
+      <p:grpSpPr>
+        <a:xfrm>
+          <a:off x="0" y="0"/>
+          <a:ext cx="0" cy="0"/>
+          <a:chOff x="0" y="0"/>
+          <a:chExt cx="0" cy="0"/>
+        </a:xfrm>
+      </p:grpSpPr>
+      <p:sp>
+        <p:nvSpPr>
+          <p:cNvPr id="2" name="Slide Image Placeholder 1"/>
+          <p:cNvSpPr>
+            <a:spLocks noGrp="1" noRot="1" noChangeAspect="1"/>
+          </p:cNvSpPr>
+          <p:nvPr>
+            <p:ph type="sldImg"/>
+          </p:nvPr>
+        </p:nvSpPr>
+        <p:spPr/>
+      </p:sp>
+      <p:sp>
+        <p:nvSpPr>
+          <p:cNvPr id="3" name="Notes Placeholder 2"/>
+          <p:cNvSpPr>
+            <a:spLocks noGrp="1"/>
+          </p:cNvSpPr>
+          <p:nvPr>
+            <p:ph type="body" idx="1"/>
+          </p:nvPr>
+        </p:nvSpPr>
+        <p:spPr/>
+        <p:txBody>
+          <a:bodyPr/>
+          <a:lstStyle/>
+          <a:p>
+            <a:r>
+              <a:rPr lang="en-US" dirty="0"/>
+              <a:t>Outliers were identified using the z score method</a:t>
+            </a:r>
+          </a:p>
+        </p:txBody>
+      </p:sp>
+      <p:sp>
+        <p:nvSpPr>
+          <p:cNvPr id="4" name="Slide Number Placeholder 3"/>
+          <p:cNvSpPr>
+            <a:spLocks noGrp="1"/>
+          </p:cNvSpPr>
+          <p:nvPr>
+            <p:ph type="sldNum" sz="quarter" idx="5"/>
+          </p:nvPr>
+        </p:nvSpPr>
+        <p:spPr/>
+        <p:txBody>
+          <a:bodyPr/>
+          <a:lstStyle/>
+          <a:p>
+            <a:fld id="{255BD4BB-F3D1-4454-BB65-DD8DBBACF9E2}" type="slidenum">
+              <a:rPr lang="en-US" smtClean="0"/>
+              <a:t>6</a:t>
+            </a:fld>
+            <a:endParaRPr lang="en-US"/>
+          </a:p>
+        </p:txBody>
+      </p:sp>
+    </p:spTree>
+    <p:extLst>
+      <p:ext uri="{BB962C8B-B14F-4D97-AF65-F5344CB8AC3E}">
+        <p14:creationId xmlns:p14="http://schemas.microsoft.com/office/powerpoint/2010/main" val="919514052"/>
+      </p:ext>
+    </p:extLst>
+  </p:cSld>
+  <p:clrMapOvr>
+    <a:masterClrMapping/>
+  </p:clrMapOvr>
+</p:notes>
+</file>
+
+<file path=ppt/notesSlides/notesSlide5.xml><?xml version="1.0" encoding="utf-8"?>
+<p:notes xmlns:a="http://schemas.openxmlformats.org/drawingml/2006/main" xmlns:r="http://schemas.openxmlformats.org/officeDocument/2006/relationships" xmlns:p="http://schemas.openxmlformats.org/presentationml/2006/main">
+  <p:cSld>
+    <p:spTree>
+      <p:nvGrpSpPr>
+        <p:cNvPr id="1" name=""/>
+        <p:cNvGrpSpPr/>
+        <p:nvPr/>
+      </p:nvGrpSpPr>
+      <p:grpSpPr>
+        <a:xfrm>
+          <a:off x="0" y="0"/>
+          <a:ext cx="0" cy="0"/>
+          <a:chOff x="0" y="0"/>
+          <a:chExt cx="0" cy="0"/>
+        </a:xfrm>
+      </p:grpSpPr>
+      <p:sp>
+        <p:nvSpPr>
+          <p:cNvPr id="2" name="Slide Image Placeholder 1"/>
+          <p:cNvSpPr>
+            <a:spLocks noGrp="1" noRot="1" noChangeAspect="1"/>
+          </p:cNvSpPr>
+          <p:nvPr>
+            <p:ph type="sldImg"/>
+          </p:nvPr>
+        </p:nvSpPr>
+        <p:spPr/>
+      </p:sp>
+      <p:sp>
+        <p:nvSpPr>
+          <p:cNvPr id="3" name="Notes Placeholder 2"/>
+          <p:cNvSpPr>
+            <a:spLocks noGrp="1"/>
+          </p:cNvSpPr>
+          <p:nvPr>
+            <p:ph type="body" idx="1"/>
+          </p:nvPr>
+        </p:nvSpPr>
+        <p:spPr/>
+        <p:txBody>
+          <a:bodyPr/>
+          <a:lstStyle/>
+          <a:p>
+            <a:r>
+              <a:rPr lang="en-US" dirty="0"/>
+              <a:t>June 20</a:t>
+            </a:r>
+            <a:r>
+              <a:rPr lang="en-US" baseline="30000" dirty="0"/>
+              <a:t>th</a:t>
+            </a:r>
+            <a:r>
+              <a:rPr lang="en-US" dirty="0"/>
+              <a:t> patch</a:t>
+            </a:r>
+          </a:p>
+          <a:p>
+            <a:endParaRPr lang="en-US" dirty="0"/>
+          </a:p>
+          <a:p>
+            <a:r>
+              <a:rPr lang="en-US" dirty="0"/>
+              <a:t>July 18</a:t>
+            </a:r>
+            <a:r>
+              <a:rPr lang="en-US" baseline="30000" dirty="0"/>
+              <a:t>th</a:t>
+            </a:r>
+            <a:r>
+              <a:rPr lang="en-US" dirty="0"/>
+              <a:t> patch</a:t>
+            </a:r>
+          </a:p>
+          <a:p>
+            <a:endParaRPr lang="en-US" dirty="0"/>
+          </a:p>
+          <a:p>
+            <a:r>
+              <a:rPr lang="en-US" dirty="0"/>
+              <a:t>August 8</a:t>
+            </a:r>
+            <a:r>
+              <a:rPr lang="en-US" baseline="30000" dirty="0"/>
+              <a:t>th</a:t>
+            </a:r>
+            <a:r>
+              <a:rPr lang="en-US" dirty="0"/>
+              <a:t> patch and fan fest las </a:t>
+            </a:r>
+            <a:r>
+              <a:rPr lang="en-US" dirty="0" err="1"/>
+              <a:t>vegas</a:t>
+            </a:r>
+            <a:endParaRPr lang="en-US" dirty="0"/>
+          </a:p>
+          <a:p>
+            <a:endParaRPr lang="en-US" dirty="0"/>
+          </a:p>
+          <a:p>
+            <a:r>
+              <a:rPr lang="en-US" dirty="0"/>
+              <a:t>October 3</a:t>
+            </a:r>
+            <a:r>
+              <a:rPr lang="en-US" baseline="30000" dirty="0"/>
+              <a:t>rd</a:t>
+            </a:r>
+            <a:r>
+              <a:rPr lang="en-US" dirty="0"/>
+              <a:t> patch</a:t>
+            </a:r>
+          </a:p>
+          <a:p>
+            <a:endParaRPr lang="en-US" dirty="0"/>
+          </a:p>
+          <a:p>
+            <a:r>
+              <a:rPr lang="en-US" dirty="0"/>
+              <a:t>X mas/new years In-game event</a:t>
+            </a:r>
+          </a:p>
+          <a:p>
+            <a:endParaRPr lang="en-US" dirty="0"/>
+          </a:p>
+          <a:p>
+            <a:r>
+              <a:rPr lang="en-US" dirty="0"/>
+              <a:t>Fanfest Japan new expansion full trailer new content announcement</a:t>
+            </a:r>
+          </a:p>
+          <a:p>
+            <a:endParaRPr lang="en-US" dirty="0"/>
+          </a:p>
+          <a:p>
+            <a:r>
+              <a:rPr lang="en-US" dirty="0"/>
+              <a:t>Xbox beta </a:t>
+            </a:r>
+          </a:p>
+          <a:p>
+            <a:endParaRPr lang="en-US" dirty="0"/>
+          </a:p>
+          <a:p>
+            <a:endParaRPr lang="en-US" dirty="0"/>
+          </a:p>
+        </p:txBody>
+      </p:sp>
+      <p:sp>
+        <p:nvSpPr>
+          <p:cNvPr id="4" name="Slide Number Placeholder 3"/>
+          <p:cNvSpPr>
+            <a:spLocks noGrp="1"/>
+          </p:cNvSpPr>
+          <p:nvPr>
+            <p:ph type="sldNum" sz="quarter" idx="5"/>
+          </p:nvPr>
+        </p:nvSpPr>
+        <p:spPr/>
+        <p:txBody>
+          <a:bodyPr/>
+          <a:lstStyle/>
+          <a:p>
+            <a:fld id="{255BD4BB-F3D1-4454-BB65-DD8DBBACF9E2}" type="slidenum">
+              <a:rPr lang="en-US" smtClean="0"/>
+              <a:t>7</a:t>
+            </a:fld>
+            <a:endParaRPr lang="en-US"/>
+          </a:p>
+        </p:txBody>
+      </p:sp>
+    </p:spTree>
+    <p:extLst>
+      <p:ext uri="{BB962C8B-B14F-4D97-AF65-F5344CB8AC3E}">
+        <p14:creationId xmlns:p14="http://schemas.microsoft.com/office/powerpoint/2010/main" val="3234165519"/>
+      </p:ext>
+    </p:extLst>
+  </p:cSld>
+  <p:clrMapOvr>
+    <a:masterClrMapping/>
+  </p:clrMapOvr>
+</p:notes>
+</file>
+
+<file path=ppt/notesSlides/notesSlide6.xml><?xml version="1.0" encoding="utf-8"?>
+<p:notes xmlns:a="http://schemas.openxmlformats.org/drawingml/2006/main" xmlns:r="http://schemas.openxmlformats.org/officeDocument/2006/relationships" xmlns:p="http://schemas.openxmlformats.org/presentationml/2006/main">
+  <p:cSld>
+    <p:spTree>
+      <p:nvGrpSpPr>
+        <p:cNvPr id="1" name=""/>
+        <p:cNvGrpSpPr/>
+        <p:nvPr/>
+      </p:nvGrpSpPr>
+      <p:grpSpPr>
+        <a:xfrm>
+          <a:off x="0" y="0"/>
+          <a:ext cx="0" cy="0"/>
+          <a:chOff x="0" y="0"/>
+          <a:chExt cx="0" cy="0"/>
+        </a:xfrm>
+      </p:grpSpPr>
+      <p:sp>
+        <p:nvSpPr>
+          <p:cNvPr id="2" name="Slide Image Placeholder 1"/>
+          <p:cNvSpPr>
+            <a:spLocks noGrp="1" noRot="1" noChangeAspect="1"/>
+          </p:cNvSpPr>
+          <p:nvPr>
+            <p:ph type="sldImg"/>
+          </p:nvPr>
+        </p:nvSpPr>
+        <p:spPr/>
+      </p:sp>
+      <p:sp>
+        <p:nvSpPr>
+          <p:cNvPr id="3" name="Notes Placeholder 2"/>
+          <p:cNvSpPr>
+            <a:spLocks noGrp="1"/>
+          </p:cNvSpPr>
+          <p:nvPr>
+            <p:ph type="body" idx="1"/>
+          </p:nvPr>
+        </p:nvSpPr>
+        <p:spPr/>
+        <p:txBody>
+          <a:bodyPr/>
+          <a:lstStyle/>
+          <a:p>
+            <a:r>
+              <a:rPr lang="en-US" dirty="0"/>
+              <a:t>Similar transaction volume similar shapes</a:t>
+            </a:r>
+          </a:p>
+          <a:p>
+            <a:endParaRPr lang="en-US" dirty="0"/>
+          </a:p>
+          <a:p>
+            <a:r>
+              <a:rPr lang="en-US" dirty="0"/>
+              <a:t>Timeseries problems</a:t>
+            </a:r>
+          </a:p>
+          <a:p>
+            <a:endParaRPr lang="en-US" dirty="0"/>
+          </a:p>
+          <a:p>
+            <a:r>
+              <a:rPr lang="en-US" dirty="0"/>
+              <a:t>Linear regression is not optimal for market trends</a:t>
+            </a:r>
+          </a:p>
+          <a:p>
+            <a:endParaRPr lang="en-US" dirty="0"/>
+          </a:p>
+          <a:p>
+            <a:r>
+              <a:rPr lang="en-US" dirty="0"/>
+              <a:t>That’s why it only goes down</a:t>
+            </a:r>
+          </a:p>
+        </p:txBody>
+      </p:sp>
+      <p:sp>
+        <p:nvSpPr>
+          <p:cNvPr id="4" name="Slide Number Placeholder 3"/>
+          <p:cNvSpPr>
+            <a:spLocks noGrp="1"/>
+          </p:cNvSpPr>
+          <p:nvPr>
+            <p:ph type="sldNum" sz="quarter" idx="5"/>
+          </p:nvPr>
+        </p:nvSpPr>
+        <p:spPr/>
+        <p:txBody>
+          <a:bodyPr/>
+          <a:lstStyle/>
+          <a:p>
+            <a:fld id="{255BD4BB-F3D1-4454-BB65-DD8DBBACF9E2}" type="slidenum">
+              <a:rPr lang="en-US" smtClean="0"/>
+              <a:t>8</a:t>
+            </a:fld>
+            <a:endParaRPr lang="en-US"/>
+          </a:p>
+        </p:txBody>
+      </p:sp>
+    </p:spTree>
+    <p:extLst>
+      <p:ext uri="{BB962C8B-B14F-4D97-AF65-F5344CB8AC3E}">
+        <p14:creationId xmlns:p14="http://schemas.microsoft.com/office/powerpoint/2010/main" val="2417117735"/>
+      </p:ext>
+    </p:extLst>
+  </p:cSld>
+  <p:clrMapOvr>
+    <a:masterClrMapping/>
+  </p:clrMapOvr>
+</p:notes>
+</file>
+
+<file path=ppt/notesSlides/notesSlide7.xml><?xml version="1.0" encoding="utf-8"?>
+<p:notes xmlns:a="http://schemas.openxmlformats.org/drawingml/2006/main" xmlns:r="http://schemas.openxmlformats.org/officeDocument/2006/relationships" xmlns:p="http://schemas.openxmlformats.org/presentationml/2006/main">
+  <p:cSld>
+    <p:spTree>
+      <p:nvGrpSpPr>
+        <p:cNvPr id="1" name=""/>
+        <p:cNvGrpSpPr/>
+        <p:nvPr/>
+      </p:nvGrpSpPr>
+      <p:grpSpPr>
+        <a:xfrm>
+          <a:off x="0" y="0"/>
+          <a:ext cx="0" cy="0"/>
+          <a:chOff x="0" y="0"/>
+          <a:chExt cx="0" cy="0"/>
+        </a:xfrm>
+      </p:grpSpPr>
+      <p:sp>
+        <p:nvSpPr>
+          <p:cNvPr id="2" name="Slide Image Placeholder 1"/>
+          <p:cNvSpPr>
+            <a:spLocks noGrp="1" noRot="1" noChangeAspect="1"/>
+          </p:cNvSpPr>
+          <p:nvPr>
+            <p:ph type="sldImg"/>
+          </p:nvPr>
+        </p:nvSpPr>
+        <p:spPr/>
+      </p:sp>
+      <p:sp>
+        <p:nvSpPr>
+          <p:cNvPr id="3" name="Notes Placeholder 2"/>
+          <p:cNvSpPr>
+            <a:spLocks noGrp="1"/>
+          </p:cNvSpPr>
+          <p:nvPr>
+            <p:ph type="body" idx="1"/>
+          </p:nvPr>
+        </p:nvSpPr>
+        <p:spPr/>
+        <p:txBody>
+          <a:bodyPr/>
+          <a:lstStyle/>
+          <a:p>
+            <a:r>
+              <a:rPr lang="en-US" dirty="0" err="1"/>
+              <a:t>l;inear</a:t>
+            </a:r>
+            <a:r>
+              <a:rPr lang="en-US" dirty="0"/>
+              <a:t> regression is not optimal for market predictions</a:t>
+            </a:r>
+          </a:p>
+          <a:p>
+            <a:endParaRPr lang="en-US" dirty="0"/>
+          </a:p>
+          <a:p>
+            <a:r>
+              <a:rPr lang="en-US" dirty="0"/>
+              <a:t>Confidence interval is represented by shaded area</a:t>
+            </a:r>
+          </a:p>
+          <a:p>
+            <a:endParaRPr lang="en-US" dirty="0"/>
+          </a:p>
+          <a:p>
+            <a:r>
+              <a:rPr lang="en-US" dirty="0"/>
+              <a:t>Large spikes are still within outlier ranges I set</a:t>
+            </a:r>
+          </a:p>
+        </p:txBody>
+      </p:sp>
+      <p:sp>
+        <p:nvSpPr>
+          <p:cNvPr id="4" name="Slide Number Placeholder 3"/>
+          <p:cNvSpPr>
+            <a:spLocks noGrp="1"/>
+          </p:cNvSpPr>
+          <p:nvPr>
+            <p:ph type="sldNum" sz="quarter" idx="5"/>
+          </p:nvPr>
+        </p:nvSpPr>
+        <p:spPr/>
+        <p:txBody>
+          <a:bodyPr/>
+          <a:lstStyle/>
+          <a:p>
+            <a:fld id="{255BD4BB-F3D1-4454-BB65-DD8DBBACF9E2}" type="slidenum">
+              <a:rPr lang="en-US" smtClean="0"/>
+              <a:t>9</a:t>
+            </a:fld>
+            <a:endParaRPr lang="en-US"/>
+          </a:p>
+        </p:txBody>
+      </p:sp>
+    </p:spTree>
+    <p:extLst>
+      <p:ext uri="{BB962C8B-B14F-4D97-AF65-F5344CB8AC3E}">
+        <p14:creationId xmlns:p14="http://schemas.microsoft.com/office/powerpoint/2010/main" val="391797368"/>
+      </p:ext>
+    </p:extLst>
+  </p:cSld>
+  <p:clrMapOvr>
+    <a:masterClrMapping/>
+  </p:clrMapOvr>
+</p:notes>
+</file>
+
+<file path=ppt/notesSlides/notesSlide8.xml><?xml version="1.0" encoding="utf-8"?>
+<p:notes xmlns:a="http://schemas.openxmlformats.org/drawingml/2006/main" xmlns:r="http://schemas.openxmlformats.org/officeDocument/2006/relationships" xmlns:p="http://schemas.openxmlformats.org/presentationml/2006/main">
+  <p:cSld>
+    <p:spTree>
+      <p:nvGrpSpPr>
+        <p:cNvPr id="1" name=""/>
+        <p:cNvGrpSpPr/>
+        <p:nvPr/>
+      </p:nvGrpSpPr>
+      <p:grpSpPr>
+        <a:xfrm>
+          <a:off x="0" y="0"/>
+          <a:ext cx="0" cy="0"/>
+          <a:chOff x="0" y="0"/>
+          <a:chExt cx="0" cy="0"/>
+        </a:xfrm>
+      </p:grpSpPr>
+      <p:sp>
+        <p:nvSpPr>
+          <p:cNvPr id="2" name="Slide Image Placeholder 1"/>
+          <p:cNvSpPr>
+            <a:spLocks noGrp="1" noRot="1" noChangeAspect="1"/>
+          </p:cNvSpPr>
+          <p:nvPr>
+            <p:ph type="sldImg"/>
+          </p:nvPr>
+        </p:nvSpPr>
+        <p:spPr/>
+      </p:sp>
+      <p:sp>
+        <p:nvSpPr>
+          <p:cNvPr id="3" name="Notes Placeholder 2"/>
+          <p:cNvSpPr>
+            <a:spLocks noGrp="1"/>
+          </p:cNvSpPr>
+          <p:nvPr>
+            <p:ph type="body" idx="1"/>
+          </p:nvPr>
+        </p:nvSpPr>
+        <p:spPr/>
+        <p:txBody>
+          <a:bodyPr/>
+          <a:lstStyle/>
+          <a:p>
+            <a:r>
+              <a:rPr lang="en-US" dirty="0"/>
+              <a:t>To improve these models for next time I learned that because they are kind of time series problem</a:t>
+            </a:r>
+          </a:p>
+          <a:p>
+            <a:endParaRPr lang="en-US" dirty="0"/>
+          </a:p>
+          <a:p>
+            <a:r>
+              <a:rPr lang="en-US" dirty="0"/>
+              <a:t>Mean absolute error</a:t>
+            </a:r>
+          </a:p>
+          <a:p>
+            <a:r>
+              <a:rPr lang="en-US" dirty="0"/>
+              <a:t>MAE would have given me deeper insight into the forecast of these markets</a:t>
+            </a:r>
+          </a:p>
+        </p:txBody>
+      </p:sp>
+      <p:sp>
+        <p:nvSpPr>
+          <p:cNvPr id="4" name="Slide Number Placeholder 3"/>
+          <p:cNvSpPr>
+            <a:spLocks noGrp="1"/>
+          </p:cNvSpPr>
+          <p:nvPr>
+            <p:ph type="sldNum" sz="quarter" idx="5"/>
+          </p:nvPr>
+        </p:nvSpPr>
+        <p:spPr/>
+        <p:txBody>
+          <a:bodyPr/>
+          <a:lstStyle/>
+          <a:p>
+            <a:fld id="{255BD4BB-F3D1-4454-BB65-DD8DBBACF9E2}" type="slidenum">
+              <a:rPr lang="en-US" smtClean="0"/>
+              <a:t>10</a:t>
+            </a:fld>
+            <a:endParaRPr lang="en-US"/>
+          </a:p>
+        </p:txBody>
+      </p:sp>
+    </p:spTree>
+    <p:extLst>
+      <p:ext uri="{BB962C8B-B14F-4D97-AF65-F5344CB8AC3E}">
+        <p14:creationId xmlns:p14="http://schemas.microsoft.com/office/powerpoint/2010/main" val="3257826229"/>
+      </p:ext>
+    </p:extLst>
+  </p:cSld>
+  <p:clrMapOvr>
+    <a:masterClrMapping/>
+  </p:clrMapOvr>
+</p:notes>
+</file>
+
+<file path=ppt/notesSlides/notesSlide9.xml><?xml version="1.0" encoding="utf-8"?>
+<p:notes xmlns:a="http://schemas.openxmlformats.org/drawingml/2006/main" xmlns:r="http://schemas.openxmlformats.org/officeDocument/2006/relationships" xmlns:p="http://schemas.openxmlformats.org/presentationml/2006/main">
+  <p:cSld>
+    <p:spTree>
+      <p:nvGrpSpPr>
+        <p:cNvPr id="1" name=""/>
+        <p:cNvGrpSpPr/>
+        <p:nvPr/>
+      </p:nvGrpSpPr>
+      <p:grpSpPr>
+        <a:xfrm>
+          <a:off x="0" y="0"/>
+          <a:ext cx="0" cy="0"/>
+          <a:chOff x="0" y="0"/>
+          <a:chExt cx="0" cy="0"/>
+        </a:xfrm>
+      </p:grpSpPr>
+      <p:sp>
+        <p:nvSpPr>
+          <p:cNvPr id="2" name="Slide Image Placeholder 1"/>
+          <p:cNvSpPr>
+            <a:spLocks noGrp="1" noRot="1" noChangeAspect="1"/>
+          </p:cNvSpPr>
+          <p:nvPr>
+            <p:ph type="sldImg"/>
+          </p:nvPr>
+        </p:nvSpPr>
+        <p:spPr/>
+      </p:sp>
+      <p:sp>
+        <p:nvSpPr>
+          <p:cNvPr id="3" name="Notes Placeholder 2"/>
+          <p:cNvSpPr>
+            <a:spLocks noGrp="1"/>
+          </p:cNvSpPr>
+          <p:nvPr>
+            <p:ph type="body" idx="1"/>
+          </p:nvPr>
+        </p:nvSpPr>
+        <p:spPr/>
+        <p:txBody>
+          <a:bodyPr/>
+          <a:lstStyle/>
+          <a:p>
+            <a:pPr marL="0" marR="0" lvl="0" indent="0" algn="l" defTabSz="914400" rtl="0" eaLnBrk="1" fontAlgn="auto" latinLnBrk="0" hangingPunct="1">
+              <a:lnSpc>
+                <a:spcPct val="100000"/>
+              </a:lnSpc>
+              <a:spcBef>
+                <a:spcPts val="0"/>
+              </a:spcBef>
+              <a:spcAft>
+                <a:spcPts val="0"/>
+              </a:spcAft>
+              <a:buClrTx/>
+              <a:buSzTx/>
+              <a:buFontTx/>
+              <a:buNone/>
+              <a:tabLst/>
+              <a:defRPr/>
+            </a:pPr>
+            <a:r>
+              <a:rPr lang="en-US" dirty="0"/>
+              <a:t>To identify any market patterns in 5 high-end items to maximize my profits</a:t>
+            </a:r>
+          </a:p>
+          <a:p>
+            <a:pPr marL="0" marR="0" lvl="0" indent="0" algn="l" defTabSz="914400" rtl="0" eaLnBrk="1" fontAlgn="auto" latinLnBrk="0" hangingPunct="1">
+              <a:lnSpc>
+                <a:spcPct val="100000"/>
+              </a:lnSpc>
+              <a:spcBef>
+                <a:spcPts val="0"/>
+              </a:spcBef>
+              <a:spcAft>
+                <a:spcPts val="0"/>
+              </a:spcAft>
+              <a:buClrTx/>
+              <a:buSzTx/>
+              <a:buFontTx/>
+              <a:buNone/>
+              <a:tabLst/>
+              <a:defRPr/>
+            </a:pPr>
+            <a:r>
+              <a:rPr lang="en-US" dirty="0"/>
+              <a:t>Content patches were an unexpected insight</a:t>
+            </a:r>
+          </a:p>
+          <a:p>
+            <a:endParaRPr lang="en-US" dirty="0"/>
+          </a:p>
+          <a:p>
+            <a:pPr marL="0" marR="0" lvl="0" indent="0" algn="l" defTabSz="914400" rtl="0" eaLnBrk="1" fontAlgn="auto" latinLnBrk="0" hangingPunct="1">
+              <a:lnSpc>
+                <a:spcPct val="100000"/>
+              </a:lnSpc>
+              <a:spcBef>
+                <a:spcPts val="0"/>
+              </a:spcBef>
+              <a:spcAft>
+                <a:spcPts val="0"/>
+              </a:spcAft>
+              <a:buClrTx/>
+              <a:buSzTx/>
+              <a:buFontTx/>
+              <a:buNone/>
+              <a:tabLst/>
+              <a:defRPr/>
+            </a:pPr>
+            <a:r>
+              <a:rPr lang="en-US" dirty="0"/>
+              <a:t>Which days during the week are most Players buying these 5 items?</a:t>
+            </a:r>
+          </a:p>
+          <a:p>
+            <a:pPr marL="0" marR="0" lvl="0" indent="0" algn="l" defTabSz="914400" rtl="0" eaLnBrk="1" fontAlgn="auto" latinLnBrk="0" hangingPunct="1">
+              <a:lnSpc>
+                <a:spcPct val="100000"/>
+              </a:lnSpc>
+              <a:spcBef>
+                <a:spcPts val="0"/>
+              </a:spcBef>
+              <a:spcAft>
+                <a:spcPts val="0"/>
+              </a:spcAft>
+              <a:buClrTx/>
+              <a:buSzTx/>
+              <a:buFontTx/>
+              <a:buNone/>
+              <a:tabLst/>
+              <a:defRPr/>
+            </a:pPr>
+            <a:r>
+              <a:rPr lang="en-US" dirty="0"/>
+              <a:t>- no single day during the week stood out more than the others</a:t>
+            </a:r>
+          </a:p>
+          <a:p>
+            <a:endParaRPr lang="en-US" dirty="0"/>
+          </a:p>
+          <a:p>
+            <a:r>
+              <a:rPr lang="en-US" dirty="0"/>
+              <a:t>Can I build a predictive model for these items?</a:t>
+            </a:r>
+          </a:p>
+          <a:p>
+            <a:r>
+              <a:rPr lang="en-US" dirty="0"/>
+              <a:t>To predict the general trend over weeks at a time </a:t>
+            </a:r>
+          </a:p>
+        </p:txBody>
+      </p:sp>
+      <p:sp>
+        <p:nvSpPr>
+          <p:cNvPr id="4" name="Slide Number Placeholder 3"/>
+          <p:cNvSpPr>
+            <a:spLocks noGrp="1"/>
+          </p:cNvSpPr>
+          <p:nvPr>
+            <p:ph type="sldNum" sz="quarter" idx="5"/>
+          </p:nvPr>
+        </p:nvSpPr>
+        <p:spPr/>
+        <p:txBody>
+          <a:bodyPr/>
+          <a:lstStyle/>
+          <a:p>
+            <a:fld id="{255BD4BB-F3D1-4454-BB65-DD8DBBACF9E2}" type="slidenum">
+              <a:rPr lang="en-US" smtClean="0"/>
+              <a:t>11</a:t>
+            </a:fld>
+            <a:endParaRPr lang="en-US"/>
+          </a:p>
+        </p:txBody>
+      </p:sp>
+    </p:spTree>
+    <p:extLst>
+      <p:ext uri="{BB962C8B-B14F-4D97-AF65-F5344CB8AC3E}">
+        <p14:creationId xmlns:p14="http://schemas.microsoft.com/office/powerpoint/2010/main" val="3682493764"/>
+      </p:ext>
+    </p:extLst>
+  </p:cSld>
+  <p:clrMapOvr>
+    <a:masterClrMapping/>
+  </p:clrMapOvr>
+</p:notes>
+</file>
+
 <file path=ppt/slideLayouts/slideLayout1.xml><?xml version="1.0" encoding="utf-8"?>
 <p:sldLayout xmlns:a="http://schemas.openxmlformats.org/drawingml/2006/main" xmlns:r="http://schemas.openxmlformats.org/officeDocument/2006/relationships" xmlns:p="http://schemas.openxmlformats.org/presentationml/2006/main" type="title" preserve="1">
   <p:cSld name="Title Slide">
@@ -304,7 +1720,7 @@
           <a:p>
             <a:fld id="{0FB7CF4A-31B0-4E73-B1E5-56F1B67C2C74}" type="datetimeFigureOut">
               <a:rPr lang="en-US" smtClean="0"/>
-              <a:t>3/26/2024</a:t>
+              <a:t>3/28/2024</a:t>
             </a:fld>
             <a:endParaRPr lang="en-US"/>
           </a:p>
@@ -602,7 +2018,7 @@
           <a:p>
             <a:fld id="{0FB7CF4A-31B0-4E73-B1E5-56F1B67C2C74}" type="datetimeFigureOut">
               <a:rPr lang="en-US" smtClean="0"/>
-              <a:t>3/26/2024</a:t>
+              <a:t>3/28/2024</a:t>
             </a:fld>
             <a:endParaRPr lang="en-US"/>
           </a:p>
@@ -794,7 +2210,7 @@
           <a:p>
             <a:fld id="{0FB7CF4A-31B0-4E73-B1E5-56F1B67C2C74}" type="datetimeFigureOut">
               <a:rPr lang="en-US" smtClean="0"/>
-              <a:t>3/26/2024</a:t>
+              <a:t>3/28/2024</a:t>
             </a:fld>
             <a:endParaRPr lang="en-US"/>
           </a:p>
@@ -1055,7 +2471,7 @@
           <a:p>
             <a:fld id="{0FB7CF4A-31B0-4E73-B1E5-56F1B67C2C74}" type="datetimeFigureOut">
               <a:rPr lang="en-US" smtClean="0"/>
-              <a:t>3/26/2024</a:t>
+              <a:t>3/28/2024</a:t>
             </a:fld>
             <a:endParaRPr lang="en-US"/>
           </a:p>
@@ -1479,7 +2895,7 @@
           <a:p>
             <a:fld id="{0FB7CF4A-31B0-4E73-B1E5-56F1B67C2C74}" type="datetimeFigureOut">
               <a:rPr lang="en-US" smtClean="0"/>
-              <a:t>3/26/2024</a:t>
+              <a:t>3/28/2024</a:t>
             </a:fld>
             <a:endParaRPr lang="en-US"/>
           </a:p>
@@ -2016,7 +3432,7 @@
           <a:p>
             <a:fld id="{0FB7CF4A-31B0-4E73-B1E5-56F1B67C2C74}" type="datetimeFigureOut">
               <a:rPr lang="en-US" smtClean="0"/>
-              <a:t>3/26/2024</a:t>
+              <a:t>3/28/2024</a:t>
             </a:fld>
             <a:endParaRPr lang="en-US"/>
           </a:p>
@@ -2880,7 +4296,7 @@
           <a:p>
             <a:fld id="{0FB7CF4A-31B0-4E73-B1E5-56F1B67C2C74}" type="datetimeFigureOut">
               <a:rPr lang="en-US" smtClean="0"/>
-              <a:t>3/26/2024</a:t>
+              <a:t>3/28/2024</a:t>
             </a:fld>
             <a:endParaRPr lang="en-US"/>
           </a:p>
@@ -3050,7 +4466,7 @@
           <a:p>
             <a:fld id="{0FB7CF4A-31B0-4E73-B1E5-56F1B67C2C74}" type="datetimeFigureOut">
               <a:rPr lang="en-US" smtClean="0"/>
-              <a:t>3/26/2024</a:t>
+              <a:t>3/28/2024</a:t>
             </a:fld>
             <a:endParaRPr lang="en-US"/>
           </a:p>
@@ -3234,7 +4650,7 @@
           <a:p>
             <a:fld id="{0FB7CF4A-31B0-4E73-B1E5-56F1B67C2C74}" type="datetimeFigureOut">
               <a:rPr lang="en-US" smtClean="0"/>
-              <a:t>3/26/2024</a:t>
+              <a:t>3/28/2024</a:t>
             </a:fld>
             <a:endParaRPr lang="en-US"/>
           </a:p>
@@ -3404,7 +4820,7 @@
           <a:p>
             <a:fld id="{0FB7CF4A-31B0-4E73-B1E5-56F1B67C2C74}" type="datetimeFigureOut">
               <a:rPr lang="en-US" smtClean="0"/>
-              <a:t>3/26/2024</a:t>
+              <a:t>3/28/2024</a:t>
             </a:fld>
             <a:endParaRPr lang="en-US"/>
           </a:p>
@@ -3648,7 +5064,7 @@
           <a:p>
             <a:fld id="{0FB7CF4A-31B0-4E73-B1E5-56F1B67C2C74}" type="datetimeFigureOut">
               <a:rPr lang="en-US" smtClean="0"/>
-              <a:t>3/26/2024</a:t>
+              <a:t>3/28/2024</a:t>
             </a:fld>
             <a:endParaRPr lang="en-US"/>
           </a:p>
@@ -3884,7 +5300,7 @@
           <a:p>
             <a:fld id="{0FB7CF4A-31B0-4E73-B1E5-56F1B67C2C74}" type="datetimeFigureOut">
               <a:rPr lang="en-US" smtClean="0"/>
-              <a:t>3/26/2024</a:t>
+              <a:t>3/28/2024</a:t>
             </a:fld>
             <a:endParaRPr lang="en-US"/>
           </a:p>
@@ -4350,7 +5766,7 @@
           <a:p>
             <a:fld id="{0FB7CF4A-31B0-4E73-B1E5-56F1B67C2C74}" type="datetimeFigureOut">
               <a:rPr lang="en-US" smtClean="0"/>
-              <a:t>3/26/2024</a:t>
+              <a:t>3/28/2024</a:t>
             </a:fld>
             <a:endParaRPr lang="en-US"/>
           </a:p>
@@ -4468,7 +5884,7 @@
           <a:p>
             <a:fld id="{0FB7CF4A-31B0-4E73-B1E5-56F1B67C2C74}" type="datetimeFigureOut">
               <a:rPr lang="en-US" smtClean="0"/>
-              <a:t>3/26/2024</a:t>
+              <a:t>3/28/2024</a:t>
             </a:fld>
             <a:endParaRPr lang="en-US"/>
           </a:p>
@@ -4563,7 +5979,7 @@
           <a:p>
             <a:fld id="{0FB7CF4A-31B0-4E73-B1E5-56F1B67C2C74}" type="datetimeFigureOut">
               <a:rPr lang="en-US" smtClean="0"/>
-              <a:t>3/26/2024</a:t>
+              <a:t>3/28/2024</a:t>
             </a:fld>
             <a:endParaRPr lang="en-US"/>
           </a:p>
@@ -4818,7 +6234,7 @@
           <a:p>
             <a:fld id="{0FB7CF4A-31B0-4E73-B1E5-56F1B67C2C74}" type="datetimeFigureOut">
               <a:rPr lang="en-US" smtClean="0"/>
-              <a:t>3/26/2024</a:t>
+              <a:t>3/28/2024</a:t>
             </a:fld>
             <a:endParaRPr lang="en-US"/>
           </a:p>
@@ -5118,7 +6534,7 @@
           <a:p>
             <a:fld id="{0FB7CF4A-31B0-4E73-B1E5-56F1B67C2C74}" type="datetimeFigureOut">
               <a:rPr lang="en-US" smtClean="0"/>
-              <a:t>3/26/2024</a:t>
+              <a:t>3/28/2024</a:t>
             </a:fld>
             <a:endParaRPr lang="en-US"/>
           </a:p>
@@ -5352,7 +6768,7 @@
           <a:p>
             <a:fld id="{0FB7CF4A-31B0-4E73-B1E5-56F1B67C2C74}" type="datetimeFigureOut">
               <a:rPr lang="en-US" smtClean="0"/>
-              <a:t>3/26/2024</a:t>
+              <a:t>3/28/2024</a:t>
             </a:fld>
             <a:endParaRPr lang="en-US"/>
           </a:p>
@@ -6106,7 +7522,7 @@
           <p:nvPr/>
         </p:nvPicPr>
         <p:blipFill>
-          <a:blip r:embed="rId2">
+          <a:blip r:embed="rId3">
             <a:extLst>
               <a:ext uri="{28A0092B-C50C-407E-A947-70E740481C1C}">
                 <a14:useLocalDpi xmlns:a14="http://schemas.microsoft.com/office/drawing/2010/main" val="0"/>
@@ -6140,7 +7556,7 @@
 </p:sld>
 </file>
 
-<file path=ppt/slides/slide2.xml><?xml version="1.0" encoding="utf-8"?>
+<file path=ppt/slides/slide10.xml><?xml version="1.0" encoding="utf-8"?>
 <p:sld xmlns:a="http://schemas.openxmlformats.org/drawingml/2006/main" xmlns:r="http://schemas.openxmlformats.org/officeDocument/2006/relationships" xmlns:p="http://schemas.openxmlformats.org/presentationml/2006/main">
   <p:cSld>
     <p:spTree>
@@ -6162,7 +7578,7 @@
           <p:cNvPr id="2" name="Title 1">
             <a:extLst>
               <a:ext uri="{FF2B5EF4-FFF2-40B4-BE49-F238E27FC236}">
-                <a16:creationId xmlns:a16="http://schemas.microsoft.com/office/drawing/2014/main" id="{B5A29ECA-8E3B-F081-6694-490B4F8BF2CF}"/>
+                <a16:creationId xmlns:a16="http://schemas.microsoft.com/office/drawing/2014/main" id="{833B19EC-A351-E9A7-C827-8354A3BD82FD}"/>
               </a:ext>
             </a:extLst>
           </p:cNvPr>
@@ -6180,106 +7596,29 @@
           <a:p>
             <a:r>
               <a:rPr lang="en-US" dirty="0"/>
-              <a:t>What is the Market Board?</a:t>
+              <a:t>Forecasting-Vitality</a:t>
             </a:r>
           </a:p>
         </p:txBody>
       </p:sp>
-      <p:sp>
-        <p:nvSpPr>
-          <p:cNvPr id="3" name="Content Placeholder 2">
+      <p:pic>
+        <p:nvPicPr>
+          <p:cNvPr id="5" name="Content Placeholder 4">
             <a:extLst>
               <a:ext uri="{FF2B5EF4-FFF2-40B4-BE49-F238E27FC236}">
-                <a16:creationId xmlns:a16="http://schemas.microsoft.com/office/drawing/2014/main" id="{056D7A99-6427-3D85-C46D-C85219B6CFFA}"/>
-              </a:ext>
-            </a:extLst>
-          </p:cNvPr>
-          <p:cNvSpPr>
-            <a:spLocks noGrp="1"/>
-          </p:cNvSpPr>
-          <p:nvPr>
-            <p:ph idx="1"/>
-          </p:nvPr>
-        </p:nvSpPr>
-        <p:spPr/>
-        <p:txBody>
-          <a:bodyPr>
-            <a:normAutofit/>
-          </a:bodyPr>
-          <a:lstStyle/>
-          <a:p>
-            <a:r>
-              <a:rPr lang="en-US" dirty="0"/>
-              <a:t>Central hub for Players to buy and sell items from other Players</a:t>
-            </a:r>
-          </a:p>
-          <a:p>
-            <a:r>
-              <a:rPr lang="en-US" dirty="0"/>
-              <a:t>Pricing is fully Player-Driven</a:t>
-            </a:r>
-          </a:p>
-          <a:p>
-            <a:r>
-              <a:rPr lang="en-US" dirty="0"/>
-              <a:t>Market-Trends and Fluctuations exist</a:t>
-            </a:r>
-          </a:p>
-          <a:p>
-            <a:r>
-              <a:rPr lang="en-US" dirty="0"/>
-              <a:t>Hard to predict since Player needs are evolving</a:t>
-            </a:r>
-          </a:p>
-          <a:p>
-            <a:r>
-              <a:rPr lang="en-US" dirty="0"/>
-              <a:t>Different Players fill different supplier roles</a:t>
-            </a:r>
-          </a:p>
-          <a:p>
-            <a:pPr lvl="1"/>
-            <a:r>
-              <a:rPr lang="en-US" dirty="0"/>
-              <a:t>Raw material </a:t>
-            </a:r>
-          </a:p>
-          <a:p>
-            <a:pPr lvl="1"/>
-            <a:r>
-              <a:rPr lang="en-US" dirty="0"/>
-              <a:t>Intermediate ingredient</a:t>
-            </a:r>
-          </a:p>
-          <a:p>
-            <a:pPr lvl="1"/>
-            <a:r>
-              <a:rPr lang="en-US" dirty="0"/>
-              <a:t>Crafted item </a:t>
-            </a:r>
-          </a:p>
-          <a:p>
-            <a:pPr lvl="1"/>
-            <a:endParaRPr lang="en-US" dirty="0"/>
-          </a:p>
-        </p:txBody>
-      </p:sp>
-      <p:pic>
-        <p:nvPicPr>
-          <p:cNvPr id="5" name="Picture 4">
-            <a:extLst>
-              <a:ext uri="{FF2B5EF4-FFF2-40B4-BE49-F238E27FC236}">
-                <a16:creationId xmlns:a16="http://schemas.microsoft.com/office/drawing/2014/main" id="{CDD117B9-39E5-8D6C-9788-1B9EFBE09FDF}"/>
+                <a16:creationId xmlns:a16="http://schemas.microsoft.com/office/drawing/2014/main" id="{C1FDF385-B5F3-2222-D776-85E1596493AA}"/>
               </a:ext>
             </a:extLst>
           </p:cNvPr>
           <p:cNvPicPr>
-            <a:picLocks noChangeAspect="1"/>
+            <a:picLocks noGrp="1" noChangeAspect="1"/>
           </p:cNvPicPr>
-          <p:nvPr/>
+          <p:nvPr>
+            <p:ph idx="1"/>
+          </p:nvPr>
         </p:nvPicPr>
         <p:blipFill>
-          <a:blip r:embed="rId2">
+          <a:blip r:embed="rId3">
             <a:extLst>
               <a:ext uri="{28A0092B-C50C-407E-A947-70E740481C1C}">
                 <a14:useLocalDpi xmlns:a14="http://schemas.microsoft.com/office/drawing/2010/main" val="0"/>
@@ -6292,21 +7631,15 @@
         </p:blipFill>
         <p:spPr>
           <a:xfrm>
-            <a:off x="6445265" y="2262851"/>
-            <a:ext cx="5416193" cy="2850628"/>
+            <a:off x="1564397" y="1463040"/>
+            <a:ext cx="9052557" cy="5394960"/>
           </a:xfrm>
-          <a:prstGeom prst="rect">
-            <a:avLst/>
-          </a:prstGeom>
-          <a:effectLst>
-            <a:softEdge rad="38100"/>
-          </a:effectLst>
         </p:spPr>
       </p:pic>
     </p:spTree>
     <p:extLst>
       <p:ext uri="{BB962C8B-B14F-4D97-AF65-F5344CB8AC3E}">
-        <p14:creationId xmlns:p14="http://schemas.microsoft.com/office/powerpoint/2010/main" val="3019759813"/>
+        <p14:creationId xmlns:p14="http://schemas.microsoft.com/office/powerpoint/2010/main" val="2128107543"/>
       </p:ext>
     </p:extLst>
   </p:cSld>
@@ -6316,7 +7649,7 @@
 </p:sld>
 </file>
 
-<file path=ppt/slides/slide3.xml><?xml version="1.0" encoding="utf-8"?>
+<file path=ppt/slides/slide11.xml><?xml version="1.0" encoding="utf-8"?>
 <p:sld xmlns:a="http://schemas.openxmlformats.org/drawingml/2006/main" xmlns:r="http://schemas.openxmlformats.org/officeDocument/2006/relationships" xmlns:p="http://schemas.openxmlformats.org/presentationml/2006/main">
   <p:cSld>
     <p:spTree>
@@ -6335,83 +7668,10 @@
       </p:grpSpPr>
       <p:sp>
         <p:nvSpPr>
-          <p:cNvPr id="2" name="Title 1">
-            <a:extLst>
-              <a:ext uri="{FF2B5EF4-FFF2-40B4-BE49-F238E27FC236}">
-                <a16:creationId xmlns:a16="http://schemas.microsoft.com/office/drawing/2014/main" id="{9645CDA6-4CB3-AF6D-8554-62C7DC9F86DE}"/>
-              </a:ext>
-            </a:extLst>
-          </p:cNvPr>
-          <p:cNvSpPr>
-            <a:spLocks noGrp="1"/>
-          </p:cNvSpPr>
-          <p:nvPr>
-            <p:ph type="title"/>
-          </p:nvPr>
-        </p:nvSpPr>
-        <p:spPr/>
-        <p:txBody>
-          <a:bodyPr/>
-          <a:lstStyle/>
-          <a:p>
-            <a:r>
-              <a:rPr lang="en-US" dirty="0"/>
-              <a:t>Why Consumables?</a:t>
-            </a:r>
-          </a:p>
-        </p:txBody>
-      </p:sp>
-      <p:sp>
-        <p:nvSpPr>
-          <p:cNvPr id="3" name="Content Placeholder 2">
-            <a:extLst>
-              <a:ext uri="{FF2B5EF4-FFF2-40B4-BE49-F238E27FC236}">
-                <a16:creationId xmlns:a16="http://schemas.microsoft.com/office/drawing/2014/main" id="{B869E850-E789-9484-EB2F-9A877FBB0149}"/>
-              </a:ext>
-            </a:extLst>
-          </p:cNvPr>
-          <p:cNvSpPr>
-            <a:spLocks noGrp="1"/>
-          </p:cNvSpPr>
-          <p:nvPr>
-            <p:ph idx="1"/>
-          </p:nvPr>
-        </p:nvSpPr>
-        <p:spPr>
-          <a:xfrm>
-            <a:off x="913795" y="1732449"/>
-            <a:ext cx="10353762" cy="1398503"/>
-          </a:xfrm>
-        </p:spPr>
-        <p:txBody>
-          <a:bodyPr/>
-          <a:lstStyle/>
-          <a:p>
-            <a:r>
-              <a:rPr lang="en-US" dirty="0"/>
-              <a:t>Used in challenging content to enhance Player power</a:t>
-            </a:r>
-          </a:p>
-          <a:p>
-            <a:r>
-              <a:rPr lang="en-US" dirty="0"/>
-              <a:t>Players organize themselves weekly for this content</a:t>
-            </a:r>
-          </a:p>
-          <a:p>
-            <a:r>
-              <a:rPr lang="en-US" dirty="0"/>
-              <a:t>It’s the part of the market I participate the most in</a:t>
-            </a:r>
-          </a:p>
-        </p:txBody>
-      </p:sp>
-      <p:sp>
-        <p:nvSpPr>
           <p:cNvPr id="4" name="Title 1">
             <a:extLst>
               <a:ext uri="{FF2B5EF4-FFF2-40B4-BE49-F238E27FC236}">
-                <a16:creationId xmlns:a16="http://schemas.microsoft.com/office/drawing/2014/main" id="{B46C4DB2-C3A7-7EFE-D0EA-3D5041967E4D}"/>
+                <a16:creationId xmlns:a16="http://schemas.microsoft.com/office/drawing/2014/main" id="{24CFD448-B4B9-310D-9749-236B3FEAB8CB}"/>
               </a:ext>
             </a:extLst>
           </p:cNvPr>
@@ -6422,7 +7682,7 @@
         </p:nvSpPr>
         <p:spPr>
           <a:xfrm>
-            <a:off x="913795" y="2995858"/>
+            <a:off x="919119" y="871903"/>
             <a:ext cx="10353762" cy="970450"/>
           </a:xfrm>
           <a:prstGeom prst="rect">
@@ -6531,7 +7791,7 @@
           <a:p>
             <a:r>
               <a:rPr lang="en-US" dirty="0"/>
-              <a:t>The Goal !</a:t>
+              <a:t>The Results ?</a:t>
             </a:r>
           </a:p>
         </p:txBody>
@@ -6541,7 +7801,7 @@
           <p:cNvPr id="5" name="Content Placeholder 2">
             <a:extLst>
               <a:ext uri="{FF2B5EF4-FFF2-40B4-BE49-F238E27FC236}">
-                <a16:creationId xmlns:a16="http://schemas.microsoft.com/office/drawing/2014/main" id="{928892A6-4E67-121B-779F-DEE67623AD6A}"/>
+                <a16:creationId xmlns:a16="http://schemas.microsoft.com/office/drawing/2014/main" id="{E4EC7A67-4EE0-0CDC-89B9-D30538088EB9}"/>
               </a:ext>
             </a:extLst>
           </p:cNvPr>
@@ -6552,7 +7812,2917 @@
         </p:nvSpPr>
         <p:spPr>
           <a:xfrm>
-            <a:off x="913795" y="4112972"/>
+            <a:off x="3583758" y="2493161"/>
+            <a:ext cx="5024482" cy="1568630"/>
+          </a:xfrm>
+          <a:prstGeom prst="rect">
+            <a:avLst/>
+          </a:prstGeom>
+          <a:effectLst>
+            <a:outerShdw blurRad="25400" dir="17880000">
+              <a:srgbClr val="000000">
+                <a:alpha val="46000"/>
+              </a:srgbClr>
+            </a:outerShdw>
+          </a:effectLst>
+        </p:spPr>
+        <p:txBody>
+          <a:bodyPr vert="horz" lIns="91440" tIns="45720" rIns="91440" bIns="45720" rtlCol="0" anchor="t">
+            <a:normAutofit/>
+          </a:bodyPr>
+          <a:lstStyle>
+            <a:lvl1pPr marL="342900" indent="-306000" algn="l" defTabSz="457200" rtl="0" eaLnBrk="1" latinLnBrk="0" hangingPunct="1">
+              <a:spcBef>
+                <a:spcPct val="20000"/>
+              </a:spcBef>
+              <a:spcAft>
+                <a:spcPts val="600"/>
+              </a:spcAft>
+              <a:buClr>
+                <a:schemeClr val="tx2"/>
+              </a:buClr>
+              <a:buSzPct val="70000"/>
+              <a:buFont typeface="Wingdings 2" charset="2"/>
+              <a:buChar char=""/>
+              <a:defRPr sz="2000" kern="1200">
+                <a:ln>
+                  <a:solidFill>
+                    <a:schemeClr val="bg1">
+                      <a:lumMod val="75000"/>
+                      <a:lumOff val="25000"/>
+                      <a:alpha val="10000"/>
+                    </a:schemeClr>
+                  </a:solidFill>
+                </a:ln>
+                <a:solidFill>
+                  <a:schemeClr val="tx2"/>
+                </a:solidFill>
+                <a:effectLst>
+                  <a:outerShdw blurRad="9525" dist="25400" dir="14640000" algn="tl" rotWithShape="0">
+                    <a:schemeClr val="bg1">
+                      <a:alpha val="30000"/>
+                    </a:schemeClr>
+                  </a:outerShdw>
+                </a:effectLst>
+                <a:latin typeface="+mn-lt"/>
+                <a:ea typeface="+mn-ea"/>
+                <a:cs typeface="+mn-cs"/>
+              </a:defRPr>
+            </a:lvl1pPr>
+            <a:lvl2pPr marL="720000" indent="-270000" algn="l" defTabSz="457200" rtl="0" eaLnBrk="1" latinLnBrk="0" hangingPunct="1">
+              <a:spcBef>
+                <a:spcPct val="20000"/>
+              </a:spcBef>
+              <a:spcAft>
+                <a:spcPts val="600"/>
+              </a:spcAft>
+              <a:buClr>
+                <a:schemeClr val="tx2"/>
+              </a:buClr>
+              <a:buSzPct val="70000"/>
+              <a:buFont typeface="Wingdings 2" charset="2"/>
+              <a:buChar char=""/>
+              <a:defRPr sz="1800" kern="1200">
+                <a:ln>
+                  <a:solidFill>
+                    <a:schemeClr val="bg1">
+                      <a:lumMod val="75000"/>
+                      <a:lumOff val="25000"/>
+                      <a:alpha val="10000"/>
+                    </a:schemeClr>
+                  </a:solidFill>
+                </a:ln>
+                <a:solidFill>
+                  <a:schemeClr val="tx2"/>
+                </a:solidFill>
+                <a:effectLst>
+                  <a:outerShdw blurRad="9525" dist="25400" dir="14640000" algn="tl" rotWithShape="0">
+                    <a:schemeClr val="bg1">
+                      <a:alpha val="30000"/>
+                    </a:schemeClr>
+                  </a:outerShdw>
+                </a:effectLst>
+                <a:latin typeface="+mn-lt"/>
+                <a:ea typeface="+mn-ea"/>
+                <a:cs typeface="+mn-cs"/>
+              </a:defRPr>
+            </a:lvl2pPr>
+            <a:lvl3pPr marL="1026000" indent="-216000" algn="l" defTabSz="457200" rtl="0" eaLnBrk="1" latinLnBrk="0" hangingPunct="1">
+              <a:spcBef>
+                <a:spcPct val="20000"/>
+              </a:spcBef>
+              <a:spcAft>
+                <a:spcPts val="600"/>
+              </a:spcAft>
+              <a:buClr>
+                <a:schemeClr val="tx2"/>
+              </a:buClr>
+              <a:buSzPct val="70000"/>
+              <a:buFont typeface="Wingdings 2" charset="2"/>
+              <a:buChar char=""/>
+              <a:defRPr sz="1600" kern="1200">
+                <a:ln>
+                  <a:solidFill>
+                    <a:schemeClr val="bg1">
+                      <a:lumMod val="75000"/>
+                      <a:lumOff val="25000"/>
+                      <a:alpha val="10000"/>
+                    </a:schemeClr>
+                  </a:solidFill>
+                </a:ln>
+                <a:solidFill>
+                  <a:schemeClr val="tx2"/>
+                </a:solidFill>
+                <a:effectLst>
+                  <a:outerShdw blurRad="9525" dist="25400" dir="14640000" algn="tl" rotWithShape="0">
+                    <a:schemeClr val="bg1">
+                      <a:alpha val="30000"/>
+                    </a:schemeClr>
+                  </a:outerShdw>
+                </a:effectLst>
+                <a:latin typeface="+mn-lt"/>
+                <a:ea typeface="+mn-ea"/>
+                <a:cs typeface="+mn-cs"/>
+              </a:defRPr>
+            </a:lvl3pPr>
+            <a:lvl4pPr marL="1386000" indent="-216000" algn="l" defTabSz="457200" rtl="0" eaLnBrk="1" latinLnBrk="0" hangingPunct="1">
+              <a:spcBef>
+                <a:spcPct val="20000"/>
+              </a:spcBef>
+              <a:spcAft>
+                <a:spcPts val="600"/>
+              </a:spcAft>
+              <a:buClr>
+                <a:schemeClr val="tx2"/>
+              </a:buClr>
+              <a:buSzPct val="70000"/>
+              <a:buFont typeface="Wingdings 2" charset="2"/>
+              <a:buChar char=""/>
+              <a:defRPr sz="1400" kern="1200">
+                <a:ln>
+                  <a:solidFill>
+                    <a:schemeClr val="bg1">
+                      <a:lumMod val="75000"/>
+                      <a:lumOff val="25000"/>
+                      <a:alpha val="10000"/>
+                    </a:schemeClr>
+                  </a:solidFill>
+                </a:ln>
+                <a:solidFill>
+                  <a:schemeClr val="tx2"/>
+                </a:solidFill>
+                <a:effectLst>
+                  <a:outerShdw blurRad="9525" dist="25400" dir="14640000" algn="tl" rotWithShape="0">
+                    <a:schemeClr val="bg1">
+                      <a:alpha val="30000"/>
+                    </a:schemeClr>
+                  </a:outerShdw>
+                </a:effectLst>
+                <a:latin typeface="+mn-lt"/>
+                <a:ea typeface="+mn-ea"/>
+                <a:cs typeface="+mn-cs"/>
+              </a:defRPr>
+            </a:lvl4pPr>
+            <a:lvl5pPr marL="1674000" indent="-216000" algn="l" defTabSz="457200" rtl="0" eaLnBrk="1" latinLnBrk="0" hangingPunct="1">
+              <a:spcBef>
+                <a:spcPct val="20000"/>
+              </a:spcBef>
+              <a:spcAft>
+                <a:spcPts val="600"/>
+              </a:spcAft>
+              <a:buClr>
+                <a:schemeClr val="tx2"/>
+              </a:buClr>
+              <a:buSzPct val="70000"/>
+              <a:buFont typeface="Wingdings 2" charset="2"/>
+              <a:buChar char=""/>
+              <a:defRPr sz="1400" kern="1200">
+                <a:ln>
+                  <a:solidFill>
+                    <a:schemeClr val="bg1">
+                      <a:lumMod val="75000"/>
+                      <a:lumOff val="25000"/>
+                      <a:alpha val="10000"/>
+                    </a:schemeClr>
+                  </a:solidFill>
+                </a:ln>
+                <a:solidFill>
+                  <a:schemeClr val="tx2"/>
+                </a:solidFill>
+                <a:effectLst>
+                  <a:outerShdw blurRad="9525" dist="25400" dir="14640000" algn="tl" rotWithShape="0">
+                    <a:schemeClr val="bg1">
+                      <a:alpha val="30000"/>
+                    </a:schemeClr>
+                  </a:outerShdw>
+                </a:effectLst>
+                <a:latin typeface="+mn-lt"/>
+                <a:ea typeface="+mn-ea"/>
+                <a:cs typeface="+mn-cs"/>
+              </a:defRPr>
+            </a:lvl5pPr>
+            <a:lvl6pPr marL="2014600" indent="-228600" algn="l" defTabSz="457200" rtl="0" eaLnBrk="1" latinLnBrk="0" hangingPunct="1">
+              <a:spcBef>
+                <a:spcPct val="20000"/>
+              </a:spcBef>
+              <a:spcAft>
+                <a:spcPts val="600"/>
+              </a:spcAft>
+              <a:buClr>
+                <a:schemeClr val="tx2"/>
+              </a:buClr>
+              <a:buSzPct val="70000"/>
+              <a:buFont typeface="Wingdings 2" charset="2"/>
+              <a:buChar char=""/>
+              <a:defRPr sz="1400" kern="1200">
+                <a:ln>
+                  <a:solidFill>
+                    <a:schemeClr val="bg1">
+                      <a:lumMod val="75000"/>
+                      <a:lumOff val="25000"/>
+                      <a:alpha val="10000"/>
+                    </a:schemeClr>
+                  </a:solidFill>
+                </a:ln>
+                <a:solidFill>
+                  <a:schemeClr val="tx2"/>
+                </a:solidFill>
+                <a:effectLst>
+                  <a:outerShdw blurRad="9525" dist="25400" dir="14640000" algn="tl" rotWithShape="0">
+                    <a:schemeClr val="bg1">
+                      <a:alpha val="30000"/>
+                    </a:schemeClr>
+                  </a:outerShdw>
+                </a:effectLst>
+                <a:latin typeface="+mn-lt"/>
+                <a:ea typeface="+mn-ea"/>
+                <a:cs typeface="+mn-cs"/>
+              </a:defRPr>
+            </a:lvl6pPr>
+            <a:lvl7pPr marL="2401800" indent="-228600" algn="l" defTabSz="457200" rtl="0" eaLnBrk="1" latinLnBrk="0" hangingPunct="1">
+              <a:spcBef>
+                <a:spcPct val="20000"/>
+              </a:spcBef>
+              <a:spcAft>
+                <a:spcPts val="600"/>
+              </a:spcAft>
+              <a:buClr>
+                <a:schemeClr val="tx2"/>
+              </a:buClr>
+              <a:buSzPct val="70000"/>
+              <a:buFont typeface="Wingdings 2" charset="2"/>
+              <a:buChar char=""/>
+              <a:defRPr sz="1400" kern="1200">
+                <a:ln>
+                  <a:solidFill>
+                    <a:schemeClr val="bg1">
+                      <a:lumMod val="75000"/>
+                      <a:lumOff val="25000"/>
+                      <a:alpha val="10000"/>
+                    </a:schemeClr>
+                  </a:solidFill>
+                </a:ln>
+                <a:solidFill>
+                  <a:schemeClr val="tx2"/>
+                </a:solidFill>
+                <a:effectLst>
+                  <a:outerShdw blurRad="9525" dist="25400" dir="14640000" algn="tl" rotWithShape="0">
+                    <a:schemeClr val="bg1">
+                      <a:alpha val="30000"/>
+                    </a:schemeClr>
+                  </a:outerShdw>
+                </a:effectLst>
+                <a:latin typeface="+mn-lt"/>
+                <a:ea typeface="+mn-ea"/>
+                <a:cs typeface="+mn-cs"/>
+              </a:defRPr>
+            </a:lvl7pPr>
+            <a:lvl8pPr marL="2789000" indent="-228600" algn="l" defTabSz="457200" rtl="0" eaLnBrk="1" latinLnBrk="0" hangingPunct="1">
+              <a:spcBef>
+                <a:spcPct val="20000"/>
+              </a:spcBef>
+              <a:spcAft>
+                <a:spcPts val="600"/>
+              </a:spcAft>
+              <a:buClr>
+                <a:schemeClr val="tx2"/>
+              </a:buClr>
+              <a:buSzPct val="70000"/>
+              <a:buFont typeface="Wingdings 2" charset="2"/>
+              <a:buChar char=""/>
+              <a:defRPr sz="1400" kern="1200">
+                <a:ln>
+                  <a:solidFill>
+                    <a:schemeClr val="bg1">
+                      <a:lumMod val="75000"/>
+                      <a:lumOff val="25000"/>
+                      <a:alpha val="10000"/>
+                    </a:schemeClr>
+                  </a:solidFill>
+                </a:ln>
+                <a:solidFill>
+                  <a:schemeClr val="tx2"/>
+                </a:solidFill>
+                <a:effectLst>
+                  <a:outerShdw blurRad="9525" dist="25400" dir="14640000" algn="tl" rotWithShape="0">
+                    <a:schemeClr val="bg1">
+                      <a:alpha val="30000"/>
+                    </a:schemeClr>
+                  </a:outerShdw>
+                </a:effectLst>
+                <a:latin typeface="+mn-lt"/>
+                <a:ea typeface="+mn-ea"/>
+                <a:cs typeface="+mn-cs"/>
+              </a:defRPr>
+            </a:lvl8pPr>
+            <a:lvl9pPr marL="3106200" indent="-228600" algn="l" defTabSz="457200" rtl="0" eaLnBrk="1" latinLnBrk="0" hangingPunct="1">
+              <a:spcBef>
+                <a:spcPct val="20000"/>
+              </a:spcBef>
+              <a:spcAft>
+                <a:spcPts val="600"/>
+              </a:spcAft>
+              <a:buClr>
+                <a:schemeClr val="tx2"/>
+              </a:buClr>
+              <a:buSzPct val="70000"/>
+              <a:buFont typeface="Wingdings 2" charset="2"/>
+              <a:buChar char=""/>
+              <a:defRPr sz="1400" kern="1200">
+                <a:ln>
+                  <a:solidFill>
+                    <a:schemeClr val="bg1">
+                      <a:lumMod val="75000"/>
+                      <a:lumOff val="25000"/>
+                      <a:alpha val="10000"/>
+                    </a:schemeClr>
+                  </a:solidFill>
+                </a:ln>
+                <a:solidFill>
+                  <a:schemeClr val="tx2"/>
+                </a:solidFill>
+                <a:effectLst>
+                  <a:outerShdw blurRad="9525" dist="25400" dir="14640000" algn="tl" rotWithShape="0">
+                    <a:schemeClr val="bg1">
+                      <a:alpha val="30000"/>
+                    </a:schemeClr>
+                  </a:outerShdw>
+                </a:effectLst>
+                <a:latin typeface="+mn-lt"/>
+                <a:ea typeface="+mn-ea"/>
+                <a:cs typeface="+mn-cs"/>
+              </a:defRPr>
+            </a:lvl9pPr>
+          </a:lstStyle>
+          <a:p>
+            <a:pPr marL="551250" indent="-514350">
+              <a:buFont typeface="+mj-lt"/>
+              <a:buAutoNum type="romanUcPeriod"/>
+            </a:pPr>
+            <a:r>
+              <a:rPr lang="en-US" dirty="0">
+                <a:solidFill>
+                  <a:srgbClr val="FFC000"/>
+                </a:solidFill>
+              </a:rPr>
+              <a:t>I was able to identify Content patches</a:t>
+            </a:r>
+          </a:p>
+          <a:p>
+            <a:pPr marL="551250" indent="-514350">
+              <a:buFont typeface="+mj-lt"/>
+              <a:buAutoNum type="romanUcPeriod"/>
+            </a:pPr>
+            <a:r>
+              <a:rPr lang="en-US" dirty="0">
+                <a:solidFill>
+                  <a:schemeClr val="accent1">
+                    <a:lumMod val="60000"/>
+                    <a:lumOff val="40000"/>
+                  </a:schemeClr>
+                </a:solidFill>
+              </a:rPr>
+              <a:t>Everyday</a:t>
+            </a:r>
+            <a:r>
+              <a:rPr lang="en-US" dirty="0"/>
+              <a:t> </a:t>
+            </a:r>
+          </a:p>
+          <a:p>
+            <a:pPr marL="551250" indent="-514350">
+              <a:buFont typeface="+mj-lt"/>
+              <a:buAutoNum type="romanUcPeriod"/>
+            </a:pPr>
+            <a:r>
+              <a:rPr lang="en-US" dirty="0">
+                <a:solidFill>
+                  <a:srgbClr val="00B0F0"/>
+                </a:solidFill>
+              </a:rPr>
+              <a:t>Yes</a:t>
+            </a:r>
+          </a:p>
+          <a:p>
+            <a:pPr marL="850050" lvl="1" indent="-400050">
+              <a:buFont typeface="+mj-lt"/>
+              <a:buAutoNum type="romanUcPeriod"/>
+            </a:pPr>
+            <a:endParaRPr lang="en-US" dirty="0"/>
+          </a:p>
+        </p:txBody>
+      </p:sp>
+      <p:grpSp>
+        <p:nvGrpSpPr>
+          <p:cNvPr id="6" name="Group 5">
+            <a:extLst>
+              <a:ext uri="{FF2B5EF4-FFF2-40B4-BE49-F238E27FC236}">
+                <a16:creationId xmlns:a16="http://schemas.microsoft.com/office/drawing/2014/main" id="{A24B85F3-223D-AEBA-0828-64156CBE0788}"/>
+              </a:ext>
+            </a:extLst>
+          </p:cNvPr>
+          <p:cNvGrpSpPr/>
+          <p:nvPr/>
+        </p:nvGrpSpPr>
+        <p:grpSpPr>
+          <a:xfrm>
+            <a:off x="3403439" y="5193171"/>
+            <a:ext cx="5385121" cy="909578"/>
+            <a:chOff x="1075481" y="5511474"/>
+            <a:chExt cx="5385121" cy="909578"/>
+          </a:xfrm>
+        </p:grpSpPr>
+        <p:pic>
+          <p:nvPicPr>
+            <p:cNvPr id="7" name="Picture 6">
+              <a:extLst>
+                <a:ext uri="{FF2B5EF4-FFF2-40B4-BE49-F238E27FC236}">
+                  <a16:creationId xmlns:a16="http://schemas.microsoft.com/office/drawing/2014/main" id="{C208598A-D0C1-242C-AF8B-AC06A1D21B4A}"/>
+                </a:ext>
+              </a:extLst>
+            </p:cNvPr>
+            <p:cNvPicPr>
+              <a:picLocks noChangeAspect="1"/>
+            </p:cNvPicPr>
+            <p:nvPr/>
+          </p:nvPicPr>
+          <p:blipFill>
+            <a:blip r:embed="rId3">
+              <a:extLst>
+                <a:ext uri="{28A0092B-C50C-407E-A947-70E740481C1C}">
+                  <a14:useLocalDpi xmlns:a14="http://schemas.microsoft.com/office/drawing/2010/main" val="0"/>
+                </a:ext>
+              </a:extLst>
+            </a:blip>
+            <a:stretch>
+              <a:fillRect/>
+            </a:stretch>
+          </p:blipFill>
+          <p:spPr>
+            <a:xfrm>
+              <a:off x="1075481" y="5511475"/>
+              <a:ext cx="909577" cy="909577"/>
+            </a:xfrm>
+            <a:prstGeom prst="rect">
+              <a:avLst/>
+            </a:prstGeom>
+          </p:spPr>
+        </p:pic>
+        <p:pic>
+          <p:nvPicPr>
+            <p:cNvPr id="8" name="Picture 7">
+              <a:extLst>
+                <a:ext uri="{FF2B5EF4-FFF2-40B4-BE49-F238E27FC236}">
+                  <a16:creationId xmlns:a16="http://schemas.microsoft.com/office/drawing/2014/main" id="{8BBB18F9-978A-818B-1F32-143544730884}"/>
+                </a:ext>
+              </a:extLst>
+            </p:cNvPr>
+            <p:cNvPicPr>
+              <a:picLocks noChangeAspect="1"/>
+            </p:cNvPicPr>
+            <p:nvPr/>
+          </p:nvPicPr>
+          <p:blipFill>
+            <a:blip r:embed="rId4">
+              <a:extLst>
+                <a:ext uri="{28A0092B-C50C-407E-A947-70E740481C1C}">
+                  <a14:useLocalDpi xmlns:a14="http://schemas.microsoft.com/office/drawing/2010/main" val="0"/>
+                </a:ext>
+              </a:extLst>
+            </a:blip>
+            <a:stretch>
+              <a:fillRect/>
+            </a:stretch>
+          </p:blipFill>
+          <p:spPr>
+            <a:xfrm>
+              <a:off x="2194367" y="5511475"/>
+              <a:ext cx="909577" cy="909577"/>
+            </a:xfrm>
+            <a:prstGeom prst="rect">
+              <a:avLst/>
+            </a:prstGeom>
+          </p:spPr>
+        </p:pic>
+        <p:pic>
+          <p:nvPicPr>
+            <p:cNvPr id="9" name="Picture 8">
+              <a:extLst>
+                <a:ext uri="{FF2B5EF4-FFF2-40B4-BE49-F238E27FC236}">
+                  <a16:creationId xmlns:a16="http://schemas.microsoft.com/office/drawing/2014/main" id="{E5BD682A-61A7-C62F-3162-1CF5F0FCB6DA}"/>
+                </a:ext>
+              </a:extLst>
+            </p:cNvPr>
+            <p:cNvPicPr>
+              <a:picLocks noChangeAspect="1"/>
+            </p:cNvPicPr>
+            <p:nvPr/>
+          </p:nvPicPr>
+          <p:blipFill>
+            <a:blip r:embed="rId5">
+              <a:extLst>
+                <a:ext uri="{28A0092B-C50C-407E-A947-70E740481C1C}">
+                  <a14:useLocalDpi xmlns:a14="http://schemas.microsoft.com/office/drawing/2010/main" val="0"/>
+                </a:ext>
+              </a:extLst>
+            </a:blip>
+            <a:stretch>
+              <a:fillRect/>
+            </a:stretch>
+          </p:blipFill>
+          <p:spPr>
+            <a:xfrm>
+              <a:off x="3313253" y="5511475"/>
+              <a:ext cx="909577" cy="909577"/>
+            </a:xfrm>
+            <a:prstGeom prst="rect">
+              <a:avLst/>
+            </a:prstGeom>
+          </p:spPr>
+        </p:pic>
+        <p:pic>
+          <p:nvPicPr>
+            <p:cNvPr id="10" name="Picture 9">
+              <a:extLst>
+                <a:ext uri="{FF2B5EF4-FFF2-40B4-BE49-F238E27FC236}">
+                  <a16:creationId xmlns:a16="http://schemas.microsoft.com/office/drawing/2014/main" id="{10E0F14B-F43A-771D-F238-A4ECB56DAF47}"/>
+                </a:ext>
+              </a:extLst>
+            </p:cNvPr>
+            <p:cNvPicPr>
+              <a:picLocks noChangeAspect="1"/>
+            </p:cNvPicPr>
+            <p:nvPr/>
+          </p:nvPicPr>
+          <p:blipFill>
+            <a:blip r:embed="rId6">
+              <a:extLst>
+                <a:ext uri="{28A0092B-C50C-407E-A947-70E740481C1C}">
+                  <a14:useLocalDpi xmlns:a14="http://schemas.microsoft.com/office/drawing/2010/main" val="0"/>
+                </a:ext>
+              </a:extLst>
+            </a:blip>
+            <a:stretch>
+              <a:fillRect/>
+            </a:stretch>
+          </p:blipFill>
+          <p:spPr>
+            <a:xfrm>
+              <a:off x="4432139" y="5511474"/>
+              <a:ext cx="909577" cy="909577"/>
+            </a:xfrm>
+            <a:prstGeom prst="rect">
+              <a:avLst/>
+            </a:prstGeom>
+          </p:spPr>
+        </p:pic>
+        <p:pic>
+          <p:nvPicPr>
+            <p:cNvPr id="11" name="Picture 10">
+              <a:extLst>
+                <a:ext uri="{FF2B5EF4-FFF2-40B4-BE49-F238E27FC236}">
+                  <a16:creationId xmlns:a16="http://schemas.microsoft.com/office/drawing/2014/main" id="{C2144752-1115-2315-FBD9-476AFB7E5D53}"/>
+                </a:ext>
+              </a:extLst>
+            </p:cNvPr>
+            <p:cNvPicPr>
+              <a:picLocks noChangeAspect="1"/>
+            </p:cNvPicPr>
+            <p:nvPr/>
+          </p:nvPicPr>
+          <p:blipFill>
+            <a:blip r:embed="rId7">
+              <a:extLst>
+                <a:ext uri="{28A0092B-C50C-407E-A947-70E740481C1C}">
+                  <a14:useLocalDpi xmlns:a14="http://schemas.microsoft.com/office/drawing/2010/main" val="0"/>
+                </a:ext>
+              </a:extLst>
+            </a:blip>
+            <a:stretch>
+              <a:fillRect/>
+            </a:stretch>
+          </p:blipFill>
+          <p:spPr>
+            <a:xfrm>
+              <a:off x="5551025" y="5511474"/>
+              <a:ext cx="909577" cy="909577"/>
+            </a:xfrm>
+            <a:prstGeom prst="rect">
+              <a:avLst/>
+            </a:prstGeom>
+          </p:spPr>
+        </p:pic>
+      </p:grpSp>
+    </p:spTree>
+    <p:extLst>
+      <p:ext uri="{BB962C8B-B14F-4D97-AF65-F5344CB8AC3E}">
+        <p14:creationId xmlns:p14="http://schemas.microsoft.com/office/powerpoint/2010/main" val="630363795"/>
+      </p:ext>
+    </p:extLst>
+  </p:cSld>
+  <p:clrMapOvr>
+    <a:masterClrMapping/>
+  </p:clrMapOvr>
+  <p:timing>
+    <p:tnLst>
+      <p:par>
+        <p:cTn id="1" dur="indefinite" restart="never" nodeType="tmRoot">
+          <p:childTnLst>
+            <p:seq concurrent="1" nextAc="seek">
+              <p:cTn id="2" dur="indefinite" nodeType="mainSeq">
+                <p:childTnLst>
+                  <p:par>
+                    <p:cTn id="3" fill="hold">
+                      <p:stCondLst>
+                        <p:cond delay="indefinite"/>
+                      </p:stCondLst>
+                      <p:childTnLst>
+                        <p:par>
+                          <p:cTn id="4" fill="hold">
+                            <p:stCondLst>
+                              <p:cond delay="0"/>
+                            </p:stCondLst>
+                            <p:childTnLst>
+                              <p:par>
+                                <p:cTn id="5" presetID="42" presetClass="entr" presetSubtype="0" fill="hold" nodeType="clickEffect">
+                                  <p:stCondLst>
+                                    <p:cond delay="0"/>
+                                  </p:stCondLst>
+                                  <p:childTnLst>
+                                    <p:set>
+                                      <p:cBhvr>
+                                        <p:cTn id="6" dur="1" fill="hold">
+                                          <p:stCondLst>
+                                            <p:cond delay="0"/>
+                                          </p:stCondLst>
+                                        </p:cTn>
+                                        <p:tgtEl>
+                                          <p:spTgt spid="5">
+                                            <p:txEl>
+                                              <p:pRg st="0" end="0"/>
+                                            </p:txEl>
+                                          </p:spTgt>
+                                        </p:tgtEl>
+                                        <p:attrNameLst>
+                                          <p:attrName>style.visibility</p:attrName>
+                                        </p:attrNameLst>
+                                      </p:cBhvr>
+                                      <p:to>
+                                        <p:strVal val="visible"/>
+                                      </p:to>
+                                    </p:set>
+                                    <p:animEffect transition="in" filter="fade">
+                                      <p:cBhvr>
+                                        <p:cTn id="7" dur="1000"/>
+                                        <p:tgtEl>
+                                          <p:spTgt spid="5">
+                                            <p:txEl>
+                                              <p:pRg st="0" end="0"/>
+                                            </p:txEl>
+                                          </p:spTgt>
+                                        </p:tgtEl>
+                                      </p:cBhvr>
+                                    </p:animEffect>
+                                    <p:anim calcmode="lin" valueType="num">
+                                      <p:cBhvr>
+                                        <p:cTn id="8" dur="1000" fill="hold"/>
+                                        <p:tgtEl>
+                                          <p:spTgt spid="5">
+                                            <p:txEl>
+                                              <p:pRg st="0" end="0"/>
+                                            </p:txEl>
+                                          </p:spTgt>
+                                        </p:tgtEl>
+                                        <p:attrNameLst>
+                                          <p:attrName>ppt_x</p:attrName>
+                                        </p:attrNameLst>
+                                      </p:cBhvr>
+                                      <p:tavLst>
+                                        <p:tav tm="0">
+                                          <p:val>
+                                            <p:strVal val="#ppt_x"/>
+                                          </p:val>
+                                        </p:tav>
+                                        <p:tav tm="100000">
+                                          <p:val>
+                                            <p:strVal val="#ppt_x"/>
+                                          </p:val>
+                                        </p:tav>
+                                      </p:tavLst>
+                                    </p:anim>
+                                    <p:anim calcmode="lin" valueType="num">
+                                      <p:cBhvr>
+                                        <p:cTn id="9" dur="1000" fill="hold"/>
+                                        <p:tgtEl>
+                                          <p:spTgt spid="5">
+                                            <p:txEl>
+                                              <p:pRg st="0" end="0"/>
+                                            </p:txEl>
+                                          </p:spTgt>
+                                        </p:tgtEl>
+                                        <p:attrNameLst>
+                                          <p:attrName>ppt_y</p:attrName>
+                                        </p:attrNameLst>
+                                      </p:cBhvr>
+                                      <p:tavLst>
+                                        <p:tav tm="0">
+                                          <p:val>
+                                            <p:strVal val="#ppt_y+.1"/>
+                                          </p:val>
+                                        </p:tav>
+                                        <p:tav tm="100000">
+                                          <p:val>
+                                            <p:strVal val="#ppt_y"/>
+                                          </p:val>
+                                        </p:tav>
+                                      </p:tavLst>
+                                    </p:anim>
+                                  </p:childTnLst>
+                                </p:cTn>
+                              </p:par>
+                            </p:childTnLst>
+                          </p:cTn>
+                        </p:par>
+                      </p:childTnLst>
+                    </p:cTn>
+                  </p:par>
+                  <p:par>
+                    <p:cTn id="10" fill="hold">
+                      <p:stCondLst>
+                        <p:cond delay="indefinite"/>
+                      </p:stCondLst>
+                      <p:childTnLst>
+                        <p:par>
+                          <p:cTn id="11" fill="hold">
+                            <p:stCondLst>
+                              <p:cond delay="0"/>
+                            </p:stCondLst>
+                            <p:childTnLst>
+                              <p:par>
+                                <p:cTn id="12" presetID="42" presetClass="entr" presetSubtype="0" fill="hold" nodeType="clickEffect">
+                                  <p:stCondLst>
+                                    <p:cond delay="0"/>
+                                  </p:stCondLst>
+                                  <p:childTnLst>
+                                    <p:set>
+                                      <p:cBhvr>
+                                        <p:cTn id="13" dur="1" fill="hold">
+                                          <p:stCondLst>
+                                            <p:cond delay="0"/>
+                                          </p:stCondLst>
+                                        </p:cTn>
+                                        <p:tgtEl>
+                                          <p:spTgt spid="5">
+                                            <p:txEl>
+                                              <p:pRg st="1" end="1"/>
+                                            </p:txEl>
+                                          </p:spTgt>
+                                        </p:tgtEl>
+                                        <p:attrNameLst>
+                                          <p:attrName>style.visibility</p:attrName>
+                                        </p:attrNameLst>
+                                      </p:cBhvr>
+                                      <p:to>
+                                        <p:strVal val="visible"/>
+                                      </p:to>
+                                    </p:set>
+                                    <p:animEffect transition="in" filter="fade">
+                                      <p:cBhvr>
+                                        <p:cTn id="14" dur="1000"/>
+                                        <p:tgtEl>
+                                          <p:spTgt spid="5">
+                                            <p:txEl>
+                                              <p:pRg st="1" end="1"/>
+                                            </p:txEl>
+                                          </p:spTgt>
+                                        </p:tgtEl>
+                                      </p:cBhvr>
+                                    </p:animEffect>
+                                    <p:anim calcmode="lin" valueType="num">
+                                      <p:cBhvr>
+                                        <p:cTn id="15" dur="1000" fill="hold"/>
+                                        <p:tgtEl>
+                                          <p:spTgt spid="5">
+                                            <p:txEl>
+                                              <p:pRg st="1" end="1"/>
+                                            </p:txEl>
+                                          </p:spTgt>
+                                        </p:tgtEl>
+                                        <p:attrNameLst>
+                                          <p:attrName>ppt_x</p:attrName>
+                                        </p:attrNameLst>
+                                      </p:cBhvr>
+                                      <p:tavLst>
+                                        <p:tav tm="0">
+                                          <p:val>
+                                            <p:strVal val="#ppt_x"/>
+                                          </p:val>
+                                        </p:tav>
+                                        <p:tav tm="100000">
+                                          <p:val>
+                                            <p:strVal val="#ppt_x"/>
+                                          </p:val>
+                                        </p:tav>
+                                      </p:tavLst>
+                                    </p:anim>
+                                    <p:anim calcmode="lin" valueType="num">
+                                      <p:cBhvr>
+                                        <p:cTn id="16" dur="1000" fill="hold"/>
+                                        <p:tgtEl>
+                                          <p:spTgt spid="5">
+                                            <p:txEl>
+                                              <p:pRg st="1" end="1"/>
+                                            </p:txEl>
+                                          </p:spTgt>
+                                        </p:tgtEl>
+                                        <p:attrNameLst>
+                                          <p:attrName>ppt_y</p:attrName>
+                                        </p:attrNameLst>
+                                      </p:cBhvr>
+                                      <p:tavLst>
+                                        <p:tav tm="0">
+                                          <p:val>
+                                            <p:strVal val="#ppt_y+.1"/>
+                                          </p:val>
+                                        </p:tav>
+                                        <p:tav tm="100000">
+                                          <p:val>
+                                            <p:strVal val="#ppt_y"/>
+                                          </p:val>
+                                        </p:tav>
+                                      </p:tavLst>
+                                    </p:anim>
+                                  </p:childTnLst>
+                                </p:cTn>
+                              </p:par>
+                            </p:childTnLst>
+                          </p:cTn>
+                        </p:par>
+                      </p:childTnLst>
+                    </p:cTn>
+                  </p:par>
+                  <p:par>
+                    <p:cTn id="17" fill="hold">
+                      <p:stCondLst>
+                        <p:cond delay="indefinite"/>
+                      </p:stCondLst>
+                      <p:childTnLst>
+                        <p:par>
+                          <p:cTn id="18" fill="hold">
+                            <p:stCondLst>
+                              <p:cond delay="0"/>
+                            </p:stCondLst>
+                            <p:childTnLst>
+                              <p:par>
+                                <p:cTn id="19" presetID="42" presetClass="entr" presetSubtype="0" fill="hold" nodeType="clickEffect">
+                                  <p:stCondLst>
+                                    <p:cond delay="0"/>
+                                  </p:stCondLst>
+                                  <p:childTnLst>
+                                    <p:set>
+                                      <p:cBhvr>
+                                        <p:cTn id="20" dur="1" fill="hold">
+                                          <p:stCondLst>
+                                            <p:cond delay="0"/>
+                                          </p:stCondLst>
+                                        </p:cTn>
+                                        <p:tgtEl>
+                                          <p:spTgt spid="5">
+                                            <p:txEl>
+                                              <p:pRg st="2" end="2"/>
+                                            </p:txEl>
+                                          </p:spTgt>
+                                        </p:tgtEl>
+                                        <p:attrNameLst>
+                                          <p:attrName>style.visibility</p:attrName>
+                                        </p:attrNameLst>
+                                      </p:cBhvr>
+                                      <p:to>
+                                        <p:strVal val="visible"/>
+                                      </p:to>
+                                    </p:set>
+                                    <p:animEffect transition="in" filter="fade">
+                                      <p:cBhvr>
+                                        <p:cTn id="21" dur="1000"/>
+                                        <p:tgtEl>
+                                          <p:spTgt spid="5">
+                                            <p:txEl>
+                                              <p:pRg st="2" end="2"/>
+                                            </p:txEl>
+                                          </p:spTgt>
+                                        </p:tgtEl>
+                                      </p:cBhvr>
+                                    </p:animEffect>
+                                    <p:anim calcmode="lin" valueType="num">
+                                      <p:cBhvr>
+                                        <p:cTn id="22" dur="1000" fill="hold"/>
+                                        <p:tgtEl>
+                                          <p:spTgt spid="5">
+                                            <p:txEl>
+                                              <p:pRg st="2" end="2"/>
+                                            </p:txEl>
+                                          </p:spTgt>
+                                        </p:tgtEl>
+                                        <p:attrNameLst>
+                                          <p:attrName>ppt_x</p:attrName>
+                                        </p:attrNameLst>
+                                      </p:cBhvr>
+                                      <p:tavLst>
+                                        <p:tav tm="0">
+                                          <p:val>
+                                            <p:strVal val="#ppt_x"/>
+                                          </p:val>
+                                        </p:tav>
+                                        <p:tav tm="100000">
+                                          <p:val>
+                                            <p:strVal val="#ppt_x"/>
+                                          </p:val>
+                                        </p:tav>
+                                      </p:tavLst>
+                                    </p:anim>
+                                    <p:anim calcmode="lin" valueType="num">
+                                      <p:cBhvr>
+                                        <p:cTn id="23" dur="1000" fill="hold"/>
+                                        <p:tgtEl>
+                                          <p:spTgt spid="5">
+                                            <p:txEl>
+                                              <p:pRg st="2" end="2"/>
+                                            </p:txEl>
+                                          </p:spTgt>
+                                        </p:tgtEl>
+                                        <p:attrNameLst>
+                                          <p:attrName>ppt_y</p:attrName>
+                                        </p:attrNameLst>
+                                      </p:cBhvr>
+                                      <p:tavLst>
+                                        <p:tav tm="0">
+                                          <p:val>
+                                            <p:strVal val="#ppt_y+.1"/>
+                                          </p:val>
+                                        </p:tav>
+                                        <p:tav tm="100000">
+                                          <p:val>
+                                            <p:strVal val="#ppt_y"/>
+                                          </p:val>
+                                        </p:tav>
+                                      </p:tavLst>
+                                    </p:anim>
+                                  </p:childTnLst>
+                                </p:cTn>
+                              </p:par>
+                            </p:childTnLst>
+                          </p:cTn>
+                        </p:par>
+                      </p:childTnLst>
+                    </p:cTn>
+                  </p:par>
+                </p:childTnLst>
+              </p:cTn>
+              <p:prevCondLst>
+                <p:cond evt="onPrev" delay="0">
+                  <p:tgtEl>
+                    <p:sldTgt/>
+                  </p:tgtEl>
+                </p:cond>
+              </p:prevCondLst>
+              <p:nextCondLst>
+                <p:cond evt="onNext" delay="0">
+                  <p:tgtEl>
+                    <p:sldTgt/>
+                  </p:tgtEl>
+                </p:cond>
+              </p:nextCondLst>
+            </p:seq>
+          </p:childTnLst>
+        </p:cTn>
+      </p:par>
+    </p:tnLst>
+  </p:timing>
+</p:sld>
+</file>
+
+<file path=ppt/slides/slide12.xml><?xml version="1.0" encoding="utf-8"?>
+<p:sld xmlns:a="http://schemas.openxmlformats.org/drawingml/2006/main" xmlns:r="http://schemas.openxmlformats.org/officeDocument/2006/relationships" xmlns:p="http://schemas.openxmlformats.org/presentationml/2006/main">
+  <p:cSld>
+    <p:spTree>
+      <p:nvGrpSpPr>
+        <p:cNvPr id="1" name=""/>
+        <p:cNvGrpSpPr/>
+        <p:nvPr/>
+      </p:nvGrpSpPr>
+      <p:grpSpPr>
+        <a:xfrm>
+          <a:off x="0" y="0"/>
+          <a:ext cx="0" cy="0"/>
+          <a:chOff x="0" y="0"/>
+          <a:chExt cx="0" cy="0"/>
+        </a:xfrm>
+      </p:grpSpPr>
+      <p:sp>
+        <p:nvSpPr>
+          <p:cNvPr id="4" name="Title 3">
+            <a:extLst>
+              <a:ext uri="{FF2B5EF4-FFF2-40B4-BE49-F238E27FC236}">
+                <a16:creationId xmlns:a16="http://schemas.microsoft.com/office/drawing/2014/main" id="{FA641710-9E57-6418-1ED8-036DB6026D8C}"/>
+              </a:ext>
+            </a:extLst>
+          </p:cNvPr>
+          <p:cNvSpPr>
+            <a:spLocks noGrp="1"/>
+          </p:cNvSpPr>
+          <p:nvPr>
+            <p:ph type="ctrTitle"/>
+          </p:nvPr>
+        </p:nvSpPr>
+        <p:spPr/>
+        <p:txBody>
+          <a:bodyPr/>
+          <a:lstStyle/>
+          <a:p>
+            <a:r>
+              <a:rPr lang="en-US" dirty="0"/>
+              <a:t>Thank you!</a:t>
+            </a:r>
+          </a:p>
+        </p:txBody>
+      </p:sp>
+    </p:spTree>
+    <p:extLst>
+      <p:ext uri="{BB962C8B-B14F-4D97-AF65-F5344CB8AC3E}">
+        <p14:creationId xmlns:p14="http://schemas.microsoft.com/office/powerpoint/2010/main" val="3447201946"/>
+      </p:ext>
+    </p:extLst>
+  </p:cSld>
+  <p:clrMapOvr>
+    <a:masterClrMapping/>
+  </p:clrMapOvr>
+</p:sld>
+</file>
+
+<file path=ppt/slides/slide2.xml><?xml version="1.0" encoding="utf-8"?>
+<p:sld xmlns:a="http://schemas.openxmlformats.org/drawingml/2006/main" xmlns:r="http://schemas.openxmlformats.org/officeDocument/2006/relationships" xmlns:p="http://schemas.openxmlformats.org/presentationml/2006/main">
+  <p:cSld>
+    <p:spTree>
+      <p:nvGrpSpPr>
+        <p:cNvPr id="1" name=""/>
+        <p:cNvGrpSpPr/>
+        <p:nvPr/>
+      </p:nvGrpSpPr>
+      <p:grpSpPr>
+        <a:xfrm>
+          <a:off x="0" y="0"/>
+          <a:ext cx="0" cy="0"/>
+          <a:chOff x="0" y="0"/>
+          <a:chExt cx="0" cy="0"/>
+        </a:xfrm>
+      </p:grpSpPr>
+      <p:sp>
+        <p:nvSpPr>
+          <p:cNvPr id="2" name="Title 1">
+            <a:extLst>
+              <a:ext uri="{FF2B5EF4-FFF2-40B4-BE49-F238E27FC236}">
+                <a16:creationId xmlns:a16="http://schemas.microsoft.com/office/drawing/2014/main" id="{B5A29ECA-8E3B-F081-6694-490B4F8BF2CF}"/>
+              </a:ext>
+            </a:extLst>
+          </p:cNvPr>
+          <p:cNvSpPr>
+            <a:spLocks noGrp="1"/>
+          </p:cNvSpPr>
+          <p:nvPr>
+            <p:ph type="title"/>
+          </p:nvPr>
+        </p:nvSpPr>
+        <p:spPr/>
+        <p:txBody>
+          <a:bodyPr/>
+          <a:lstStyle/>
+          <a:p>
+            <a:r>
+              <a:rPr lang="en-US" dirty="0"/>
+              <a:t>What is the Market Board?</a:t>
+            </a:r>
+          </a:p>
+        </p:txBody>
+      </p:sp>
+      <p:sp>
+        <p:nvSpPr>
+          <p:cNvPr id="3" name="Content Placeholder 2">
+            <a:extLst>
+              <a:ext uri="{FF2B5EF4-FFF2-40B4-BE49-F238E27FC236}">
+                <a16:creationId xmlns:a16="http://schemas.microsoft.com/office/drawing/2014/main" id="{056D7A99-6427-3D85-C46D-C85219B6CFFA}"/>
+              </a:ext>
+            </a:extLst>
+          </p:cNvPr>
+          <p:cNvSpPr>
+            <a:spLocks noGrp="1"/>
+          </p:cNvSpPr>
+          <p:nvPr>
+            <p:ph idx="1"/>
+          </p:nvPr>
+        </p:nvSpPr>
+        <p:spPr/>
+        <p:txBody>
+          <a:bodyPr>
+            <a:normAutofit/>
+          </a:bodyPr>
+          <a:lstStyle/>
+          <a:p>
+            <a:r>
+              <a:rPr lang="en-US" dirty="0"/>
+              <a:t>Central hub for Players to buy and sell items from other Players</a:t>
+            </a:r>
+          </a:p>
+          <a:p>
+            <a:r>
+              <a:rPr lang="en-US" dirty="0"/>
+              <a:t>Pricing is fully </a:t>
+            </a:r>
+            <a:r>
+              <a:rPr lang="en-US" dirty="0">
+                <a:solidFill>
+                  <a:srgbClr val="FF0000"/>
+                </a:solidFill>
+              </a:rPr>
+              <a:t>Player-Driven</a:t>
+            </a:r>
+          </a:p>
+          <a:p>
+            <a:r>
+              <a:rPr lang="en-US" dirty="0">
+                <a:solidFill>
+                  <a:srgbClr val="FF0000"/>
+                </a:solidFill>
+              </a:rPr>
+              <a:t>Market-Trends</a:t>
+            </a:r>
+            <a:r>
+              <a:rPr lang="en-US" dirty="0"/>
+              <a:t> and Fluctuations exist</a:t>
+            </a:r>
+          </a:p>
+          <a:p>
+            <a:r>
+              <a:rPr lang="en-US" dirty="0"/>
+              <a:t>Hard to predict since Player needs are evolving</a:t>
+            </a:r>
+          </a:p>
+          <a:p>
+            <a:r>
+              <a:rPr lang="en-US" dirty="0"/>
+              <a:t>Different Players fill different supplier roles</a:t>
+            </a:r>
+          </a:p>
+          <a:p>
+            <a:pPr lvl="1"/>
+            <a:r>
+              <a:rPr lang="en-US" dirty="0"/>
+              <a:t>Raw material </a:t>
+            </a:r>
+          </a:p>
+          <a:p>
+            <a:pPr lvl="1"/>
+            <a:r>
+              <a:rPr lang="en-US" dirty="0"/>
+              <a:t>Intermediate ingredient</a:t>
+            </a:r>
+          </a:p>
+          <a:p>
+            <a:pPr lvl="1"/>
+            <a:r>
+              <a:rPr lang="en-US" dirty="0">
+                <a:solidFill>
+                  <a:srgbClr val="FF0000"/>
+                </a:solidFill>
+              </a:rPr>
+              <a:t>Crafted item </a:t>
+            </a:r>
+          </a:p>
+          <a:p>
+            <a:pPr lvl="1"/>
+            <a:endParaRPr lang="en-US" dirty="0"/>
+          </a:p>
+        </p:txBody>
+      </p:sp>
+      <p:pic>
+        <p:nvPicPr>
+          <p:cNvPr id="5" name="Picture 4">
+            <a:extLst>
+              <a:ext uri="{FF2B5EF4-FFF2-40B4-BE49-F238E27FC236}">
+                <a16:creationId xmlns:a16="http://schemas.microsoft.com/office/drawing/2014/main" id="{CDD117B9-39E5-8D6C-9788-1B9EFBE09FDF}"/>
+              </a:ext>
+            </a:extLst>
+          </p:cNvPr>
+          <p:cNvPicPr>
+            <a:picLocks noChangeAspect="1"/>
+          </p:cNvPicPr>
+          <p:nvPr/>
+        </p:nvPicPr>
+        <p:blipFill>
+          <a:blip r:embed="rId3">
+            <a:extLst>
+              <a:ext uri="{28A0092B-C50C-407E-A947-70E740481C1C}">
+                <a14:useLocalDpi xmlns:a14="http://schemas.microsoft.com/office/drawing/2010/main" val="0"/>
+              </a:ext>
+            </a:extLst>
+          </a:blip>
+          <a:stretch>
+            <a:fillRect/>
+          </a:stretch>
+        </p:blipFill>
+        <p:spPr>
+          <a:xfrm>
+            <a:off x="6445265" y="2262851"/>
+            <a:ext cx="5416193" cy="2850628"/>
+          </a:xfrm>
+          <a:prstGeom prst="rect">
+            <a:avLst/>
+          </a:prstGeom>
+          <a:effectLst>
+            <a:softEdge rad="38100"/>
+          </a:effectLst>
+        </p:spPr>
+      </p:pic>
+    </p:spTree>
+    <p:extLst>
+      <p:ext uri="{BB962C8B-B14F-4D97-AF65-F5344CB8AC3E}">
+        <p14:creationId xmlns:p14="http://schemas.microsoft.com/office/powerpoint/2010/main" val="3019759813"/>
+      </p:ext>
+    </p:extLst>
+  </p:cSld>
+  <p:clrMapOvr>
+    <a:masterClrMapping/>
+  </p:clrMapOvr>
+  <p:timing>
+    <p:tnLst>
+      <p:par>
+        <p:cTn id="1" dur="indefinite" restart="never" nodeType="tmRoot">
+          <p:childTnLst>
+            <p:seq concurrent="1" nextAc="seek">
+              <p:cTn id="2" dur="indefinite" nodeType="mainSeq">
+                <p:childTnLst>
+                  <p:par>
+                    <p:cTn id="3" fill="hold">
+                      <p:stCondLst>
+                        <p:cond delay="indefinite"/>
+                      </p:stCondLst>
+                      <p:childTnLst>
+                        <p:par>
+                          <p:cTn id="4" fill="hold">
+                            <p:stCondLst>
+                              <p:cond delay="0"/>
+                            </p:stCondLst>
+                            <p:childTnLst>
+                              <p:par>
+                                <p:cTn id="5" presetID="2" presetClass="entr" presetSubtype="4" fill="hold" nodeType="clickEffect">
+                                  <p:stCondLst>
+                                    <p:cond delay="0"/>
+                                  </p:stCondLst>
+                                  <p:childTnLst>
+                                    <p:set>
+                                      <p:cBhvr>
+                                        <p:cTn id="6" dur="1" fill="hold">
+                                          <p:stCondLst>
+                                            <p:cond delay="0"/>
+                                          </p:stCondLst>
+                                        </p:cTn>
+                                        <p:tgtEl>
+                                          <p:spTgt spid="3">
+                                            <p:txEl>
+                                              <p:pRg st="0" end="0"/>
+                                            </p:txEl>
+                                          </p:spTgt>
+                                        </p:tgtEl>
+                                        <p:attrNameLst>
+                                          <p:attrName>style.visibility</p:attrName>
+                                        </p:attrNameLst>
+                                      </p:cBhvr>
+                                      <p:to>
+                                        <p:strVal val="visible"/>
+                                      </p:to>
+                                    </p:set>
+                                    <p:anim calcmode="lin" valueType="num">
+                                      <p:cBhvr additive="base">
+                                        <p:cTn id="7" dur="500" fill="hold"/>
+                                        <p:tgtEl>
+                                          <p:spTgt spid="3">
+                                            <p:txEl>
+                                              <p:pRg st="0" end="0"/>
+                                            </p:txEl>
+                                          </p:spTgt>
+                                        </p:tgtEl>
+                                        <p:attrNameLst>
+                                          <p:attrName>ppt_x</p:attrName>
+                                        </p:attrNameLst>
+                                      </p:cBhvr>
+                                      <p:tavLst>
+                                        <p:tav tm="0">
+                                          <p:val>
+                                            <p:strVal val="#ppt_x"/>
+                                          </p:val>
+                                        </p:tav>
+                                        <p:tav tm="100000">
+                                          <p:val>
+                                            <p:strVal val="#ppt_x"/>
+                                          </p:val>
+                                        </p:tav>
+                                      </p:tavLst>
+                                    </p:anim>
+                                    <p:anim calcmode="lin" valueType="num">
+                                      <p:cBhvr additive="base">
+                                        <p:cTn id="8" dur="500" fill="hold"/>
+                                        <p:tgtEl>
+                                          <p:spTgt spid="3">
+                                            <p:txEl>
+                                              <p:pRg st="0" end="0"/>
+                                            </p:txEl>
+                                          </p:spTgt>
+                                        </p:tgtEl>
+                                        <p:attrNameLst>
+                                          <p:attrName>ppt_y</p:attrName>
+                                        </p:attrNameLst>
+                                      </p:cBhvr>
+                                      <p:tavLst>
+                                        <p:tav tm="0">
+                                          <p:val>
+                                            <p:strVal val="1+#ppt_h/2"/>
+                                          </p:val>
+                                        </p:tav>
+                                        <p:tav tm="100000">
+                                          <p:val>
+                                            <p:strVal val="#ppt_y"/>
+                                          </p:val>
+                                        </p:tav>
+                                      </p:tavLst>
+                                    </p:anim>
+                                  </p:childTnLst>
+                                </p:cTn>
+                              </p:par>
+                            </p:childTnLst>
+                          </p:cTn>
+                        </p:par>
+                      </p:childTnLst>
+                    </p:cTn>
+                  </p:par>
+                  <p:par>
+                    <p:cTn id="9" fill="hold">
+                      <p:stCondLst>
+                        <p:cond delay="indefinite"/>
+                      </p:stCondLst>
+                      <p:childTnLst>
+                        <p:par>
+                          <p:cTn id="10" fill="hold">
+                            <p:stCondLst>
+                              <p:cond delay="0"/>
+                            </p:stCondLst>
+                            <p:childTnLst>
+                              <p:par>
+                                <p:cTn id="11" presetID="2" presetClass="entr" presetSubtype="4" fill="hold" nodeType="clickEffect">
+                                  <p:stCondLst>
+                                    <p:cond delay="0"/>
+                                  </p:stCondLst>
+                                  <p:childTnLst>
+                                    <p:set>
+                                      <p:cBhvr>
+                                        <p:cTn id="12" dur="1" fill="hold">
+                                          <p:stCondLst>
+                                            <p:cond delay="0"/>
+                                          </p:stCondLst>
+                                        </p:cTn>
+                                        <p:tgtEl>
+                                          <p:spTgt spid="3">
+                                            <p:txEl>
+                                              <p:pRg st="1" end="1"/>
+                                            </p:txEl>
+                                          </p:spTgt>
+                                        </p:tgtEl>
+                                        <p:attrNameLst>
+                                          <p:attrName>style.visibility</p:attrName>
+                                        </p:attrNameLst>
+                                      </p:cBhvr>
+                                      <p:to>
+                                        <p:strVal val="visible"/>
+                                      </p:to>
+                                    </p:set>
+                                    <p:anim calcmode="lin" valueType="num">
+                                      <p:cBhvr additive="base">
+                                        <p:cTn id="13" dur="500" fill="hold"/>
+                                        <p:tgtEl>
+                                          <p:spTgt spid="3">
+                                            <p:txEl>
+                                              <p:pRg st="1" end="1"/>
+                                            </p:txEl>
+                                          </p:spTgt>
+                                        </p:tgtEl>
+                                        <p:attrNameLst>
+                                          <p:attrName>ppt_x</p:attrName>
+                                        </p:attrNameLst>
+                                      </p:cBhvr>
+                                      <p:tavLst>
+                                        <p:tav tm="0">
+                                          <p:val>
+                                            <p:strVal val="#ppt_x"/>
+                                          </p:val>
+                                        </p:tav>
+                                        <p:tav tm="100000">
+                                          <p:val>
+                                            <p:strVal val="#ppt_x"/>
+                                          </p:val>
+                                        </p:tav>
+                                      </p:tavLst>
+                                    </p:anim>
+                                    <p:anim calcmode="lin" valueType="num">
+                                      <p:cBhvr additive="base">
+                                        <p:cTn id="14" dur="500" fill="hold"/>
+                                        <p:tgtEl>
+                                          <p:spTgt spid="3">
+                                            <p:txEl>
+                                              <p:pRg st="1" end="1"/>
+                                            </p:txEl>
+                                          </p:spTgt>
+                                        </p:tgtEl>
+                                        <p:attrNameLst>
+                                          <p:attrName>ppt_y</p:attrName>
+                                        </p:attrNameLst>
+                                      </p:cBhvr>
+                                      <p:tavLst>
+                                        <p:tav tm="0">
+                                          <p:val>
+                                            <p:strVal val="1+#ppt_h/2"/>
+                                          </p:val>
+                                        </p:tav>
+                                        <p:tav tm="100000">
+                                          <p:val>
+                                            <p:strVal val="#ppt_y"/>
+                                          </p:val>
+                                        </p:tav>
+                                      </p:tavLst>
+                                    </p:anim>
+                                  </p:childTnLst>
+                                </p:cTn>
+                              </p:par>
+                            </p:childTnLst>
+                          </p:cTn>
+                        </p:par>
+                      </p:childTnLst>
+                    </p:cTn>
+                  </p:par>
+                  <p:par>
+                    <p:cTn id="15" fill="hold">
+                      <p:stCondLst>
+                        <p:cond delay="indefinite"/>
+                      </p:stCondLst>
+                      <p:childTnLst>
+                        <p:par>
+                          <p:cTn id="16" fill="hold">
+                            <p:stCondLst>
+                              <p:cond delay="0"/>
+                            </p:stCondLst>
+                            <p:childTnLst>
+                              <p:par>
+                                <p:cTn id="17" presetID="2" presetClass="entr" presetSubtype="4" fill="hold" nodeType="clickEffect">
+                                  <p:stCondLst>
+                                    <p:cond delay="0"/>
+                                  </p:stCondLst>
+                                  <p:childTnLst>
+                                    <p:set>
+                                      <p:cBhvr>
+                                        <p:cTn id="18" dur="1" fill="hold">
+                                          <p:stCondLst>
+                                            <p:cond delay="0"/>
+                                          </p:stCondLst>
+                                        </p:cTn>
+                                        <p:tgtEl>
+                                          <p:spTgt spid="3">
+                                            <p:txEl>
+                                              <p:pRg st="2" end="2"/>
+                                            </p:txEl>
+                                          </p:spTgt>
+                                        </p:tgtEl>
+                                        <p:attrNameLst>
+                                          <p:attrName>style.visibility</p:attrName>
+                                        </p:attrNameLst>
+                                      </p:cBhvr>
+                                      <p:to>
+                                        <p:strVal val="visible"/>
+                                      </p:to>
+                                    </p:set>
+                                    <p:anim calcmode="lin" valueType="num">
+                                      <p:cBhvr additive="base">
+                                        <p:cTn id="19" dur="500" fill="hold"/>
+                                        <p:tgtEl>
+                                          <p:spTgt spid="3">
+                                            <p:txEl>
+                                              <p:pRg st="2" end="2"/>
+                                            </p:txEl>
+                                          </p:spTgt>
+                                        </p:tgtEl>
+                                        <p:attrNameLst>
+                                          <p:attrName>ppt_x</p:attrName>
+                                        </p:attrNameLst>
+                                      </p:cBhvr>
+                                      <p:tavLst>
+                                        <p:tav tm="0">
+                                          <p:val>
+                                            <p:strVal val="#ppt_x"/>
+                                          </p:val>
+                                        </p:tav>
+                                        <p:tav tm="100000">
+                                          <p:val>
+                                            <p:strVal val="#ppt_x"/>
+                                          </p:val>
+                                        </p:tav>
+                                      </p:tavLst>
+                                    </p:anim>
+                                    <p:anim calcmode="lin" valueType="num">
+                                      <p:cBhvr additive="base">
+                                        <p:cTn id="20" dur="500" fill="hold"/>
+                                        <p:tgtEl>
+                                          <p:spTgt spid="3">
+                                            <p:txEl>
+                                              <p:pRg st="2" end="2"/>
+                                            </p:txEl>
+                                          </p:spTgt>
+                                        </p:tgtEl>
+                                        <p:attrNameLst>
+                                          <p:attrName>ppt_y</p:attrName>
+                                        </p:attrNameLst>
+                                      </p:cBhvr>
+                                      <p:tavLst>
+                                        <p:tav tm="0">
+                                          <p:val>
+                                            <p:strVal val="1+#ppt_h/2"/>
+                                          </p:val>
+                                        </p:tav>
+                                        <p:tav tm="100000">
+                                          <p:val>
+                                            <p:strVal val="#ppt_y"/>
+                                          </p:val>
+                                        </p:tav>
+                                      </p:tavLst>
+                                    </p:anim>
+                                  </p:childTnLst>
+                                </p:cTn>
+                              </p:par>
+                            </p:childTnLst>
+                          </p:cTn>
+                        </p:par>
+                      </p:childTnLst>
+                    </p:cTn>
+                  </p:par>
+                  <p:par>
+                    <p:cTn id="21" fill="hold">
+                      <p:stCondLst>
+                        <p:cond delay="indefinite"/>
+                      </p:stCondLst>
+                      <p:childTnLst>
+                        <p:par>
+                          <p:cTn id="22" fill="hold">
+                            <p:stCondLst>
+                              <p:cond delay="0"/>
+                            </p:stCondLst>
+                            <p:childTnLst>
+                              <p:par>
+                                <p:cTn id="23" presetID="2" presetClass="entr" presetSubtype="4" fill="hold" nodeType="clickEffect">
+                                  <p:stCondLst>
+                                    <p:cond delay="0"/>
+                                  </p:stCondLst>
+                                  <p:childTnLst>
+                                    <p:set>
+                                      <p:cBhvr>
+                                        <p:cTn id="24" dur="1" fill="hold">
+                                          <p:stCondLst>
+                                            <p:cond delay="0"/>
+                                          </p:stCondLst>
+                                        </p:cTn>
+                                        <p:tgtEl>
+                                          <p:spTgt spid="3">
+                                            <p:txEl>
+                                              <p:pRg st="3" end="3"/>
+                                            </p:txEl>
+                                          </p:spTgt>
+                                        </p:tgtEl>
+                                        <p:attrNameLst>
+                                          <p:attrName>style.visibility</p:attrName>
+                                        </p:attrNameLst>
+                                      </p:cBhvr>
+                                      <p:to>
+                                        <p:strVal val="visible"/>
+                                      </p:to>
+                                    </p:set>
+                                    <p:anim calcmode="lin" valueType="num">
+                                      <p:cBhvr additive="base">
+                                        <p:cTn id="25" dur="500" fill="hold"/>
+                                        <p:tgtEl>
+                                          <p:spTgt spid="3">
+                                            <p:txEl>
+                                              <p:pRg st="3" end="3"/>
+                                            </p:txEl>
+                                          </p:spTgt>
+                                        </p:tgtEl>
+                                        <p:attrNameLst>
+                                          <p:attrName>ppt_x</p:attrName>
+                                        </p:attrNameLst>
+                                      </p:cBhvr>
+                                      <p:tavLst>
+                                        <p:tav tm="0">
+                                          <p:val>
+                                            <p:strVal val="#ppt_x"/>
+                                          </p:val>
+                                        </p:tav>
+                                        <p:tav tm="100000">
+                                          <p:val>
+                                            <p:strVal val="#ppt_x"/>
+                                          </p:val>
+                                        </p:tav>
+                                      </p:tavLst>
+                                    </p:anim>
+                                    <p:anim calcmode="lin" valueType="num">
+                                      <p:cBhvr additive="base">
+                                        <p:cTn id="26" dur="500" fill="hold"/>
+                                        <p:tgtEl>
+                                          <p:spTgt spid="3">
+                                            <p:txEl>
+                                              <p:pRg st="3" end="3"/>
+                                            </p:txEl>
+                                          </p:spTgt>
+                                        </p:tgtEl>
+                                        <p:attrNameLst>
+                                          <p:attrName>ppt_y</p:attrName>
+                                        </p:attrNameLst>
+                                      </p:cBhvr>
+                                      <p:tavLst>
+                                        <p:tav tm="0">
+                                          <p:val>
+                                            <p:strVal val="1+#ppt_h/2"/>
+                                          </p:val>
+                                        </p:tav>
+                                        <p:tav tm="100000">
+                                          <p:val>
+                                            <p:strVal val="#ppt_y"/>
+                                          </p:val>
+                                        </p:tav>
+                                      </p:tavLst>
+                                    </p:anim>
+                                  </p:childTnLst>
+                                </p:cTn>
+                              </p:par>
+                            </p:childTnLst>
+                          </p:cTn>
+                        </p:par>
+                      </p:childTnLst>
+                    </p:cTn>
+                  </p:par>
+                  <p:par>
+                    <p:cTn id="27" fill="hold">
+                      <p:stCondLst>
+                        <p:cond delay="indefinite"/>
+                      </p:stCondLst>
+                      <p:childTnLst>
+                        <p:par>
+                          <p:cTn id="28" fill="hold">
+                            <p:stCondLst>
+                              <p:cond delay="0"/>
+                            </p:stCondLst>
+                            <p:childTnLst>
+                              <p:par>
+                                <p:cTn id="29" presetID="2" presetClass="entr" presetSubtype="4" fill="hold" nodeType="clickEffect">
+                                  <p:stCondLst>
+                                    <p:cond delay="0"/>
+                                  </p:stCondLst>
+                                  <p:childTnLst>
+                                    <p:set>
+                                      <p:cBhvr>
+                                        <p:cTn id="30" dur="1" fill="hold">
+                                          <p:stCondLst>
+                                            <p:cond delay="0"/>
+                                          </p:stCondLst>
+                                        </p:cTn>
+                                        <p:tgtEl>
+                                          <p:spTgt spid="3">
+                                            <p:txEl>
+                                              <p:pRg st="4" end="4"/>
+                                            </p:txEl>
+                                          </p:spTgt>
+                                        </p:tgtEl>
+                                        <p:attrNameLst>
+                                          <p:attrName>style.visibility</p:attrName>
+                                        </p:attrNameLst>
+                                      </p:cBhvr>
+                                      <p:to>
+                                        <p:strVal val="visible"/>
+                                      </p:to>
+                                    </p:set>
+                                    <p:anim calcmode="lin" valueType="num">
+                                      <p:cBhvr additive="base">
+                                        <p:cTn id="31" dur="500" fill="hold"/>
+                                        <p:tgtEl>
+                                          <p:spTgt spid="3">
+                                            <p:txEl>
+                                              <p:pRg st="4" end="4"/>
+                                            </p:txEl>
+                                          </p:spTgt>
+                                        </p:tgtEl>
+                                        <p:attrNameLst>
+                                          <p:attrName>ppt_x</p:attrName>
+                                        </p:attrNameLst>
+                                      </p:cBhvr>
+                                      <p:tavLst>
+                                        <p:tav tm="0">
+                                          <p:val>
+                                            <p:strVal val="#ppt_x"/>
+                                          </p:val>
+                                        </p:tav>
+                                        <p:tav tm="100000">
+                                          <p:val>
+                                            <p:strVal val="#ppt_x"/>
+                                          </p:val>
+                                        </p:tav>
+                                      </p:tavLst>
+                                    </p:anim>
+                                    <p:anim calcmode="lin" valueType="num">
+                                      <p:cBhvr additive="base">
+                                        <p:cTn id="32" dur="500" fill="hold"/>
+                                        <p:tgtEl>
+                                          <p:spTgt spid="3">
+                                            <p:txEl>
+                                              <p:pRg st="4" end="4"/>
+                                            </p:txEl>
+                                          </p:spTgt>
+                                        </p:tgtEl>
+                                        <p:attrNameLst>
+                                          <p:attrName>ppt_y</p:attrName>
+                                        </p:attrNameLst>
+                                      </p:cBhvr>
+                                      <p:tavLst>
+                                        <p:tav tm="0">
+                                          <p:val>
+                                            <p:strVal val="1+#ppt_h/2"/>
+                                          </p:val>
+                                        </p:tav>
+                                        <p:tav tm="100000">
+                                          <p:val>
+                                            <p:strVal val="#ppt_y"/>
+                                          </p:val>
+                                        </p:tav>
+                                      </p:tavLst>
+                                    </p:anim>
+                                  </p:childTnLst>
+                                </p:cTn>
+                              </p:par>
+                              <p:par>
+                                <p:cTn id="33" presetID="2" presetClass="entr" presetSubtype="4" fill="hold" nodeType="withEffect">
+                                  <p:stCondLst>
+                                    <p:cond delay="0"/>
+                                  </p:stCondLst>
+                                  <p:childTnLst>
+                                    <p:set>
+                                      <p:cBhvr>
+                                        <p:cTn id="34" dur="1" fill="hold">
+                                          <p:stCondLst>
+                                            <p:cond delay="0"/>
+                                          </p:stCondLst>
+                                        </p:cTn>
+                                        <p:tgtEl>
+                                          <p:spTgt spid="3">
+                                            <p:txEl>
+                                              <p:pRg st="5" end="5"/>
+                                            </p:txEl>
+                                          </p:spTgt>
+                                        </p:tgtEl>
+                                        <p:attrNameLst>
+                                          <p:attrName>style.visibility</p:attrName>
+                                        </p:attrNameLst>
+                                      </p:cBhvr>
+                                      <p:to>
+                                        <p:strVal val="visible"/>
+                                      </p:to>
+                                    </p:set>
+                                    <p:anim calcmode="lin" valueType="num">
+                                      <p:cBhvr additive="base">
+                                        <p:cTn id="35" dur="500" fill="hold"/>
+                                        <p:tgtEl>
+                                          <p:spTgt spid="3">
+                                            <p:txEl>
+                                              <p:pRg st="5" end="5"/>
+                                            </p:txEl>
+                                          </p:spTgt>
+                                        </p:tgtEl>
+                                        <p:attrNameLst>
+                                          <p:attrName>ppt_x</p:attrName>
+                                        </p:attrNameLst>
+                                      </p:cBhvr>
+                                      <p:tavLst>
+                                        <p:tav tm="0">
+                                          <p:val>
+                                            <p:strVal val="#ppt_x"/>
+                                          </p:val>
+                                        </p:tav>
+                                        <p:tav tm="100000">
+                                          <p:val>
+                                            <p:strVal val="#ppt_x"/>
+                                          </p:val>
+                                        </p:tav>
+                                      </p:tavLst>
+                                    </p:anim>
+                                    <p:anim calcmode="lin" valueType="num">
+                                      <p:cBhvr additive="base">
+                                        <p:cTn id="36" dur="500" fill="hold"/>
+                                        <p:tgtEl>
+                                          <p:spTgt spid="3">
+                                            <p:txEl>
+                                              <p:pRg st="5" end="5"/>
+                                            </p:txEl>
+                                          </p:spTgt>
+                                        </p:tgtEl>
+                                        <p:attrNameLst>
+                                          <p:attrName>ppt_y</p:attrName>
+                                        </p:attrNameLst>
+                                      </p:cBhvr>
+                                      <p:tavLst>
+                                        <p:tav tm="0">
+                                          <p:val>
+                                            <p:strVal val="1+#ppt_h/2"/>
+                                          </p:val>
+                                        </p:tav>
+                                        <p:tav tm="100000">
+                                          <p:val>
+                                            <p:strVal val="#ppt_y"/>
+                                          </p:val>
+                                        </p:tav>
+                                      </p:tavLst>
+                                    </p:anim>
+                                  </p:childTnLst>
+                                </p:cTn>
+                              </p:par>
+                              <p:par>
+                                <p:cTn id="37" presetID="2" presetClass="entr" presetSubtype="4" fill="hold" nodeType="withEffect">
+                                  <p:stCondLst>
+                                    <p:cond delay="0"/>
+                                  </p:stCondLst>
+                                  <p:childTnLst>
+                                    <p:set>
+                                      <p:cBhvr>
+                                        <p:cTn id="38" dur="1" fill="hold">
+                                          <p:stCondLst>
+                                            <p:cond delay="0"/>
+                                          </p:stCondLst>
+                                        </p:cTn>
+                                        <p:tgtEl>
+                                          <p:spTgt spid="3">
+                                            <p:txEl>
+                                              <p:pRg st="6" end="6"/>
+                                            </p:txEl>
+                                          </p:spTgt>
+                                        </p:tgtEl>
+                                        <p:attrNameLst>
+                                          <p:attrName>style.visibility</p:attrName>
+                                        </p:attrNameLst>
+                                      </p:cBhvr>
+                                      <p:to>
+                                        <p:strVal val="visible"/>
+                                      </p:to>
+                                    </p:set>
+                                    <p:anim calcmode="lin" valueType="num">
+                                      <p:cBhvr additive="base">
+                                        <p:cTn id="39" dur="500" fill="hold"/>
+                                        <p:tgtEl>
+                                          <p:spTgt spid="3">
+                                            <p:txEl>
+                                              <p:pRg st="6" end="6"/>
+                                            </p:txEl>
+                                          </p:spTgt>
+                                        </p:tgtEl>
+                                        <p:attrNameLst>
+                                          <p:attrName>ppt_x</p:attrName>
+                                        </p:attrNameLst>
+                                      </p:cBhvr>
+                                      <p:tavLst>
+                                        <p:tav tm="0">
+                                          <p:val>
+                                            <p:strVal val="#ppt_x"/>
+                                          </p:val>
+                                        </p:tav>
+                                        <p:tav tm="100000">
+                                          <p:val>
+                                            <p:strVal val="#ppt_x"/>
+                                          </p:val>
+                                        </p:tav>
+                                      </p:tavLst>
+                                    </p:anim>
+                                    <p:anim calcmode="lin" valueType="num">
+                                      <p:cBhvr additive="base">
+                                        <p:cTn id="40" dur="500" fill="hold"/>
+                                        <p:tgtEl>
+                                          <p:spTgt spid="3">
+                                            <p:txEl>
+                                              <p:pRg st="6" end="6"/>
+                                            </p:txEl>
+                                          </p:spTgt>
+                                        </p:tgtEl>
+                                        <p:attrNameLst>
+                                          <p:attrName>ppt_y</p:attrName>
+                                        </p:attrNameLst>
+                                      </p:cBhvr>
+                                      <p:tavLst>
+                                        <p:tav tm="0">
+                                          <p:val>
+                                            <p:strVal val="1+#ppt_h/2"/>
+                                          </p:val>
+                                        </p:tav>
+                                        <p:tav tm="100000">
+                                          <p:val>
+                                            <p:strVal val="#ppt_y"/>
+                                          </p:val>
+                                        </p:tav>
+                                      </p:tavLst>
+                                    </p:anim>
+                                  </p:childTnLst>
+                                </p:cTn>
+                              </p:par>
+                              <p:par>
+                                <p:cTn id="41" presetID="2" presetClass="entr" presetSubtype="4" fill="hold" nodeType="withEffect">
+                                  <p:stCondLst>
+                                    <p:cond delay="0"/>
+                                  </p:stCondLst>
+                                  <p:childTnLst>
+                                    <p:set>
+                                      <p:cBhvr>
+                                        <p:cTn id="42" dur="1" fill="hold">
+                                          <p:stCondLst>
+                                            <p:cond delay="0"/>
+                                          </p:stCondLst>
+                                        </p:cTn>
+                                        <p:tgtEl>
+                                          <p:spTgt spid="3">
+                                            <p:txEl>
+                                              <p:pRg st="7" end="7"/>
+                                            </p:txEl>
+                                          </p:spTgt>
+                                        </p:tgtEl>
+                                        <p:attrNameLst>
+                                          <p:attrName>style.visibility</p:attrName>
+                                        </p:attrNameLst>
+                                      </p:cBhvr>
+                                      <p:to>
+                                        <p:strVal val="visible"/>
+                                      </p:to>
+                                    </p:set>
+                                    <p:anim calcmode="lin" valueType="num">
+                                      <p:cBhvr additive="base">
+                                        <p:cTn id="43" dur="500" fill="hold"/>
+                                        <p:tgtEl>
+                                          <p:spTgt spid="3">
+                                            <p:txEl>
+                                              <p:pRg st="7" end="7"/>
+                                            </p:txEl>
+                                          </p:spTgt>
+                                        </p:tgtEl>
+                                        <p:attrNameLst>
+                                          <p:attrName>ppt_x</p:attrName>
+                                        </p:attrNameLst>
+                                      </p:cBhvr>
+                                      <p:tavLst>
+                                        <p:tav tm="0">
+                                          <p:val>
+                                            <p:strVal val="#ppt_x"/>
+                                          </p:val>
+                                        </p:tav>
+                                        <p:tav tm="100000">
+                                          <p:val>
+                                            <p:strVal val="#ppt_x"/>
+                                          </p:val>
+                                        </p:tav>
+                                      </p:tavLst>
+                                    </p:anim>
+                                    <p:anim calcmode="lin" valueType="num">
+                                      <p:cBhvr additive="base">
+                                        <p:cTn id="44" dur="500" fill="hold"/>
+                                        <p:tgtEl>
+                                          <p:spTgt spid="3">
+                                            <p:txEl>
+                                              <p:pRg st="7" end="7"/>
+                                            </p:txEl>
+                                          </p:spTgt>
+                                        </p:tgtEl>
+                                        <p:attrNameLst>
+                                          <p:attrName>ppt_y</p:attrName>
+                                        </p:attrNameLst>
+                                      </p:cBhvr>
+                                      <p:tavLst>
+                                        <p:tav tm="0">
+                                          <p:val>
+                                            <p:strVal val="1+#ppt_h/2"/>
+                                          </p:val>
+                                        </p:tav>
+                                        <p:tav tm="100000">
+                                          <p:val>
+                                            <p:strVal val="#ppt_y"/>
+                                          </p:val>
+                                        </p:tav>
+                                      </p:tavLst>
+                                    </p:anim>
+                                  </p:childTnLst>
+                                </p:cTn>
+                              </p:par>
+                            </p:childTnLst>
+                          </p:cTn>
+                        </p:par>
+                      </p:childTnLst>
+                    </p:cTn>
+                  </p:par>
+                </p:childTnLst>
+              </p:cTn>
+              <p:prevCondLst>
+                <p:cond evt="onPrev" delay="0">
+                  <p:tgtEl>
+                    <p:sldTgt/>
+                  </p:tgtEl>
+                </p:cond>
+              </p:prevCondLst>
+              <p:nextCondLst>
+                <p:cond evt="onNext" delay="0">
+                  <p:tgtEl>
+                    <p:sldTgt/>
+                  </p:tgtEl>
+                </p:cond>
+              </p:nextCondLst>
+            </p:seq>
+          </p:childTnLst>
+        </p:cTn>
+      </p:par>
+    </p:tnLst>
+  </p:timing>
+</p:sld>
+</file>
+
+<file path=ppt/slides/slide3.xml><?xml version="1.0" encoding="utf-8"?>
+<p:sld xmlns:a="http://schemas.openxmlformats.org/drawingml/2006/main" xmlns:r="http://schemas.openxmlformats.org/officeDocument/2006/relationships" xmlns:p="http://schemas.openxmlformats.org/presentationml/2006/main">
+  <p:cSld>
+    <p:spTree>
+      <p:nvGrpSpPr>
+        <p:cNvPr id="1" name=""/>
+        <p:cNvGrpSpPr/>
+        <p:nvPr/>
+      </p:nvGrpSpPr>
+      <p:grpSpPr>
+        <a:xfrm>
+          <a:off x="0" y="0"/>
+          <a:ext cx="0" cy="0"/>
+          <a:chOff x="0" y="0"/>
+          <a:chExt cx="0" cy="0"/>
+        </a:xfrm>
+      </p:grpSpPr>
+      <p:sp>
+        <p:nvSpPr>
+          <p:cNvPr id="2" name="Title 1">
+            <a:extLst>
+              <a:ext uri="{FF2B5EF4-FFF2-40B4-BE49-F238E27FC236}">
+                <a16:creationId xmlns:a16="http://schemas.microsoft.com/office/drawing/2014/main" id="{9645CDA6-4CB3-AF6D-8554-62C7DC9F86DE}"/>
+              </a:ext>
+            </a:extLst>
+          </p:cNvPr>
+          <p:cNvSpPr>
+            <a:spLocks noGrp="1"/>
+          </p:cNvSpPr>
+          <p:nvPr>
+            <p:ph type="title"/>
+          </p:nvPr>
+        </p:nvSpPr>
+        <p:spPr>
+          <a:xfrm>
+            <a:off x="913794" y="1596887"/>
+            <a:ext cx="10353762" cy="970450"/>
+          </a:xfrm>
+        </p:spPr>
+        <p:txBody>
+          <a:bodyPr/>
+          <a:lstStyle/>
+          <a:p>
+            <a:r>
+              <a:rPr lang="en-US" dirty="0"/>
+              <a:t>Why Consumables?</a:t>
+            </a:r>
+          </a:p>
+        </p:txBody>
+      </p:sp>
+      <p:sp>
+        <p:nvSpPr>
+          <p:cNvPr id="3" name="Content Placeholder 2">
+            <a:extLst>
+              <a:ext uri="{FF2B5EF4-FFF2-40B4-BE49-F238E27FC236}">
+                <a16:creationId xmlns:a16="http://schemas.microsoft.com/office/drawing/2014/main" id="{B869E850-E789-9484-EB2F-9A877FBB0149}"/>
+              </a:ext>
+            </a:extLst>
+          </p:cNvPr>
+          <p:cNvSpPr>
+            <a:spLocks noGrp="1"/>
+          </p:cNvSpPr>
+          <p:nvPr>
+            <p:ph idx="1"/>
+          </p:nvPr>
+        </p:nvSpPr>
+        <p:spPr>
+          <a:xfrm>
+            <a:off x="913795" y="2729748"/>
+            <a:ext cx="10353762" cy="1398503"/>
+          </a:xfrm>
+        </p:spPr>
+        <p:txBody>
+          <a:bodyPr/>
+          <a:lstStyle/>
+          <a:p>
+            <a:r>
+              <a:rPr lang="en-US" dirty="0"/>
+              <a:t>Used in challenging content to enhance Player power</a:t>
+            </a:r>
+          </a:p>
+          <a:p>
+            <a:r>
+              <a:rPr lang="en-US" dirty="0"/>
+              <a:t>Players organize themselves weekly for this content</a:t>
+            </a:r>
+          </a:p>
+          <a:p>
+            <a:r>
+              <a:rPr lang="en-US" dirty="0"/>
+              <a:t>It’s the part of the market I participate the most in</a:t>
+            </a:r>
+          </a:p>
+        </p:txBody>
+      </p:sp>
+      <p:grpSp>
+        <p:nvGrpSpPr>
+          <p:cNvPr id="16" name="Group 15">
+            <a:extLst>
+              <a:ext uri="{FF2B5EF4-FFF2-40B4-BE49-F238E27FC236}">
+                <a16:creationId xmlns:a16="http://schemas.microsoft.com/office/drawing/2014/main" id="{72C015B3-53EA-68D3-AFBA-83CD44A9C318}"/>
+              </a:ext>
+            </a:extLst>
+          </p:cNvPr>
+          <p:cNvGrpSpPr/>
+          <p:nvPr/>
+        </p:nvGrpSpPr>
+        <p:grpSpPr>
+          <a:xfrm>
+            <a:off x="3398115" y="4616953"/>
+            <a:ext cx="5385121" cy="909578"/>
+            <a:chOff x="1075481" y="5511474"/>
+            <a:chExt cx="5385121" cy="909578"/>
+          </a:xfrm>
+        </p:grpSpPr>
+        <p:pic>
+          <p:nvPicPr>
+            <p:cNvPr id="7" name="Picture 6">
+              <a:extLst>
+                <a:ext uri="{FF2B5EF4-FFF2-40B4-BE49-F238E27FC236}">
+                  <a16:creationId xmlns:a16="http://schemas.microsoft.com/office/drawing/2014/main" id="{E8D04809-0C35-C0B4-9F7E-07C07A38C886}"/>
+                </a:ext>
+              </a:extLst>
+            </p:cNvPr>
+            <p:cNvPicPr>
+              <a:picLocks noChangeAspect="1"/>
+            </p:cNvPicPr>
+            <p:nvPr/>
+          </p:nvPicPr>
+          <p:blipFill>
+            <a:blip r:embed="rId3">
+              <a:extLst>
+                <a:ext uri="{28A0092B-C50C-407E-A947-70E740481C1C}">
+                  <a14:useLocalDpi xmlns:a14="http://schemas.microsoft.com/office/drawing/2010/main" val="0"/>
+                </a:ext>
+              </a:extLst>
+            </a:blip>
+            <a:stretch>
+              <a:fillRect/>
+            </a:stretch>
+          </p:blipFill>
+          <p:spPr>
+            <a:xfrm>
+              <a:off x="1075481" y="5511475"/>
+              <a:ext cx="909577" cy="909577"/>
+            </a:xfrm>
+            <a:prstGeom prst="rect">
+              <a:avLst/>
+            </a:prstGeom>
+          </p:spPr>
+        </p:pic>
+        <p:pic>
+          <p:nvPicPr>
+            <p:cNvPr id="9" name="Picture 8">
+              <a:extLst>
+                <a:ext uri="{FF2B5EF4-FFF2-40B4-BE49-F238E27FC236}">
+                  <a16:creationId xmlns:a16="http://schemas.microsoft.com/office/drawing/2014/main" id="{48A15656-CE44-811F-096A-ED6594089F3B}"/>
+                </a:ext>
+              </a:extLst>
+            </p:cNvPr>
+            <p:cNvPicPr>
+              <a:picLocks noChangeAspect="1"/>
+            </p:cNvPicPr>
+            <p:nvPr/>
+          </p:nvPicPr>
+          <p:blipFill>
+            <a:blip r:embed="rId4">
+              <a:extLst>
+                <a:ext uri="{28A0092B-C50C-407E-A947-70E740481C1C}">
+                  <a14:useLocalDpi xmlns:a14="http://schemas.microsoft.com/office/drawing/2010/main" val="0"/>
+                </a:ext>
+              </a:extLst>
+            </a:blip>
+            <a:stretch>
+              <a:fillRect/>
+            </a:stretch>
+          </p:blipFill>
+          <p:spPr>
+            <a:xfrm>
+              <a:off x="2194367" y="5511475"/>
+              <a:ext cx="909577" cy="909577"/>
+            </a:xfrm>
+            <a:prstGeom prst="rect">
+              <a:avLst/>
+            </a:prstGeom>
+          </p:spPr>
+        </p:pic>
+        <p:pic>
+          <p:nvPicPr>
+            <p:cNvPr id="11" name="Picture 10">
+              <a:extLst>
+                <a:ext uri="{FF2B5EF4-FFF2-40B4-BE49-F238E27FC236}">
+                  <a16:creationId xmlns:a16="http://schemas.microsoft.com/office/drawing/2014/main" id="{69B3AE91-F79C-33BB-A579-6F68D4BB99F1}"/>
+                </a:ext>
+              </a:extLst>
+            </p:cNvPr>
+            <p:cNvPicPr>
+              <a:picLocks noChangeAspect="1"/>
+            </p:cNvPicPr>
+            <p:nvPr/>
+          </p:nvPicPr>
+          <p:blipFill>
+            <a:blip r:embed="rId5">
+              <a:extLst>
+                <a:ext uri="{28A0092B-C50C-407E-A947-70E740481C1C}">
+                  <a14:useLocalDpi xmlns:a14="http://schemas.microsoft.com/office/drawing/2010/main" val="0"/>
+                </a:ext>
+              </a:extLst>
+            </a:blip>
+            <a:stretch>
+              <a:fillRect/>
+            </a:stretch>
+          </p:blipFill>
+          <p:spPr>
+            <a:xfrm>
+              <a:off x="3313253" y="5511475"/>
+              <a:ext cx="909577" cy="909577"/>
+            </a:xfrm>
+            <a:prstGeom prst="rect">
+              <a:avLst/>
+            </a:prstGeom>
+          </p:spPr>
+        </p:pic>
+        <p:pic>
+          <p:nvPicPr>
+            <p:cNvPr id="13" name="Picture 12">
+              <a:extLst>
+                <a:ext uri="{FF2B5EF4-FFF2-40B4-BE49-F238E27FC236}">
+                  <a16:creationId xmlns:a16="http://schemas.microsoft.com/office/drawing/2014/main" id="{987D11F6-5553-A2DF-29DE-DA8358BF0272}"/>
+                </a:ext>
+              </a:extLst>
+            </p:cNvPr>
+            <p:cNvPicPr>
+              <a:picLocks noChangeAspect="1"/>
+            </p:cNvPicPr>
+            <p:nvPr/>
+          </p:nvPicPr>
+          <p:blipFill>
+            <a:blip r:embed="rId6">
+              <a:extLst>
+                <a:ext uri="{28A0092B-C50C-407E-A947-70E740481C1C}">
+                  <a14:useLocalDpi xmlns:a14="http://schemas.microsoft.com/office/drawing/2010/main" val="0"/>
+                </a:ext>
+              </a:extLst>
+            </a:blip>
+            <a:stretch>
+              <a:fillRect/>
+            </a:stretch>
+          </p:blipFill>
+          <p:spPr>
+            <a:xfrm>
+              <a:off x="4432139" y="5511474"/>
+              <a:ext cx="909577" cy="909577"/>
+            </a:xfrm>
+            <a:prstGeom prst="rect">
+              <a:avLst/>
+            </a:prstGeom>
+          </p:spPr>
+        </p:pic>
+        <p:pic>
+          <p:nvPicPr>
+            <p:cNvPr id="15" name="Picture 14">
+              <a:extLst>
+                <a:ext uri="{FF2B5EF4-FFF2-40B4-BE49-F238E27FC236}">
+                  <a16:creationId xmlns:a16="http://schemas.microsoft.com/office/drawing/2014/main" id="{FFCA08C5-669F-ADE8-5281-D70CF8C23466}"/>
+                </a:ext>
+              </a:extLst>
+            </p:cNvPr>
+            <p:cNvPicPr>
+              <a:picLocks noChangeAspect="1"/>
+            </p:cNvPicPr>
+            <p:nvPr/>
+          </p:nvPicPr>
+          <p:blipFill>
+            <a:blip r:embed="rId7">
+              <a:extLst>
+                <a:ext uri="{28A0092B-C50C-407E-A947-70E740481C1C}">
+                  <a14:useLocalDpi xmlns:a14="http://schemas.microsoft.com/office/drawing/2010/main" val="0"/>
+                </a:ext>
+              </a:extLst>
+            </a:blip>
+            <a:stretch>
+              <a:fillRect/>
+            </a:stretch>
+          </p:blipFill>
+          <p:spPr>
+            <a:xfrm>
+              <a:off x="5551025" y="5511474"/>
+              <a:ext cx="909577" cy="909577"/>
+            </a:xfrm>
+            <a:prstGeom prst="rect">
+              <a:avLst/>
+            </a:prstGeom>
+          </p:spPr>
+        </p:pic>
+      </p:grpSp>
+    </p:spTree>
+    <p:extLst>
+      <p:ext uri="{BB962C8B-B14F-4D97-AF65-F5344CB8AC3E}">
+        <p14:creationId xmlns:p14="http://schemas.microsoft.com/office/powerpoint/2010/main" val="1410269162"/>
+      </p:ext>
+    </p:extLst>
+  </p:cSld>
+  <p:clrMapOvr>
+    <a:masterClrMapping/>
+  </p:clrMapOvr>
+  <p:timing>
+    <p:tnLst>
+      <p:par>
+        <p:cTn id="1" dur="indefinite" restart="never" nodeType="tmRoot">
+          <p:childTnLst>
+            <p:seq concurrent="1" nextAc="seek">
+              <p:cTn id="2" dur="indefinite" nodeType="mainSeq">
+                <p:childTnLst>
+                  <p:par>
+                    <p:cTn id="3" fill="hold">
+                      <p:stCondLst>
+                        <p:cond delay="indefinite"/>
+                      </p:stCondLst>
+                      <p:childTnLst>
+                        <p:par>
+                          <p:cTn id="4" fill="hold">
+                            <p:stCondLst>
+                              <p:cond delay="0"/>
+                            </p:stCondLst>
+                            <p:childTnLst>
+                              <p:par>
+                                <p:cTn id="5" presetID="42" presetClass="entr" presetSubtype="0" fill="hold" nodeType="clickEffect">
+                                  <p:stCondLst>
+                                    <p:cond delay="0"/>
+                                  </p:stCondLst>
+                                  <p:childTnLst>
+                                    <p:set>
+                                      <p:cBhvr>
+                                        <p:cTn id="6" dur="1" fill="hold">
+                                          <p:stCondLst>
+                                            <p:cond delay="0"/>
+                                          </p:stCondLst>
+                                        </p:cTn>
+                                        <p:tgtEl>
+                                          <p:spTgt spid="3">
+                                            <p:txEl>
+                                              <p:pRg st="0" end="0"/>
+                                            </p:txEl>
+                                          </p:spTgt>
+                                        </p:tgtEl>
+                                        <p:attrNameLst>
+                                          <p:attrName>style.visibility</p:attrName>
+                                        </p:attrNameLst>
+                                      </p:cBhvr>
+                                      <p:to>
+                                        <p:strVal val="visible"/>
+                                      </p:to>
+                                    </p:set>
+                                    <p:animEffect transition="in" filter="fade">
+                                      <p:cBhvr>
+                                        <p:cTn id="7" dur="1000"/>
+                                        <p:tgtEl>
+                                          <p:spTgt spid="3">
+                                            <p:txEl>
+                                              <p:pRg st="0" end="0"/>
+                                            </p:txEl>
+                                          </p:spTgt>
+                                        </p:tgtEl>
+                                      </p:cBhvr>
+                                    </p:animEffect>
+                                    <p:anim calcmode="lin" valueType="num">
+                                      <p:cBhvr>
+                                        <p:cTn id="8" dur="1000" fill="hold"/>
+                                        <p:tgtEl>
+                                          <p:spTgt spid="3">
+                                            <p:txEl>
+                                              <p:pRg st="0" end="0"/>
+                                            </p:txEl>
+                                          </p:spTgt>
+                                        </p:tgtEl>
+                                        <p:attrNameLst>
+                                          <p:attrName>ppt_x</p:attrName>
+                                        </p:attrNameLst>
+                                      </p:cBhvr>
+                                      <p:tavLst>
+                                        <p:tav tm="0">
+                                          <p:val>
+                                            <p:strVal val="#ppt_x"/>
+                                          </p:val>
+                                        </p:tav>
+                                        <p:tav tm="100000">
+                                          <p:val>
+                                            <p:strVal val="#ppt_x"/>
+                                          </p:val>
+                                        </p:tav>
+                                      </p:tavLst>
+                                    </p:anim>
+                                    <p:anim calcmode="lin" valueType="num">
+                                      <p:cBhvr>
+                                        <p:cTn id="9" dur="1000" fill="hold"/>
+                                        <p:tgtEl>
+                                          <p:spTgt spid="3">
+                                            <p:txEl>
+                                              <p:pRg st="0" end="0"/>
+                                            </p:txEl>
+                                          </p:spTgt>
+                                        </p:tgtEl>
+                                        <p:attrNameLst>
+                                          <p:attrName>ppt_y</p:attrName>
+                                        </p:attrNameLst>
+                                      </p:cBhvr>
+                                      <p:tavLst>
+                                        <p:tav tm="0">
+                                          <p:val>
+                                            <p:strVal val="#ppt_y+.1"/>
+                                          </p:val>
+                                        </p:tav>
+                                        <p:tav tm="100000">
+                                          <p:val>
+                                            <p:strVal val="#ppt_y"/>
+                                          </p:val>
+                                        </p:tav>
+                                      </p:tavLst>
+                                    </p:anim>
+                                  </p:childTnLst>
+                                </p:cTn>
+                              </p:par>
+                            </p:childTnLst>
+                          </p:cTn>
+                        </p:par>
+                      </p:childTnLst>
+                    </p:cTn>
+                  </p:par>
+                  <p:par>
+                    <p:cTn id="10" fill="hold">
+                      <p:stCondLst>
+                        <p:cond delay="indefinite"/>
+                      </p:stCondLst>
+                      <p:childTnLst>
+                        <p:par>
+                          <p:cTn id="11" fill="hold">
+                            <p:stCondLst>
+                              <p:cond delay="0"/>
+                            </p:stCondLst>
+                            <p:childTnLst>
+                              <p:par>
+                                <p:cTn id="12" presetID="42" presetClass="entr" presetSubtype="0" fill="hold" nodeType="clickEffect">
+                                  <p:stCondLst>
+                                    <p:cond delay="0"/>
+                                  </p:stCondLst>
+                                  <p:childTnLst>
+                                    <p:set>
+                                      <p:cBhvr>
+                                        <p:cTn id="13" dur="1" fill="hold">
+                                          <p:stCondLst>
+                                            <p:cond delay="0"/>
+                                          </p:stCondLst>
+                                        </p:cTn>
+                                        <p:tgtEl>
+                                          <p:spTgt spid="3">
+                                            <p:txEl>
+                                              <p:pRg st="1" end="1"/>
+                                            </p:txEl>
+                                          </p:spTgt>
+                                        </p:tgtEl>
+                                        <p:attrNameLst>
+                                          <p:attrName>style.visibility</p:attrName>
+                                        </p:attrNameLst>
+                                      </p:cBhvr>
+                                      <p:to>
+                                        <p:strVal val="visible"/>
+                                      </p:to>
+                                    </p:set>
+                                    <p:animEffect transition="in" filter="fade">
+                                      <p:cBhvr>
+                                        <p:cTn id="14" dur="1000"/>
+                                        <p:tgtEl>
+                                          <p:spTgt spid="3">
+                                            <p:txEl>
+                                              <p:pRg st="1" end="1"/>
+                                            </p:txEl>
+                                          </p:spTgt>
+                                        </p:tgtEl>
+                                      </p:cBhvr>
+                                    </p:animEffect>
+                                    <p:anim calcmode="lin" valueType="num">
+                                      <p:cBhvr>
+                                        <p:cTn id="15" dur="1000" fill="hold"/>
+                                        <p:tgtEl>
+                                          <p:spTgt spid="3">
+                                            <p:txEl>
+                                              <p:pRg st="1" end="1"/>
+                                            </p:txEl>
+                                          </p:spTgt>
+                                        </p:tgtEl>
+                                        <p:attrNameLst>
+                                          <p:attrName>ppt_x</p:attrName>
+                                        </p:attrNameLst>
+                                      </p:cBhvr>
+                                      <p:tavLst>
+                                        <p:tav tm="0">
+                                          <p:val>
+                                            <p:strVal val="#ppt_x"/>
+                                          </p:val>
+                                        </p:tav>
+                                        <p:tav tm="100000">
+                                          <p:val>
+                                            <p:strVal val="#ppt_x"/>
+                                          </p:val>
+                                        </p:tav>
+                                      </p:tavLst>
+                                    </p:anim>
+                                    <p:anim calcmode="lin" valueType="num">
+                                      <p:cBhvr>
+                                        <p:cTn id="16" dur="1000" fill="hold"/>
+                                        <p:tgtEl>
+                                          <p:spTgt spid="3">
+                                            <p:txEl>
+                                              <p:pRg st="1" end="1"/>
+                                            </p:txEl>
+                                          </p:spTgt>
+                                        </p:tgtEl>
+                                        <p:attrNameLst>
+                                          <p:attrName>ppt_y</p:attrName>
+                                        </p:attrNameLst>
+                                      </p:cBhvr>
+                                      <p:tavLst>
+                                        <p:tav tm="0">
+                                          <p:val>
+                                            <p:strVal val="#ppt_y+.1"/>
+                                          </p:val>
+                                        </p:tav>
+                                        <p:tav tm="100000">
+                                          <p:val>
+                                            <p:strVal val="#ppt_y"/>
+                                          </p:val>
+                                        </p:tav>
+                                      </p:tavLst>
+                                    </p:anim>
+                                  </p:childTnLst>
+                                </p:cTn>
+                              </p:par>
+                            </p:childTnLst>
+                          </p:cTn>
+                        </p:par>
+                      </p:childTnLst>
+                    </p:cTn>
+                  </p:par>
+                  <p:par>
+                    <p:cTn id="17" fill="hold">
+                      <p:stCondLst>
+                        <p:cond delay="indefinite"/>
+                      </p:stCondLst>
+                      <p:childTnLst>
+                        <p:par>
+                          <p:cTn id="18" fill="hold">
+                            <p:stCondLst>
+                              <p:cond delay="0"/>
+                            </p:stCondLst>
+                            <p:childTnLst>
+                              <p:par>
+                                <p:cTn id="19" presetID="42" presetClass="entr" presetSubtype="0" fill="hold" nodeType="clickEffect">
+                                  <p:stCondLst>
+                                    <p:cond delay="0"/>
+                                  </p:stCondLst>
+                                  <p:childTnLst>
+                                    <p:set>
+                                      <p:cBhvr>
+                                        <p:cTn id="20" dur="1" fill="hold">
+                                          <p:stCondLst>
+                                            <p:cond delay="0"/>
+                                          </p:stCondLst>
+                                        </p:cTn>
+                                        <p:tgtEl>
+                                          <p:spTgt spid="3">
+                                            <p:txEl>
+                                              <p:pRg st="2" end="2"/>
+                                            </p:txEl>
+                                          </p:spTgt>
+                                        </p:tgtEl>
+                                        <p:attrNameLst>
+                                          <p:attrName>style.visibility</p:attrName>
+                                        </p:attrNameLst>
+                                      </p:cBhvr>
+                                      <p:to>
+                                        <p:strVal val="visible"/>
+                                      </p:to>
+                                    </p:set>
+                                    <p:animEffect transition="in" filter="fade">
+                                      <p:cBhvr>
+                                        <p:cTn id="21" dur="1000"/>
+                                        <p:tgtEl>
+                                          <p:spTgt spid="3">
+                                            <p:txEl>
+                                              <p:pRg st="2" end="2"/>
+                                            </p:txEl>
+                                          </p:spTgt>
+                                        </p:tgtEl>
+                                      </p:cBhvr>
+                                    </p:animEffect>
+                                    <p:anim calcmode="lin" valueType="num">
+                                      <p:cBhvr>
+                                        <p:cTn id="22" dur="1000" fill="hold"/>
+                                        <p:tgtEl>
+                                          <p:spTgt spid="3">
+                                            <p:txEl>
+                                              <p:pRg st="2" end="2"/>
+                                            </p:txEl>
+                                          </p:spTgt>
+                                        </p:tgtEl>
+                                        <p:attrNameLst>
+                                          <p:attrName>ppt_x</p:attrName>
+                                        </p:attrNameLst>
+                                      </p:cBhvr>
+                                      <p:tavLst>
+                                        <p:tav tm="0">
+                                          <p:val>
+                                            <p:strVal val="#ppt_x"/>
+                                          </p:val>
+                                        </p:tav>
+                                        <p:tav tm="100000">
+                                          <p:val>
+                                            <p:strVal val="#ppt_x"/>
+                                          </p:val>
+                                        </p:tav>
+                                      </p:tavLst>
+                                    </p:anim>
+                                    <p:anim calcmode="lin" valueType="num">
+                                      <p:cBhvr>
+                                        <p:cTn id="23" dur="1000" fill="hold"/>
+                                        <p:tgtEl>
+                                          <p:spTgt spid="3">
+                                            <p:txEl>
+                                              <p:pRg st="2" end="2"/>
+                                            </p:txEl>
+                                          </p:spTgt>
+                                        </p:tgtEl>
+                                        <p:attrNameLst>
+                                          <p:attrName>ppt_y</p:attrName>
+                                        </p:attrNameLst>
+                                      </p:cBhvr>
+                                      <p:tavLst>
+                                        <p:tav tm="0">
+                                          <p:val>
+                                            <p:strVal val="#ppt_y+.1"/>
+                                          </p:val>
+                                        </p:tav>
+                                        <p:tav tm="100000">
+                                          <p:val>
+                                            <p:strVal val="#ppt_y"/>
+                                          </p:val>
+                                        </p:tav>
+                                      </p:tavLst>
+                                    </p:anim>
+                                  </p:childTnLst>
+                                </p:cTn>
+                              </p:par>
+                            </p:childTnLst>
+                          </p:cTn>
+                        </p:par>
+                      </p:childTnLst>
+                    </p:cTn>
+                  </p:par>
+                </p:childTnLst>
+              </p:cTn>
+              <p:prevCondLst>
+                <p:cond evt="onPrev" delay="0">
+                  <p:tgtEl>
+                    <p:sldTgt/>
+                  </p:tgtEl>
+                </p:cond>
+              </p:prevCondLst>
+              <p:nextCondLst>
+                <p:cond evt="onNext" delay="0">
+                  <p:tgtEl>
+                    <p:sldTgt/>
+                  </p:tgtEl>
+                </p:cond>
+              </p:nextCondLst>
+            </p:seq>
+          </p:childTnLst>
+        </p:cTn>
+      </p:par>
+    </p:tnLst>
+  </p:timing>
+</p:sld>
+</file>
+
+<file path=ppt/slides/slide4.xml><?xml version="1.0" encoding="utf-8"?>
+<p:sld xmlns:a="http://schemas.openxmlformats.org/drawingml/2006/main" xmlns:r="http://schemas.openxmlformats.org/officeDocument/2006/relationships" xmlns:p="http://schemas.openxmlformats.org/presentationml/2006/main">
+  <p:cSld>
+    <p:spTree>
+      <p:nvGrpSpPr>
+        <p:cNvPr id="1" name=""/>
+        <p:cNvGrpSpPr/>
+        <p:nvPr/>
+      </p:nvGrpSpPr>
+      <p:grpSpPr>
+        <a:xfrm>
+          <a:off x="0" y="0"/>
+          <a:ext cx="0" cy="0"/>
+          <a:chOff x="0" y="0"/>
+          <a:chExt cx="0" cy="0"/>
+        </a:xfrm>
+      </p:grpSpPr>
+      <p:sp>
+        <p:nvSpPr>
+          <p:cNvPr id="4" name="Title 1">
+            <a:extLst>
+              <a:ext uri="{FF2B5EF4-FFF2-40B4-BE49-F238E27FC236}">
+                <a16:creationId xmlns:a16="http://schemas.microsoft.com/office/drawing/2014/main" id="{707B2797-2FE6-2FFC-D07D-808FA3AB50F7}"/>
+              </a:ext>
+            </a:extLst>
+          </p:cNvPr>
+          <p:cNvSpPr txBox="1">
+            <a:spLocks/>
+          </p:cNvSpPr>
+          <p:nvPr/>
+        </p:nvSpPr>
+        <p:spPr>
+          <a:xfrm>
+            <a:off x="913795" y="1544744"/>
+            <a:ext cx="10353762" cy="970450"/>
+          </a:xfrm>
+          <a:prstGeom prst="rect">
+            <a:avLst/>
+          </a:prstGeom>
+          <a:effectLst>
+            <a:outerShdw blurRad="25400" dir="17880000">
+              <a:srgbClr val="000000">
+                <a:alpha val="46000"/>
+              </a:srgbClr>
+            </a:outerShdw>
+          </a:effectLst>
+        </p:spPr>
+        <p:txBody>
+          <a:bodyPr vert="horz" lIns="91440" tIns="45720" rIns="91440" bIns="45720" rtlCol="0" anchor="ctr">
+            <a:normAutofit/>
+          </a:bodyPr>
+          <a:lstStyle>
+            <a:lvl1pPr algn="ctr" defTabSz="457200" rtl="0" eaLnBrk="1" latinLnBrk="0" hangingPunct="1">
+              <a:spcBef>
+                <a:spcPct val="0"/>
+              </a:spcBef>
+              <a:buNone/>
+              <a:defRPr sz="4000" kern="1200">
+                <a:ln>
+                  <a:solidFill>
+                    <a:schemeClr val="bg1">
+                      <a:lumMod val="75000"/>
+                      <a:lumOff val="25000"/>
+                      <a:alpha val="10000"/>
+                    </a:schemeClr>
+                  </a:solidFill>
+                </a:ln>
+                <a:solidFill>
+                  <a:schemeClr val="tx2"/>
+                </a:solidFill>
+                <a:effectLst>
+                  <a:outerShdw blurRad="9525" dist="25400" dir="14640000" algn="tl" rotWithShape="0">
+                    <a:schemeClr val="bg1">
+                      <a:alpha val="30000"/>
+                    </a:schemeClr>
+                  </a:outerShdw>
+                </a:effectLst>
+                <a:latin typeface="+mj-lt"/>
+                <a:ea typeface="+mj-ea"/>
+                <a:cs typeface="Trebuchet MS"/>
+              </a:defRPr>
+            </a:lvl1pPr>
+            <a:lvl2pPr eaLnBrk="1" hangingPunct="1">
+              <a:defRPr>
+                <a:solidFill>
+                  <a:schemeClr val="tx2"/>
+                </a:solidFill>
+              </a:defRPr>
+            </a:lvl2pPr>
+            <a:lvl3pPr eaLnBrk="1" hangingPunct="1">
+              <a:defRPr>
+                <a:solidFill>
+                  <a:schemeClr val="tx2"/>
+                </a:solidFill>
+              </a:defRPr>
+            </a:lvl3pPr>
+            <a:lvl4pPr eaLnBrk="1" hangingPunct="1">
+              <a:defRPr>
+                <a:solidFill>
+                  <a:schemeClr val="tx2"/>
+                </a:solidFill>
+              </a:defRPr>
+            </a:lvl4pPr>
+            <a:lvl5pPr eaLnBrk="1" hangingPunct="1">
+              <a:defRPr>
+                <a:solidFill>
+                  <a:schemeClr val="tx2"/>
+                </a:solidFill>
+              </a:defRPr>
+            </a:lvl5pPr>
+            <a:lvl6pPr eaLnBrk="1" hangingPunct="1">
+              <a:defRPr>
+                <a:solidFill>
+                  <a:schemeClr val="tx2"/>
+                </a:solidFill>
+              </a:defRPr>
+            </a:lvl6pPr>
+            <a:lvl7pPr eaLnBrk="1" hangingPunct="1">
+              <a:defRPr>
+                <a:solidFill>
+                  <a:schemeClr val="tx2"/>
+                </a:solidFill>
+              </a:defRPr>
+            </a:lvl7pPr>
+            <a:lvl8pPr eaLnBrk="1" hangingPunct="1">
+              <a:defRPr>
+                <a:solidFill>
+                  <a:schemeClr val="tx2"/>
+                </a:solidFill>
+              </a:defRPr>
+            </a:lvl8pPr>
+            <a:lvl9pPr eaLnBrk="1" hangingPunct="1">
+              <a:defRPr>
+                <a:solidFill>
+                  <a:schemeClr val="tx2"/>
+                </a:solidFill>
+              </a:defRPr>
+            </a:lvl9pPr>
+          </a:lstStyle>
+          <a:p>
+            <a:r>
+              <a:rPr lang="en-US" dirty="0"/>
+              <a:t>The Goals !</a:t>
+            </a:r>
+          </a:p>
+        </p:txBody>
+      </p:sp>
+      <p:sp>
+        <p:nvSpPr>
+          <p:cNvPr id="5" name="Content Placeholder 2">
+            <a:extLst>
+              <a:ext uri="{FF2B5EF4-FFF2-40B4-BE49-F238E27FC236}">
+                <a16:creationId xmlns:a16="http://schemas.microsoft.com/office/drawing/2014/main" id="{A62865BB-54DA-EBAE-230B-D19B33E76467}"/>
+              </a:ext>
+            </a:extLst>
+          </p:cNvPr>
+          <p:cNvSpPr txBox="1">
+            <a:spLocks/>
+          </p:cNvSpPr>
+          <p:nvPr/>
+        </p:nvSpPr>
+        <p:spPr>
+          <a:xfrm>
+            <a:off x="913795" y="2661858"/>
             <a:ext cx="10353762" cy="1398503"/>
           </a:xfrm>
           <a:prstGeom prst="rect">
@@ -6915,20 +11085,47 @@
             </a:lvl9pPr>
           </a:lstStyle>
           <a:p>
-            <a:r>
-              <a:rPr lang="en-US" dirty="0"/>
+            <a:pPr marL="494100" indent="-457200">
+              <a:buFont typeface="+mj-lt"/>
+              <a:buAutoNum type="arabicParenR"/>
+            </a:pPr>
+            <a:r>
+              <a:rPr lang="en-US" dirty="0">
+                <a:solidFill>
+                  <a:srgbClr val="FFC000"/>
+                </a:solidFill>
+              </a:rPr>
               <a:t>To identify any market patterns in 5 high-end items to maximize my profits</a:t>
             </a:r>
           </a:p>
           <a:p>
-            <a:r>
-              <a:rPr lang="en-US" dirty="0"/>
+            <a:pPr marL="494100" indent="-457200">
+              <a:buFont typeface="+mj-lt"/>
+              <a:buAutoNum type="arabicParenR"/>
+            </a:pPr>
+            <a:r>
+              <a:rPr lang="en-US" dirty="0">
+                <a:solidFill>
+                  <a:schemeClr val="accent1">
+                    <a:lumMod val="60000"/>
+                    <a:lumOff val="40000"/>
+                  </a:schemeClr>
+                </a:solidFill>
+              </a:rPr>
               <a:t>Which days during the week are most Players buying these 5 items?</a:t>
             </a:r>
           </a:p>
           <a:p>
-            <a:r>
-              <a:rPr lang="en-US" dirty="0"/>
+            <a:pPr marL="494100" indent="-457200">
+              <a:buFont typeface="+mj-lt"/>
+              <a:buAutoNum type="arabicParenR"/>
+            </a:pPr>
+            <a:r>
+              <a:rPr lang="en-US" dirty="0">
+                <a:solidFill>
+                  <a:srgbClr val="00B0F0"/>
+                </a:solidFill>
+              </a:rPr>
               <a:t>Can I build a predictive model for these items?</a:t>
             </a:r>
           </a:p>
@@ -6936,10 +11133,10 @@
       </p:sp>
       <p:grpSp>
         <p:nvGrpSpPr>
-          <p:cNvPr id="16" name="Group 15">
+          <p:cNvPr id="6" name="Group 5">
             <a:extLst>
               <a:ext uri="{FF2B5EF4-FFF2-40B4-BE49-F238E27FC236}">
-                <a16:creationId xmlns:a16="http://schemas.microsoft.com/office/drawing/2014/main" id="{72C015B3-53EA-68D3-AFBA-83CD44A9C318}"/>
+                <a16:creationId xmlns:a16="http://schemas.microsoft.com/office/drawing/2014/main" id="{6939E802-D3B3-1167-1CC3-7C2788F00FAE}"/>
               </a:ext>
             </a:extLst>
           </p:cNvPr>
@@ -6948,7 +11145,7 @@
         </p:nvGrpSpPr>
         <p:grpSpPr>
           <a:xfrm>
-            <a:off x="3398115" y="5511475"/>
+            <a:off x="3398115" y="4060361"/>
             <a:ext cx="5385121" cy="909578"/>
             <a:chOff x="1075481" y="5511474"/>
             <a:chExt cx="5385121" cy="909578"/>
@@ -6959,7 +11156,7 @@
             <p:cNvPr id="7" name="Picture 6">
               <a:extLst>
                 <a:ext uri="{FF2B5EF4-FFF2-40B4-BE49-F238E27FC236}">
-                  <a16:creationId xmlns:a16="http://schemas.microsoft.com/office/drawing/2014/main" id="{E8D04809-0C35-C0B4-9F7E-07C07A38C886}"/>
+                  <a16:creationId xmlns:a16="http://schemas.microsoft.com/office/drawing/2014/main" id="{DF5DD837-7D12-CA77-A42A-FE6A321086E9}"/>
                 </a:ext>
               </a:extLst>
             </p:cNvPr>
@@ -6992,10 +11189,10 @@
         </p:pic>
         <p:pic>
           <p:nvPicPr>
-            <p:cNvPr id="9" name="Picture 8">
+            <p:cNvPr id="8" name="Picture 7">
               <a:extLst>
                 <a:ext uri="{FF2B5EF4-FFF2-40B4-BE49-F238E27FC236}">
-                  <a16:creationId xmlns:a16="http://schemas.microsoft.com/office/drawing/2014/main" id="{48A15656-CE44-811F-096A-ED6594089F3B}"/>
+                  <a16:creationId xmlns:a16="http://schemas.microsoft.com/office/drawing/2014/main" id="{A047E50B-8565-A37D-D24F-610A5DE98C11}"/>
                 </a:ext>
               </a:extLst>
             </p:cNvPr>
@@ -7028,10 +11225,10 @@
         </p:pic>
         <p:pic>
           <p:nvPicPr>
-            <p:cNvPr id="11" name="Picture 10">
+            <p:cNvPr id="9" name="Picture 8">
               <a:extLst>
                 <a:ext uri="{FF2B5EF4-FFF2-40B4-BE49-F238E27FC236}">
-                  <a16:creationId xmlns:a16="http://schemas.microsoft.com/office/drawing/2014/main" id="{69B3AE91-F79C-33BB-A579-6F68D4BB99F1}"/>
+                  <a16:creationId xmlns:a16="http://schemas.microsoft.com/office/drawing/2014/main" id="{94CBFAD4-2628-FDDC-5BA0-0D86B32C3760}"/>
                 </a:ext>
               </a:extLst>
             </p:cNvPr>
@@ -7064,10 +11261,10 @@
         </p:pic>
         <p:pic>
           <p:nvPicPr>
-            <p:cNvPr id="13" name="Picture 12">
+            <p:cNvPr id="10" name="Picture 9">
               <a:extLst>
                 <a:ext uri="{FF2B5EF4-FFF2-40B4-BE49-F238E27FC236}">
-                  <a16:creationId xmlns:a16="http://schemas.microsoft.com/office/drawing/2014/main" id="{987D11F6-5553-A2DF-29DE-DA8358BF0272}"/>
+                  <a16:creationId xmlns:a16="http://schemas.microsoft.com/office/drawing/2014/main" id="{156DA46E-2E82-5978-46B7-07A48343D0DF}"/>
                 </a:ext>
               </a:extLst>
             </p:cNvPr>
@@ -7100,10 +11297,10 @@
         </p:pic>
         <p:pic>
           <p:nvPicPr>
-            <p:cNvPr id="15" name="Picture 14">
+            <p:cNvPr id="11" name="Picture 10">
               <a:extLst>
                 <a:ext uri="{FF2B5EF4-FFF2-40B4-BE49-F238E27FC236}">
-                  <a16:creationId xmlns:a16="http://schemas.microsoft.com/office/drawing/2014/main" id="{FFCA08C5-669F-ADE8-5281-D70CF8C23466}"/>
+                  <a16:creationId xmlns:a16="http://schemas.microsoft.com/office/drawing/2014/main" id="{44A102BE-624A-C76B-E217-1D6D78CC5EE6}"/>
                 </a:ext>
               </a:extLst>
             </p:cNvPr>
@@ -7138,17 +11335,392 @@
     </p:spTree>
     <p:extLst>
       <p:ext uri="{BB962C8B-B14F-4D97-AF65-F5344CB8AC3E}">
-        <p14:creationId xmlns:p14="http://schemas.microsoft.com/office/powerpoint/2010/main" val="1410269162"/>
+        <p14:creationId xmlns:p14="http://schemas.microsoft.com/office/powerpoint/2010/main" val="2518618587"/>
       </p:ext>
     </p:extLst>
   </p:cSld>
   <p:clrMapOvr>
     <a:masterClrMapping/>
   </p:clrMapOvr>
+  <p:timing>
+    <p:tnLst>
+      <p:par>
+        <p:cTn id="1" dur="indefinite" restart="never" nodeType="tmRoot">
+          <p:childTnLst>
+            <p:seq concurrent="1" nextAc="seek">
+              <p:cTn id="2" dur="indefinite" nodeType="mainSeq">
+                <p:childTnLst>
+                  <p:par>
+                    <p:cTn id="3" fill="hold">
+                      <p:stCondLst>
+                        <p:cond delay="indefinite"/>
+                      </p:stCondLst>
+                      <p:childTnLst>
+                        <p:par>
+                          <p:cTn id="4" fill="hold">
+                            <p:stCondLst>
+                              <p:cond delay="0"/>
+                            </p:stCondLst>
+                            <p:childTnLst>
+                              <p:par>
+                                <p:cTn id="5" presetID="42" presetClass="entr" presetSubtype="0" fill="hold" nodeType="clickEffect">
+                                  <p:stCondLst>
+                                    <p:cond delay="0"/>
+                                  </p:stCondLst>
+                                  <p:childTnLst>
+                                    <p:set>
+                                      <p:cBhvr>
+                                        <p:cTn id="6" dur="1" fill="hold">
+                                          <p:stCondLst>
+                                            <p:cond delay="0"/>
+                                          </p:stCondLst>
+                                        </p:cTn>
+                                        <p:tgtEl>
+                                          <p:spTgt spid="5">
+                                            <p:txEl>
+                                              <p:pRg st="0" end="0"/>
+                                            </p:txEl>
+                                          </p:spTgt>
+                                        </p:tgtEl>
+                                        <p:attrNameLst>
+                                          <p:attrName>style.visibility</p:attrName>
+                                        </p:attrNameLst>
+                                      </p:cBhvr>
+                                      <p:to>
+                                        <p:strVal val="visible"/>
+                                      </p:to>
+                                    </p:set>
+                                    <p:animEffect transition="in" filter="fade">
+                                      <p:cBhvr>
+                                        <p:cTn id="7" dur="1000"/>
+                                        <p:tgtEl>
+                                          <p:spTgt spid="5">
+                                            <p:txEl>
+                                              <p:pRg st="0" end="0"/>
+                                            </p:txEl>
+                                          </p:spTgt>
+                                        </p:tgtEl>
+                                      </p:cBhvr>
+                                    </p:animEffect>
+                                    <p:anim calcmode="lin" valueType="num">
+                                      <p:cBhvr>
+                                        <p:cTn id="8" dur="1000" fill="hold"/>
+                                        <p:tgtEl>
+                                          <p:spTgt spid="5">
+                                            <p:txEl>
+                                              <p:pRg st="0" end="0"/>
+                                            </p:txEl>
+                                          </p:spTgt>
+                                        </p:tgtEl>
+                                        <p:attrNameLst>
+                                          <p:attrName>ppt_x</p:attrName>
+                                        </p:attrNameLst>
+                                      </p:cBhvr>
+                                      <p:tavLst>
+                                        <p:tav tm="0">
+                                          <p:val>
+                                            <p:strVal val="#ppt_x"/>
+                                          </p:val>
+                                        </p:tav>
+                                        <p:tav tm="100000">
+                                          <p:val>
+                                            <p:strVal val="#ppt_x"/>
+                                          </p:val>
+                                        </p:tav>
+                                      </p:tavLst>
+                                    </p:anim>
+                                    <p:anim calcmode="lin" valueType="num">
+                                      <p:cBhvr>
+                                        <p:cTn id="9" dur="1000" fill="hold"/>
+                                        <p:tgtEl>
+                                          <p:spTgt spid="5">
+                                            <p:txEl>
+                                              <p:pRg st="0" end="0"/>
+                                            </p:txEl>
+                                          </p:spTgt>
+                                        </p:tgtEl>
+                                        <p:attrNameLst>
+                                          <p:attrName>ppt_y</p:attrName>
+                                        </p:attrNameLst>
+                                      </p:cBhvr>
+                                      <p:tavLst>
+                                        <p:tav tm="0">
+                                          <p:val>
+                                            <p:strVal val="#ppt_y+.1"/>
+                                          </p:val>
+                                        </p:tav>
+                                        <p:tav tm="100000">
+                                          <p:val>
+                                            <p:strVal val="#ppt_y"/>
+                                          </p:val>
+                                        </p:tav>
+                                      </p:tavLst>
+                                    </p:anim>
+                                  </p:childTnLst>
+                                </p:cTn>
+                              </p:par>
+                            </p:childTnLst>
+                          </p:cTn>
+                        </p:par>
+                      </p:childTnLst>
+                    </p:cTn>
+                  </p:par>
+                  <p:par>
+                    <p:cTn id="10" fill="hold">
+                      <p:stCondLst>
+                        <p:cond delay="indefinite"/>
+                      </p:stCondLst>
+                      <p:childTnLst>
+                        <p:par>
+                          <p:cTn id="11" fill="hold">
+                            <p:stCondLst>
+                              <p:cond delay="0"/>
+                            </p:stCondLst>
+                            <p:childTnLst>
+                              <p:par>
+                                <p:cTn id="12" presetID="42" presetClass="entr" presetSubtype="0" fill="hold" nodeType="clickEffect">
+                                  <p:stCondLst>
+                                    <p:cond delay="0"/>
+                                  </p:stCondLst>
+                                  <p:childTnLst>
+                                    <p:set>
+                                      <p:cBhvr>
+                                        <p:cTn id="13" dur="1" fill="hold">
+                                          <p:stCondLst>
+                                            <p:cond delay="0"/>
+                                          </p:stCondLst>
+                                        </p:cTn>
+                                        <p:tgtEl>
+                                          <p:spTgt spid="5">
+                                            <p:txEl>
+                                              <p:pRg st="1" end="1"/>
+                                            </p:txEl>
+                                          </p:spTgt>
+                                        </p:tgtEl>
+                                        <p:attrNameLst>
+                                          <p:attrName>style.visibility</p:attrName>
+                                        </p:attrNameLst>
+                                      </p:cBhvr>
+                                      <p:to>
+                                        <p:strVal val="visible"/>
+                                      </p:to>
+                                    </p:set>
+                                    <p:animEffect transition="in" filter="fade">
+                                      <p:cBhvr>
+                                        <p:cTn id="14" dur="1000"/>
+                                        <p:tgtEl>
+                                          <p:spTgt spid="5">
+                                            <p:txEl>
+                                              <p:pRg st="1" end="1"/>
+                                            </p:txEl>
+                                          </p:spTgt>
+                                        </p:tgtEl>
+                                      </p:cBhvr>
+                                    </p:animEffect>
+                                    <p:anim calcmode="lin" valueType="num">
+                                      <p:cBhvr>
+                                        <p:cTn id="15" dur="1000" fill="hold"/>
+                                        <p:tgtEl>
+                                          <p:spTgt spid="5">
+                                            <p:txEl>
+                                              <p:pRg st="1" end="1"/>
+                                            </p:txEl>
+                                          </p:spTgt>
+                                        </p:tgtEl>
+                                        <p:attrNameLst>
+                                          <p:attrName>ppt_x</p:attrName>
+                                        </p:attrNameLst>
+                                      </p:cBhvr>
+                                      <p:tavLst>
+                                        <p:tav tm="0">
+                                          <p:val>
+                                            <p:strVal val="#ppt_x"/>
+                                          </p:val>
+                                        </p:tav>
+                                        <p:tav tm="100000">
+                                          <p:val>
+                                            <p:strVal val="#ppt_x"/>
+                                          </p:val>
+                                        </p:tav>
+                                      </p:tavLst>
+                                    </p:anim>
+                                    <p:anim calcmode="lin" valueType="num">
+                                      <p:cBhvr>
+                                        <p:cTn id="16" dur="1000" fill="hold"/>
+                                        <p:tgtEl>
+                                          <p:spTgt spid="5">
+                                            <p:txEl>
+                                              <p:pRg st="1" end="1"/>
+                                            </p:txEl>
+                                          </p:spTgt>
+                                        </p:tgtEl>
+                                        <p:attrNameLst>
+                                          <p:attrName>ppt_y</p:attrName>
+                                        </p:attrNameLst>
+                                      </p:cBhvr>
+                                      <p:tavLst>
+                                        <p:tav tm="0">
+                                          <p:val>
+                                            <p:strVal val="#ppt_y+.1"/>
+                                          </p:val>
+                                        </p:tav>
+                                        <p:tav tm="100000">
+                                          <p:val>
+                                            <p:strVal val="#ppt_y"/>
+                                          </p:val>
+                                        </p:tav>
+                                      </p:tavLst>
+                                    </p:anim>
+                                  </p:childTnLst>
+                                </p:cTn>
+                              </p:par>
+                            </p:childTnLst>
+                          </p:cTn>
+                        </p:par>
+                      </p:childTnLst>
+                    </p:cTn>
+                  </p:par>
+                  <p:par>
+                    <p:cTn id="17" fill="hold">
+                      <p:stCondLst>
+                        <p:cond delay="indefinite"/>
+                      </p:stCondLst>
+                      <p:childTnLst>
+                        <p:par>
+                          <p:cTn id="18" fill="hold">
+                            <p:stCondLst>
+                              <p:cond delay="0"/>
+                            </p:stCondLst>
+                            <p:childTnLst>
+                              <p:par>
+                                <p:cTn id="19" presetID="42" presetClass="entr" presetSubtype="0" fill="hold" nodeType="clickEffect">
+                                  <p:stCondLst>
+                                    <p:cond delay="0"/>
+                                  </p:stCondLst>
+                                  <p:childTnLst>
+                                    <p:set>
+                                      <p:cBhvr>
+                                        <p:cTn id="20" dur="1" fill="hold">
+                                          <p:stCondLst>
+                                            <p:cond delay="0"/>
+                                          </p:stCondLst>
+                                        </p:cTn>
+                                        <p:tgtEl>
+                                          <p:spTgt spid="5">
+                                            <p:txEl>
+                                              <p:pRg st="2" end="2"/>
+                                            </p:txEl>
+                                          </p:spTgt>
+                                        </p:tgtEl>
+                                        <p:attrNameLst>
+                                          <p:attrName>style.visibility</p:attrName>
+                                        </p:attrNameLst>
+                                      </p:cBhvr>
+                                      <p:to>
+                                        <p:strVal val="visible"/>
+                                      </p:to>
+                                    </p:set>
+                                    <p:animEffect transition="in" filter="fade">
+                                      <p:cBhvr>
+                                        <p:cTn id="21" dur="1000"/>
+                                        <p:tgtEl>
+                                          <p:spTgt spid="5">
+                                            <p:txEl>
+                                              <p:pRg st="2" end="2"/>
+                                            </p:txEl>
+                                          </p:spTgt>
+                                        </p:tgtEl>
+                                      </p:cBhvr>
+                                    </p:animEffect>
+                                    <p:anim calcmode="lin" valueType="num">
+                                      <p:cBhvr>
+                                        <p:cTn id="22" dur="1000" fill="hold"/>
+                                        <p:tgtEl>
+                                          <p:spTgt spid="5">
+                                            <p:txEl>
+                                              <p:pRg st="2" end="2"/>
+                                            </p:txEl>
+                                          </p:spTgt>
+                                        </p:tgtEl>
+                                        <p:attrNameLst>
+                                          <p:attrName>ppt_x</p:attrName>
+                                        </p:attrNameLst>
+                                      </p:cBhvr>
+                                      <p:tavLst>
+                                        <p:tav tm="0">
+                                          <p:val>
+                                            <p:strVal val="#ppt_x"/>
+                                          </p:val>
+                                        </p:tav>
+                                        <p:tav tm="100000">
+                                          <p:val>
+                                            <p:strVal val="#ppt_x"/>
+                                          </p:val>
+                                        </p:tav>
+                                      </p:tavLst>
+                                    </p:anim>
+                                    <p:anim calcmode="lin" valueType="num">
+                                      <p:cBhvr>
+                                        <p:cTn id="23" dur="1000" fill="hold"/>
+                                        <p:tgtEl>
+                                          <p:spTgt spid="5">
+                                            <p:txEl>
+                                              <p:pRg st="2" end="2"/>
+                                            </p:txEl>
+                                          </p:spTgt>
+                                        </p:tgtEl>
+                                        <p:attrNameLst>
+                                          <p:attrName>ppt_y</p:attrName>
+                                        </p:attrNameLst>
+                                      </p:cBhvr>
+                                      <p:tavLst>
+                                        <p:tav tm="0">
+                                          <p:val>
+                                            <p:strVal val="#ppt_y+.1"/>
+                                          </p:val>
+                                        </p:tav>
+                                        <p:tav tm="100000">
+                                          <p:val>
+                                            <p:strVal val="#ppt_y"/>
+                                          </p:val>
+                                        </p:tav>
+                                      </p:tavLst>
+                                    </p:anim>
+                                  </p:childTnLst>
+                                </p:cTn>
+                              </p:par>
+                            </p:childTnLst>
+                          </p:cTn>
+                        </p:par>
+                      </p:childTnLst>
+                    </p:cTn>
+                  </p:par>
+                </p:childTnLst>
+              </p:cTn>
+              <p:prevCondLst>
+                <p:cond evt="onPrev" delay="0">
+                  <p:tgtEl>
+                    <p:sldTgt/>
+                  </p:tgtEl>
+                </p:cond>
+              </p:prevCondLst>
+              <p:nextCondLst>
+                <p:cond evt="onNext" delay="0">
+                  <p:tgtEl>
+                    <p:sldTgt/>
+                  </p:tgtEl>
+                </p:cond>
+              </p:nextCondLst>
+            </p:seq>
+          </p:childTnLst>
+        </p:cTn>
+      </p:par>
+    </p:tnLst>
+  </p:timing>
 </p:sld>
 </file>
 
-<file path=ppt/slides/slide4.xml><?xml version="1.0" encoding="utf-8"?>
+<file path=ppt/slides/slide5.xml><?xml version="1.0" encoding="utf-8"?>
 <p:sld xmlns:a="http://schemas.openxmlformats.org/drawingml/2006/main" xmlns:r="http://schemas.openxmlformats.org/officeDocument/2006/relationships" xmlns:p="http://schemas.openxmlformats.org/presentationml/2006/main">
   <p:cSld>
     <p:spTree>
@@ -7211,7 +11783,7 @@
         </p:nvSpPr>
         <p:spPr>
           <a:xfrm>
-            <a:off x="927386" y="3001703"/>
+            <a:off x="913795" y="2110879"/>
             <a:ext cx="10353762" cy="1421653"/>
           </a:xfrm>
         </p:spPr>
@@ -7263,7 +11835,7 @@
         </p:blipFill>
         <p:spPr>
           <a:xfrm>
-            <a:off x="6104267" y="4416574"/>
+            <a:off x="4010423" y="4497468"/>
             <a:ext cx="1194954" cy="1831826"/>
           </a:xfrm>
           <a:prstGeom prst="rect">
@@ -7299,7 +11871,7 @@
         </p:blipFill>
         <p:spPr>
           <a:xfrm>
-            <a:off x="8337479" y="4850682"/>
+            <a:off x="6243635" y="4931576"/>
             <a:ext cx="2371038" cy="913433"/>
           </a:xfrm>
           <a:prstGeom prst="rect">
@@ -7320,10 +11892,468 @@
   <p:clrMapOvr>
     <a:masterClrMapping/>
   </p:clrMapOvr>
+  <p:timing>
+    <p:tnLst>
+      <p:par>
+        <p:cTn id="1" dur="indefinite" restart="never" nodeType="tmRoot">
+          <p:childTnLst>
+            <p:seq concurrent="1" nextAc="seek">
+              <p:cTn id="2" dur="indefinite" nodeType="mainSeq">
+                <p:childTnLst>
+                  <p:par>
+                    <p:cTn id="3" fill="hold">
+                      <p:stCondLst>
+                        <p:cond delay="indefinite"/>
+                      </p:stCondLst>
+                      <p:childTnLst>
+                        <p:par>
+                          <p:cTn id="4" fill="hold">
+                            <p:stCondLst>
+                              <p:cond delay="0"/>
+                            </p:stCondLst>
+                            <p:childTnLst>
+                              <p:par>
+                                <p:cTn id="5" presetID="42" presetClass="entr" presetSubtype="0" fill="hold" nodeType="clickEffect">
+                                  <p:stCondLst>
+                                    <p:cond delay="0"/>
+                                  </p:stCondLst>
+                                  <p:childTnLst>
+                                    <p:set>
+                                      <p:cBhvr>
+                                        <p:cTn id="6" dur="1" fill="hold">
+                                          <p:stCondLst>
+                                            <p:cond delay="0"/>
+                                          </p:stCondLst>
+                                        </p:cTn>
+                                        <p:tgtEl>
+                                          <p:spTgt spid="3">
+                                            <p:txEl>
+                                              <p:pRg st="0" end="0"/>
+                                            </p:txEl>
+                                          </p:spTgt>
+                                        </p:tgtEl>
+                                        <p:attrNameLst>
+                                          <p:attrName>style.visibility</p:attrName>
+                                        </p:attrNameLst>
+                                      </p:cBhvr>
+                                      <p:to>
+                                        <p:strVal val="visible"/>
+                                      </p:to>
+                                    </p:set>
+                                    <p:animEffect transition="in" filter="fade">
+                                      <p:cBhvr>
+                                        <p:cTn id="7" dur="1000"/>
+                                        <p:tgtEl>
+                                          <p:spTgt spid="3">
+                                            <p:txEl>
+                                              <p:pRg st="0" end="0"/>
+                                            </p:txEl>
+                                          </p:spTgt>
+                                        </p:tgtEl>
+                                      </p:cBhvr>
+                                    </p:animEffect>
+                                    <p:anim calcmode="lin" valueType="num">
+                                      <p:cBhvr>
+                                        <p:cTn id="8" dur="1000" fill="hold"/>
+                                        <p:tgtEl>
+                                          <p:spTgt spid="3">
+                                            <p:txEl>
+                                              <p:pRg st="0" end="0"/>
+                                            </p:txEl>
+                                          </p:spTgt>
+                                        </p:tgtEl>
+                                        <p:attrNameLst>
+                                          <p:attrName>ppt_x</p:attrName>
+                                        </p:attrNameLst>
+                                      </p:cBhvr>
+                                      <p:tavLst>
+                                        <p:tav tm="0">
+                                          <p:val>
+                                            <p:strVal val="#ppt_x"/>
+                                          </p:val>
+                                        </p:tav>
+                                        <p:tav tm="100000">
+                                          <p:val>
+                                            <p:strVal val="#ppt_x"/>
+                                          </p:val>
+                                        </p:tav>
+                                      </p:tavLst>
+                                    </p:anim>
+                                    <p:anim calcmode="lin" valueType="num">
+                                      <p:cBhvr>
+                                        <p:cTn id="9" dur="1000" fill="hold"/>
+                                        <p:tgtEl>
+                                          <p:spTgt spid="3">
+                                            <p:txEl>
+                                              <p:pRg st="0" end="0"/>
+                                            </p:txEl>
+                                          </p:spTgt>
+                                        </p:tgtEl>
+                                        <p:attrNameLst>
+                                          <p:attrName>ppt_y</p:attrName>
+                                        </p:attrNameLst>
+                                      </p:cBhvr>
+                                      <p:tavLst>
+                                        <p:tav tm="0">
+                                          <p:val>
+                                            <p:strVal val="#ppt_y+.1"/>
+                                          </p:val>
+                                        </p:tav>
+                                        <p:tav tm="100000">
+                                          <p:val>
+                                            <p:strVal val="#ppt_y"/>
+                                          </p:val>
+                                        </p:tav>
+                                      </p:tavLst>
+                                    </p:anim>
+                                  </p:childTnLst>
+                                </p:cTn>
+                              </p:par>
+                            </p:childTnLst>
+                          </p:cTn>
+                        </p:par>
+                      </p:childTnLst>
+                    </p:cTn>
+                  </p:par>
+                  <p:par>
+                    <p:cTn id="10" fill="hold">
+                      <p:stCondLst>
+                        <p:cond delay="indefinite"/>
+                      </p:stCondLst>
+                      <p:childTnLst>
+                        <p:par>
+                          <p:cTn id="11" fill="hold">
+                            <p:stCondLst>
+                              <p:cond delay="0"/>
+                            </p:stCondLst>
+                            <p:childTnLst>
+                              <p:par>
+                                <p:cTn id="12" presetID="42" presetClass="entr" presetSubtype="0" fill="hold" nodeType="clickEffect">
+                                  <p:stCondLst>
+                                    <p:cond delay="0"/>
+                                  </p:stCondLst>
+                                  <p:childTnLst>
+                                    <p:set>
+                                      <p:cBhvr>
+                                        <p:cTn id="13" dur="1" fill="hold">
+                                          <p:stCondLst>
+                                            <p:cond delay="0"/>
+                                          </p:stCondLst>
+                                        </p:cTn>
+                                        <p:tgtEl>
+                                          <p:spTgt spid="9"/>
+                                        </p:tgtEl>
+                                        <p:attrNameLst>
+                                          <p:attrName>style.visibility</p:attrName>
+                                        </p:attrNameLst>
+                                      </p:cBhvr>
+                                      <p:to>
+                                        <p:strVal val="visible"/>
+                                      </p:to>
+                                    </p:set>
+                                    <p:animEffect transition="in" filter="fade">
+                                      <p:cBhvr>
+                                        <p:cTn id="14" dur="1000"/>
+                                        <p:tgtEl>
+                                          <p:spTgt spid="9"/>
+                                        </p:tgtEl>
+                                      </p:cBhvr>
+                                    </p:animEffect>
+                                    <p:anim calcmode="lin" valueType="num">
+                                      <p:cBhvr>
+                                        <p:cTn id="15" dur="1000" fill="hold"/>
+                                        <p:tgtEl>
+                                          <p:spTgt spid="9"/>
+                                        </p:tgtEl>
+                                        <p:attrNameLst>
+                                          <p:attrName>ppt_x</p:attrName>
+                                        </p:attrNameLst>
+                                      </p:cBhvr>
+                                      <p:tavLst>
+                                        <p:tav tm="0">
+                                          <p:val>
+                                            <p:strVal val="#ppt_x"/>
+                                          </p:val>
+                                        </p:tav>
+                                        <p:tav tm="100000">
+                                          <p:val>
+                                            <p:strVal val="#ppt_x"/>
+                                          </p:val>
+                                        </p:tav>
+                                      </p:tavLst>
+                                    </p:anim>
+                                    <p:anim calcmode="lin" valueType="num">
+                                      <p:cBhvr>
+                                        <p:cTn id="16" dur="1000" fill="hold"/>
+                                        <p:tgtEl>
+                                          <p:spTgt spid="9"/>
+                                        </p:tgtEl>
+                                        <p:attrNameLst>
+                                          <p:attrName>ppt_y</p:attrName>
+                                        </p:attrNameLst>
+                                      </p:cBhvr>
+                                      <p:tavLst>
+                                        <p:tav tm="0">
+                                          <p:val>
+                                            <p:strVal val="#ppt_y+.1"/>
+                                          </p:val>
+                                        </p:tav>
+                                        <p:tav tm="100000">
+                                          <p:val>
+                                            <p:strVal val="#ppt_y"/>
+                                          </p:val>
+                                        </p:tav>
+                                      </p:tavLst>
+                                    </p:anim>
+                                  </p:childTnLst>
+                                </p:cTn>
+                              </p:par>
+                            </p:childTnLst>
+                          </p:cTn>
+                        </p:par>
+                      </p:childTnLst>
+                    </p:cTn>
+                  </p:par>
+                  <p:par>
+                    <p:cTn id="17" fill="hold">
+                      <p:stCondLst>
+                        <p:cond delay="indefinite"/>
+                      </p:stCondLst>
+                      <p:childTnLst>
+                        <p:par>
+                          <p:cTn id="18" fill="hold">
+                            <p:stCondLst>
+                              <p:cond delay="0"/>
+                            </p:stCondLst>
+                            <p:childTnLst>
+                              <p:par>
+                                <p:cTn id="19" presetID="42" presetClass="entr" presetSubtype="0" fill="hold" nodeType="clickEffect">
+                                  <p:stCondLst>
+                                    <p:cond delay="0"/>
+                                  </p:stCondLst>
+                                  <p:childTnLst>
+                                    <p:set>
+                                      <p:cBhvr>
+                                        <p:cTn id="20" dur="1" fill="hold">
+                                          <p:stCondLst>
+                                            <p:cond delay="0"/>
+                                          </p:stCondLst>
+                                        </p:cTn>
+                                        <p:tgtEl>
+                                          <p:spTgt spid="3">
+                                            <p:txEl>
+                                              <p:pRg st="1" end="1"/>
+                                            </p:txEl>
+                                          </p:spTgt>
+                                        </p:tgtEl>
+                                        <p:attrNameLst>
+                                          <p:attrName>style.visibility</p:attrName>
+                                        </p:attrNameLst>
+                                      </p:cBhvr>
+                                      <p:to>
+                                        <p:strVal val="visible"/>
+                                      </p:to>
+                                    </p:set>
+                                    <p:animEffect transition="in" filter="fade">
+                                      <p:cBhvr>
+                                        <p:cTn id="21" dur="1000"/>
+                                        <p:tgtEl>
+                                          <p:spTgt spid="3">
+                                            <p:txEl>
+                                              <p:pRg st="1" end="1"/>
+                                            </p:txEl>
+                                          </p:spTgt>
+                                        </p:tgtEl>
+                                      </p:cBhvr>
+                                    </p:animEffect>
+                                    <p:anim calcmode="lin" valueType="num">
+                                      <p:cBhvr>
+                                        <p:cTn id="22" dur="1000" fill="hold"/>
+                                        <p:tgtEl>
+                                          <p:spTgt spid="3">
+                                            <p:txEl>
+                                              <p:pRg st="1" end="1"/>
+                                            </p:txEl>
+                                          </p:spTgt>
+                                        </p:tgtEl>
+                                        <p:attrNameLst>
+                                          <p:attrName>ppt_x</p:attrName>
+                                        </p:attrNameLst>
+                                      </p:cBhvr>
+                                      <p:tavLst>
+                                        <p:tav tm="0">
+                                          <p:val>
+                                            <p:strVal val="#ppt_x"/>
+                                          </p:val>
+                                        </p:tav>
+                                        <p:tav tm="100000">
+                                          <p:val>
+                                            <p:strVal val="#ppt_x"/>
+                                          </p:val>
+                                        </p:tav>
+                                      </p:tavLst>
+                                    </p:anim>
+                                    <p:anim calcmode="lin" valueType="num">
+                                      <p:cBhvr>
+                                        <p:cTn id="23" dur="1000" fill="hold"/>
+                                        <p:tgtEl>
+                                          <p:spTgt spid="3">
+                                            <p:txEl>
+                                              <p:pRg st="1" end="1"/>
+                                            </p:txEl>
+                                          </p:spTgt>
+                                        </p:tgtEl>
+                                        <p:attrNameLst>
+                                          <p:attrName>ppt_y</p:attrName>
+                                        </p:attrNameLst>
+                                      </p:cBhvr>
+                                      <p:tavLst>
+                                        <p:tav tm="0">
+                                          <p:val>
+                                            <p:strVal val="#ppt_y+.1"/>
+                                          </p:val>
+                                        </p:tav>
+                                        <p:tav tm="100000">
+                                          <p:val>
+                                            <p:strVal val="#ppt_y"/>
+                                          </p:val>
+                                        </p:tav>
+                                      </p:tavLst>
+                                    </p:anim>
+                                  </p:childTnLst>
+                                </p:cTn>
+                              </p:par>
+                            </p:childTnLst>
+                          </p:cTn>
+                        </p:par>
+                      </p:childTnLst>
+                    </p:cTn>
+                  </p:par>
+                  <p:par>
+                    <p:cTn id="24" fill="hold">
+                      <p:stCondLst>
+                        <p:cond delay="indefinite"/>
+                      </p:stCondLst>
+                      <p:childTnLst>
+                        <p:par>
+                          <p:cTn id="25" fill="hold">
+                            <p:stCondLst>
+                              <p:cond delay="0"/>
+                            </p:stCondLst>
+                            <p:childTnLst>
+                              <p:par>
+                                <p:cTn id="26" presetID="42" presetClass="entr" presetSubtype="0" fill="hold" nodeType="clickEffect">
+                                  <p:stCondLst>
+                                    <p:cond delay="0"/>
+                                  </p:stCondLst>
+                                  <p:childTnLst>
+                                    <p:set>
+                                      <p:cBhvr>
+                                        <p:cTn id="27" dur="1" fill="hold">
+                                          <p:stCondLst>
+                                            <p:cond delay="0"/>
+                                          </p:stCondLst>
+                                        </p:cTn>
+                                        <p:tgtEl>
+                                          <p:spTgt spid="13"/>
+                                        </p:tgtEl>
+                                        <p:attrNameLst>
+                                          <p:attrName>style.visibility</p:attrName>
+                                        </p:attrNameLst>
+                                      </p:cBhvr>
+                                      <p:to>
+                                        <p:strVal val="visible"/>
+                                      </p:to>
+                                    </p:set>
+                                    <p:animEffect transition="in" filter="fade">
+                                      <p:cBhvr>
+                                        <p:cTn id="28" dur="1000"/>
+                                        <p:tgtEl>
+                                          <p:spTgt spid="13"/>
+                                        </p:tgtEl>
+                                      </p:cBhvr>
+                                    </p:animEffect>
+                                    <p:anim calcmode="lin" valueType="num">
+                                      <p:cBhvr>
+                                        <p:cTn id="29" dur="1000" fill="hold"/>
+                                        <p:tgtEl>
+                                          <p:spTgt spid="13"/>
+                                        </p:tgtEl>
+                                        <p:attrNameLst>
+                                          <p:attrName>ppt_x</p:attrName>
+                                        </p:attrNameLst>
+                                      </p:cBhvr>
+                                      <p:tavLst>
+                                        <p:tav tm="0">
+                                          <p:val>
+                                            <p:strVal val="#ppt_x"/>
+                                          </p:val>
+                                        </p:tav>
+                                        <p:tav tm="100000">
+                                          <p:val>
+                                            <p:strVal val="#ppt_x"/>
+                                          </p:val>
+                                        </p:tav>
+                                      </p:tavLst>
+                                    </p:anim>
+                                    <p:anim calcmode="lin" valueType="num">
+                                      <p:cBhvr>
+                                        <p:cTn id="30" dur="1000" fill="hold"/>
+                                        <p:tgtEl>
+                                          <p:spTgt spid="13"/>
+                                        </p:tgtEl>
+                                        <p:attrNameLst>
+                                          <p:attrName>ppt_y</p:attrName>
+                                        </p:attrNameLst>
+                                      </p:cBhvr>
+                                      <p:tavLst>
+                                        <p:tav tm="0">
+                                          <p:val>
+                                            <p:strVal val="#ppt_y+.1"/>
+                                          </p:val>
+                                        </p:tav>
+                                        <p:tav tm="100000">
+                                          <p:val>
+                                            <p:strVal val="#ppt_y"/>
+                                          </p:val>
+                                        </p:tav>
+                                      </p:tavLst>
+                                    </p:anim>
+                                  </p:childTnLst>
+                                </p:cTn>
+                              </p:par>
+                            </p:childTnLst>
+                          </p:cTn>
+                        </p:par>
+                      </p:childTnLst>
+                    </p:cTn>
+                  </p:par>
+                </p:childTnLst>
+              </p:cTn>
+              <p:prevCondLst>
+                <p:cond evt="onPrev" delay="0">
+                  <p:tgtEl>
+                    <p:sldTgt/>
+                  </p:tgtEl>
+                </p:cond>
+              </p:prevCondLst>
+              <p:nextCondLst>
+                <p:cond evt="onNext" delay="0">
+                  <p:tgtEl>
+                    <p:sldTgt/>
+                  </p:tgtEl>
+                </p:cond>
+              </p:nextCondLst>
+            </p:seq>
+          </p:childTnLst>
+        </p:cTn>
+      </p:par>
+    </p:tnLst>
+  </p:timing>
 </p:sld>
 </file>
 
-<file path=ppt/slides/slide5.xml><?xml version="1.0" encoding="utf-8"?>
+<file path=ppt/slides/slide6.xml><?xml version="1.0" encoding="utf-8"?>
 <p:sld xmlns:a="http://schemas.openxmlformats.org/drawingml/2006/main" xmlns:r="http://schemas.openxmlformats.org/officeDocument/2006/relationships" xmlns:p="http://schemas.openxmlformats.org/presentationml/2006/main">
   <p:cSld>
     <p:spTree>
@@ -7410,70 +12440,110 @@
           <a:p>
             <a:pPr lvl="1"/>
             <a:r>
-              <a:rPr lang="en-US" dirty="0"/>
+              <a:rPr lang="en-US" dirty="0">
+                <a:solidFill>
+                  <a:srgbClr val="76B7B2"/>
+                </a:solidFill>
+              </a:rPr>
               <a:t>Strength - 173300 Transactions</a:t>
             </a:r>
           </a:p>
           <a:p>
             <a:pPr lvl="2"/>
             <a:r>
-              <a:rPr lang="en-US" dirty="0"/>
+              <a:rPr lang="en-US" dirty="0">
+                <a:solidFill>
+                  <a:srgbClr val="76B7B2"/>
+                </a:solidFill>
+              </a:rPr>
               <a:t>1 outlier</a:t>
             </a:r>
           </a:p>
           <a:p>
             <a:pPr lvl="1"/>
             <a:r>
-              <a:rPr lang="en-US" dirty="0"/>
+              <a:rPr lang="en-US" dirty="0">
+                <a:solidFill>
+                  <a:srgbClr val="4E79A7"/>
+                </a:solidFill>
+              </a:rPr>
               <a:t>Dexterity – 74692 Transactions</a:t>
             </a:r>
           </a:p>
           <a:p>
             <a:pPr lvl="2"/>
             <a:r>
-              <a:rPr lang="en-US" dirty="0"/>
+              <a:rPr lang="en-US" dirty="0">
+                <a:solidFill>
+                  <a:srgbClr val="4E79A7"/>
+                </a:solidFill>
+              </a:rPr>
               <a:t>1473 outliers</a:t>
             </a:r>
           </a:p>
           <a:p>
             <a:pPr lvl="1"/>
             <a:r>
-              <a:rPr lang="en-US" dirty="0"/>
+              <a:rPr lang="en-US" dirty="0">
+                <a:solidFill>
+                  <a:srgbClr val="E15759"/>
+                </a:solidFill>
+              </a:rPr>
               <a:t>Mind – 73726 Transactions</a:t>
             </a:r>
           </a:p>
           <a:p>
             <a:pPr lvl="2"/>
             <a:r>
-              <a:rPr lang="en-US" dirty="0"/>
+              <a:rPr lang="en-US" dirty="0">
+                <a:solidFill>
+                  <a:srgbClr val="E15759"/>
+                </a:solidFill>
+              </a:rPr>
               <a:t>282 outliers</a:t>
             </a:r>
           </a:p>
           <a:p>
             <a:pPr lvl="1"/>
             <a:r>
-              <a:rPr lang="en-US" dirty="0"/>
+              <a:rPr lang="en-US" dirty="0">
+                <a:solidFill>
+                  <a:srgbClr val="F28E2B"/>
+                </a:solidFill>
+              </a:rPr>
               <a:t>Intelligence – 64938 Transactions</a:t>
             </a:r>
           </a:p>
           <a:p>
             <a:pPr lvl="2"/>
             <a:r>
-              <a:rPr lang="en-US" dirty="0"/>
+              <a:rPr lang="en-US" dirty="0">
+                <a:solidFill>
+                  <a:srgbClr val="F28E2B"/>
+                </a:solidFill>
+              </a:rPr>
               <a:t>1063 outliers</a:t>
             </a:r>
           </a:p>
           <a:p>
             <a:pPr lvl="1"/>
             <a:r>
-              <a:rPr lang="en-US" dirty="0"/>
+              <a:rPr lang="en-US" dirty="0">
+                <a:solidFill>
+                  <a:srgbClr val="58A04C"/>
+                </a:solidFill>
+              </a:rPr>
               <a:t>Vitality – 770 Transactions</a:t>
             </a:r>
           </a:p>
           <a:p>
             <a:pPr lvl="2"/>
             <a:r>
-              <a:rPr lang="en-US" dirty="0"/>
+              <a:rPr lang="en-US" dirty="0">
+                <a:solidFill>
+                  <a:srgbClr val="58A04C"/>
+                </a:solidFill>
+              </a:rPr>
               <a:t>25 outliers</a:t>
             </a:r>
           </a:p>
@@ -7514,7 +12584,7 @@
             <p:nvPr/>
           </p:nvPicPr>
           <p:blipFill>
-            <a:blip r:embed="rId2">
+            <a:blip r:embed="rId3">
               <a:extLst>
                 <a:ext uri="{28A0092B-C50C-407E-A947-70E740481C1C}">
                   <a14:useLocalDpi xmlns:a14="http://schemas.microsoft.com/office/drawing/2010/main" val="0"/>
@@ -7550,7 +12620,7 @@
             <p:nvPr/>
           </p:nvPicPr>
           <p:blipFill>
-            <a:blip r:embed="rId3">
+            <a:blip r:embed="rId4">
               <a:extLst>
                 <a:ext uri="{28A0092B-C50C-407E-A947-70E740481C1C}">
                   <a14:useLocalDpi xmlns:a14="http://schemas.microsoft.com/office/drawing/2010/main" val="0"/>
@@ -7586,7 +12656,7 @@
             <p:nvPr/>
           </p:nvPicPr>
           <p:blipFill>
-            <a:blip r:embed="rId4">
+            <a:blip r:embed="rId5">
               <a:extLst>
                 <a:ext uri="{28A0092B-C50C-407E-A947-70E740481C1C}">
                   <a14:useLocalDpi xmlns:a14="http://schemas.microsoft.com/office/drawing/2010/main" val="0"/>
@@ -7622,7 +12692,7 @@
             <p:nvPr/>
           </p:nvPicPr>
           <p:blipFill>
-            <a:blip r:embed="rId5">
+            <a:blip r:embed="rId6">
               <a:extLst>
                 <a:ext uri="{28A0092B-C50C-407E-A947-70E740481C1C}">
                   <a14:useLocalDpi xmlns:a14="http://schemas.microsoft.com/office/drawing/2010/main" val="0"/>
@@ -7658,7 +12728,7 @@
             <p:nvPr/>
           </p:nvPicPr>
           <p:blipFill>
-            <a:blip r:embed="rId6">
+            <a:blip r:embed="rId7">
               <a:extLst>
                 <a:ext uri="{28A0092B-C50C-407E-A947-70E740481C1C}">
                   <a14:useLocalDpi xmlns:a14="http://schemas.microsoft.com/office/drawing/2010/main" val="0"/>
@@ -7680,96 +12750,39 @@
           </p:spPr>
         </p:pic>
       </p:grpSp>
-    </p:spTree>
-    <p:extLst>
-      <p:ext uri="{BB962C8B-B14F-4D97-AF65-F5344CB8AC3E}">
-        <p14:creationId xmlns:p14="http://schemas.microsoft.com/office/powerpoint/2010/main" val="3298060252"/>
-      </p:ext>
-    </p:extLst>
-  </p:cSld>
-  <p:clrMapOvr>
-    <a:masterClrMapping/>
-  </p:clrMapOvr>
-</p:sld>
-</file>
-
-<file path=ppt/slides/slide6.xml><?xml version="1.0" encoding="utf-8"?>
-<p:sld xmlns:a="http://schemas.openxmlformats.org/drawingml/2006/main" xmlns:r="http://schemas.openxmlformats.org/officeDocument/2006/relationships" xmlns:p="http://schemas.openxmlformats.org/presentationml/2006/main">
-  <p:cSld>
-    <p:spTree>
-      <p:nvGrpSpPr>
-        <p:cNvPr id="1" name=""/>
-        <p:cNvGrpSpPr/>
-        <p:nvPr/>
-      </p:nvGrpSpPr>
-      <p:grpSpPr>
-        <a:xfrm>
-          <a:off x="0" y="0"/>
-          <a:ext cx="0" cy="0"/>
-          <a:chOff x="0" y="0"/>
-          <a:chExt cx="0" cy="0"/>
-        </a:xfrm>
-      </p:grpSpPr>
-      <p:sp>
-        <p:nvSpPr>
-          <p:cNvPr id="2" name="Title 1">
+      <p:pic>
+        <p:nvPicPr>
+          <p:cNvPr id="4" name="Content Placeholder 4">
             <a:extLst>
               <a:ext uri="{FF2B5EF4-FFF2-40B4-BE49-F238E27FC236}">
-                <a16:creationId xmlns:a16="http://schemas.microsoft.com/office/drawing/2014/main" id="{DC82551F-A188-FF6B-2D54-439BC50F9363}"/>
-              </a:ext>
-            </a:extLst>
-          </p:cNvPr>
-          <p:cNvSpPr>
-            <a:spLocks noGrp="1"/>
-          </p:cNvSpPr>
-          <p:nvPr>
-            <p:ph type="title"/>
-          </p:nvPr>
-        </p:nvSpPr>
-        <p:spPr/>
-        <p:txBody>
-          <a:bodyPr/>
-          <a:lstStyle/>
-          <a:p>
-            <a:r>
-              <a:rPr lang="en-US" dirty="0"/>
-              <a:t>Market Composition</a:t>
-            </a:r>
-          </a:p>
-        </p:txBody>
-      </p:sp>
-      <p:pic>
-        <p:nvPicPr>
-          <p:cNvPr id="5" name="Content Placeholder 4">
-            <a:extLst>
-              <a:ext uri="{FF2B5EF4-FFF2-40B4-BE49-F238E27FC236}">
-                <a16:creationId xmlns:a16="http://schemas.microsoft.com/office/drawing/2014/main" id="{E686F9AE-5654-382B-15A2-3527323595CC}"/>
+                <a16:creationId xmlns:a16="http://schemas.microsoft.com/office/drawing/2014/main" id="{47546675-E8CC-F0C0-5D82-DD858C981984}"/>
               </a:ext>
             </a:extLst>
           </p:cNvPr>
           <p:cNvPicPr>
-            <a:picLocks noGrp="1" noChangeAspect="1"/>
+            <a:picLocks noChangeAspect="1"/>
           </p:cNvPicPr>
-          <p:nvPr>
-            <p:ph idx="1"/>
-          </p:nvPr>
+          <p:nvPr/>
         </p:nvPicPr>
         <p:blipFill rotWithShape="1">
-          <a:blip r:embed="rId2">
+          <a:blip r:embed="rId8">
             <a:extLst>
               <a:ext uri="{28A0092B-C50C-407E-A947-70E740481C1C}">
                 <a14:useLocalDpi xmlns:a14="http://schemas.microsoft.com/office/drawing/2010/main" val="0"/>
               </a:ext>
             </a:extLst>
           </a:blip>
-          <a:srcRect l="18376" t="10278" r="17879" b="8298"/>
+          <a:srcRect l="27162" t="13578" r="27480" b="9629"/>
           <a:stretch/>
         </p:blipFill>
         <p:spPr>
           <a:xfrm>
-            <a:off x="3046070" y="1833575"/>
-            <a:ext cx="6099859" cy="4636673"/>
+            <a:off x="5830956" y="2795043"/>
+            <a:ext cx="3650973" cy="3716910"/>
           </a:xfrm>
+          <a:prstGeom prst="ellipse">
+            <a:avLst/>
+          </a:prstGeom>
           <a:effectLst>
             <a:outerShdw blurRad="25400" dir="17880000">
               <a:srgbClr val="000000">
@@ -7783,13 +12796,1315 @@
     </p:spTree>
     <p:extLst>
       <p:ext uri="{BB962C8B-B14F-4D97-AF65-F5344CB8AC3E}">
-        <p14:creationId xmlns:p14="http://schemas.microsoft.com/office/powerpoint/2010/main" val="945811903"/>
+        <p14:creationId xmlns:p14="http://schemas.microsoft.com/office/powerpoint/2010/main" val="3298060252"/>
       </p:ext>
     </p:extLst>
   </p:cSld>
   <p:clrMapOvr>
     <a:masterClrMapping/>
   </p:clrMapOvr>
+  <p:timing>
+    <p:tnLst>
+      <p:par>
+        <p:cTn id="1" dur="indefinite" restart="never" nodeType="tmRoot">
+          <p:childTnLst>
+            <p:seq concurrent="1" nextAc="seek">
+              <p:cTn id="2" dur="indefinite" nodeType="mainSeq">
+                <p:childTnLst>
+                  <p:par>
+                    <p:cTn id="3" fill="hold">
+                      <p:stCondLst>
+                        <p:cond delay="indefinite"/>
+                      </p:stCondLst>
+                      <p:childTnLst>
+                        <p:par>
+                          <p:cTn id="4" fill="hold">
+                            <p:stCondLst>
+                              <p:cond delay="0"/>
+                            </p:stCondLst>
+                            <p:childTnLst>
+                              <p:par>
+                                <p:cTn id="5" presetID="42" presetClass="entr" presetSubtype="0" fill="hold" nodeType="clickEffect">
+                                  <p:stCondLst>
+                                    <p:cond delay="0"/>
+                                  </p:stCondLst>
+                                  <p:childTnLst>
+                                    <p:set>
+                                      <p:cBhvr>
+                                        <p:cTn id="6" dur="1" fill="hold">
+                                          <p:stCondLst>
+                                            <p:cond delay="0"/>
+                                          </p:stCondLst>
+                                        </p:cTn>
+                                        <p:tgtEl>
+                                          <p:spTgt spid="3">
+                                            <p:txEl>
+                                              <p:pRg st="0" end="0"/>
+                                            </p:txEl>
+                                          </p:spTgt>
+                                        </p:tgtEl>
+                                        <p:attrNameLst>
+                                          <p:attrName>style.visibility</p:attrName>
+                                        </p:attrNameLst>
+                                      </p:cBhvr>
+                                      <p:to>
+                                        <p:strVal val="visible"/>
+                                      </p:to>
+                                    </p:set>
+                                    <p:animEffect transition="in" filter="fade">
+                                      <p:cBhvr>
+                                        <p:cTn id="7" dur="1000"/>
+                                        <p:tgtEl>
+                                          <p:spTgt spid="3">
+                                            <p:txEl>
+                                              <p:pRg st="0" end="0"/>
+                                            </p:txEl>
+                                          </p:spTgt>
+                                        </p:tgtEl>
+                                      </p:cBhvr>
+                                    </p:animEffect>
+                                    <p:anim calcmode="lin" valueType="num">
+                                      <p:cBhvr>
+                                        <p:cTn id="8" dur="1000" fill="hold"/>
+                                        <p:tgtEl>
+                                          <p:spTgt spid="3">
+                                            <p:txEl>
+                                              <p:pRg st="0" end="0"/>
+                                            </p:txEl>
+                                          </p:spTgt>
+                                        </p:tgtEl>
+                                        <p:attrNameLst>
+                                          <p:attrName>ppt_x</p:attrName>
+                                        </p:attrNameLst>
+                                      </p:cBhvr>
+                                      <p:tavLst>
+                                        <p:tav tm="0">
+                                          <p:val>
+                                            <p:strVal val="#ppt_x"/>
+                                          </p:val>
+                                        </p:tav>
+                                        <p:tav tm="100000">
+                                          <p:val>
+                                            <p:strVal val="#ppt_x"/>
+                                          </p:val>
+                                        </p:tav>
+                                      </p:tavLst>
+                                    </p:anim>
+                                    <p:anim calcmode="lin" valueType="num">
+                                      <p:cBhvr>
+                                        <p:cTn id="9" dur="1000" fill="hold"/>
+                                        <p:tgtEl>
+                                          <p:spTgt spid="3">
+                                            <p:txEl>
+                                              <p:pRg st="0" end="0"/>
+                                            </p:txEl>
+                                          </p:spTgt>
+                                        </p:tgtEl>
+                                        <p:attrNameLst>
+                                          <p:attrName>ppt_y</p:attrName>
+                                        </p:attrNameLst>
+                                      </p:cBhvr>
+                                      <p:tavLst>
+                                        <p:tav tm="0">
+                                          <p:val>
+                                            <p:strVal val="#ppt_y+.1"/>
+                                          </p:val>
+                                        </p:tav>
+                                        <p:tav tm="100000">
+                                          <p:val>
+                                            <p:strVal val="#ppt_y"/>
+                                          </p:val>
+                                        </p:tav>
+                                      </p:tavLst>
+                                    </p:anim>
+                                  </p:childTnLst>
+                                </p:cTn>
+                              </p:par>
+                            </p:childTnLst>
+                          </p:cTn>
+                        </p:par>
+                      </p:childTnLst>
+                    </p:cTn>
+                  </p:par>
+                  <p:par>
+                    <p:cTn id="10" fill="hold">
+                      <p:stCondLst>
+                        <p:cond delay="indefinite"/>
+                      </p:stCondLst>
+                      <p:childTnLst>
+                        <p:par>
+                          <p:cTn id="11" fill="hold">
+                            <p:stCondLst>
+                              <p:cond delay="0"/>
+                            </p:stCondLst>
+                            <p:childTnLst>
+                              <p:par>
+                                <p:cTn id="12" presetID="42" presetClass="entr" presetSubtype="0" fill="hold" nodeType="clickEffect">
+                                  <p:stCondLst>
+                                    <p:cond delay="0"/>
+                                  </p:stCondLst>
+                                  <p:childTnLst>
+                                    <p:set>
+                                      <p:cBhvr>
+                                        <p:cTn id="13" dur="1" fill="hold">
+                                          <p:stCondLst>
+                                            <p:cond delay="0"/>
+                                          </p:stCondLst>
+                                        </p:cTn>
+                                        <p:tgtEl>
+                                          <p:spTgt spid="3">
+                                            <p:txEl>
+                                              <p:pRg st="1" end="1"/>
+                                            </p:txEl>
+                                          </p:spTgt>
+                                        </p:tgtEl>
+                                        <p:attrNameLst>
+                                          <p:attrName>style.visibility</p:attrName>
+                                        </p:attrNameLst>
+                                      </p:cBhvr>
+                                      <p:to>
+                                        <p:strVal val="visible"/>
+                                      </p:to>
+                                    </p:set>
+                                    <p:animEffect transition="in" filter="fade">
+                                      <p:cBhvr>
+                                        <p:cTn id="14" dur="1000"/>
+                                        <p:tgtEl>
+                                          <p:spTgt spid="3">
+                                            <p:txEl>
+                                              <p:pRg st="1" end="1"/>
+                                            </p:txEl>
+                                          </p:spTgt>
+                                        </p:tgtEl>
+                                      </p:cBhvr>
+                                    </p:animEffect>
+                                    <p:anim calcmode="lin" valueType="num">
+                                      <p:cBhvr>
+                                        <p:cTn id="15" dur="1000" fill="hold"/>
+                                        <p:tgtEl>
+                                          <p:spTgt spid="3">
+                                            <p:txEl>
+                                              <p:pRg st="1" end="1"/>
+                                            </p:txEl>
+                                          </p:spTgt>
+                                        </p:tgtEl>
+                                        <p:attrNameLst>
+                                          <p:attrName>ppt_x</p:attrName>
+                                        </p:attrNameLst>
+                                      </p:cBhvr>
+                                      <p:tavLst>
+                                        <p:tav tm="0">
+                                          <p:val>
+                                            <p:strVal val="#ppt_x"/>
+                                          </p:val>
+                                        </p:tav>
+                                        <p:tav tm="100000">
+                                          <p:val>
+                                            <p:strVal val="#ppt_x"/>
+                                          </p:val>
+                                        </p:tav>
+                                      </p:tavLst>
+                                    </p:anim>
+                                    <p:anim calcmode="lin" valueType="num">
+                                      <p:cBhvr>
+                                        <p:cTn id="16" dur="1000" fill="hold"/>
+                                        <p:tgtEl>
+                                          <p:spTgt spid="3">
+                                            <p:txEl>
+                                              <p:pRg st="1" end="1"/>
+                                            </p:txEl>
+                                          </p:spTgt>
+                                        </p:tgtEl>
+                                        <p:attrNameLst>
+                                          <p:attrName>ppt_y</p:attrName>
+                                        </p:attrNameLst>
+                                      </p:cBhvr>
+                                      <p:tavLst>
+                                        <p:tav tm="0">
+                                          <p:val>
+                                            <p:strVal val="#ppt_y+.1"/>
+                                          </p:val>
+                                        </p:tav>
+                                        <p:tav tm="100000">
+                                          <p:val>
+                                            <p:strVal val="#ppt_y"/>
+                                          </p:val>
+                                        </p:tav>
+                                      </p:tavLst>
+                                    </p:anim>
+                                  </p:childTnLst>
+                                </p:cTn>
+                              </p:par>
+                              <p:par>
+                                <p:cTn id="17" presetID="42" presetClass="entr" presetSubtype="0" fill="hold" nodeType="withEffect">
+                                  <p:stCondLst>
+                                    <p:cond delay="0"/>
+                                  </p:stCondLst>
+                                  <p:childTnLst>
+                                    <p:set>
+                                      <p:cBhvr>
+                                        <p:cTn id="18" dur="1" fill="hold">
+                                          <p:stCondLst>
+                                            <p:cond delay="0"/>
+                                          </p:stCondLst>
+                                        </p:cTn>
+                                        <p:tgtEl>
+                                          <p:spTgt spid="3">
+                                            <p:txEl>
+                                              <p:pRg st="2" end="2"/>
+                                            </p:txEl>
+                                          </p:spTgt>
+                                        </p:tgtEl>
+                                        <p:attrNameLst>
+                                          <p:attrName>style.visibility</p:attrName>
+                                        </p:attrNameLst>
+                                      </p:cBhvr>
+                                      <p:to>
+                                        <p:strVal val="visible"/>
+                                      </p:to>
+                                    </p:set>
+                                    <p:animEffect transition="in" filter="fade">
+                                      <p:cBhvr>
+                                        <p:cTn id="19" dur="1000"/>
+                                        <p:tgtEl>
+                                          <p:spTgt spid="3">
+                                            <p:txEl>
+                                              <p:pRg st="2" end="2"/>
+                                            </p:txEl>
+                                          </p:spTgt>
+                                        </p:tgtEl>
+                                      </p:cBhvr>
+                                    </p:animEffect>
+                                    <p:anim calcmode="lin" valueType="num">
+                                      <p:cBhvr>
+                                        <p:cTn id="20" dur="1000" fill="hold"/>
+                                        <p:tgtEl>
+                                          <p:spTgt spid="3">
+                                            <p:txEl>
+                                              <p:pRg st="2" end="2"/>
+                                            </p:txEl>
+                                          </p:spTgt>
+                                        </p:tgtEl>
+                                        <p:attrNameLst>
+                                          <p:attrName>ppt_x</p:attrName>
+                                        </p:attrNameLst>
+                                      </p:cBhvr>
+                                      <p:tavLst>
+                                        <p:tav tm="0">
+                                          <p:val>
+                                            <p:strVal val="#ppt_x"/>
+                                          </p:val>
+                                        </p:tav>
+                                        <p:tav tm="100000">
+                                          <p:val>
+                                            <p:strVal val="#ppt_x"/>
+                                          </p:val>
+                                        </p:tav>
+                                      </p:tavLst>
+                                    </p:anim>
+                                    <p:anim calcmode="lin" valueType="num">
+                                      <p:cBhvr>
+                                        <p:cTn id="21" dur="1000" fill="hold"/>
+                                        <p:tgtEl>
+                                          <p:spTgt spid="3">
+                                            <p:txEl>
+                                              <p:pRg st="2" end="2"/>
+                                            </p:txEl>
+                                          </p:spTgt>
+                                        </p:tgtEl>
+                                        <p:attrNameLst>
+                                          <p:attrName>ppt_y</p:attrName>
+                                        </p:attrNameLst>
+                                      </p:cBhvr>
+                                      <p:tavLst>
+                                        <p:tav tm="0">
+                                          <p:val>
+                                            <p:strVal val="#ppt_y+.1"/>
+                                          </p:val>
+                                        </p:tav>
+                                        <p:tav tm="100000">
+                                          <p:val>
+                                            <p:strVal val="#ppt_y"/>
+                                          </p:val>
+                                        </p:tav>
+                                      </p:tavLst>
+                                    </p:anim>
+                                  </p:childTnLst>
+                                </p:cTn>
+                              </p:par>
+                              <p:par>
+                                <p:cTn id="22" presetID="42" presetClass="entr" presetSubtype="0" fill="hold" nodeType="withEffect">
+                                  <p:stCondLst>
+                                    <p:cond delay="0"/>
+                                  </p:stCondLst>
+                                  <p:childTnLst>
+                                    <p:set>
+                                      <p:cBhvr>
+                                        <p:cTn id="23" dur="1" fill="hold">
+                                          <p:stCondLst>
+                                            <p:cond delay="0"/>
+                                          </p:stCondLst>
+                                        </p:cTn>
+                                        <p:tgtEl>
+                                          <p:spTgt spid="3">
+                                            <p:txEl>
+                                              <p:pRg st="3" end="3"/>
+                                            </p:txEl>
+                                          </p:spTgt>
+                                        </p:tgtEl>
+                                        <p:attrNameLst>
+                                          <p:attrName>style.visibility</p:attrName>
+                                        </p:attrNameLst>
+                                      </p:cBhvr>
+                                      <p:to>
+                                        <p:strVal val="visible"/>
+                                      </p:to>
+                                    </p:set>
+                                    <p:animEffect transition="in" filter="fade">
+                                      <p:cBhvr>
+                                        <p:cTn id="24" dur="1000"/>
+                                        <p:tgtEl>
+                                          <p:spTgt spid="3">
+                                            <p:txEl>
+                                              <p:pRg st="3" end="3"/>
+                                            </p:txEl>
+                                          </p:spTgt>
+                                        </p:tgtEl>
+                                      </p:cBhvr>
+                                    </p:animEffect>
+                                    <p:anim calcmode="lin" valueType="num">
+                                      <p:cBhvr>
+                                        <p:cTn id="25" dur="1000" fill="hold"/>
+                                        <p:tgtEl>
+                                          <p:spTgt spid="3">
+                                            <p:txEl>
+                                              <p:pRg st="3" end="3"/>
+                                            </p:txEl>
+                                          </p:spTgt>
+                                        </p:tgtEl>
+                                        <p:attrNameLst>
+                                          <p:attrName>ppt_x</p:attrName>
+                                        </p:attrNameLst>
+                                      </p:cBhvr>
+                                      <p:tavLst>
+                                        <p:tav tm="0">
+                                          <p:val>
+                                            <p:strVal val="#ppt_x"/>
+                                          </p:val>
+                                        </p:tav>
+                                        <p:tav tm="100000">
+                                          <p:val>
+                                            <p:strVal val="#ppt_x"/>
+                                          </p:val>
+                                        </p:tav>
+                                      </p:tavLst>
+                                    </p:anim>
+                                    <p:anim calcmode="lin" valueType="num">
+                                      <p:cBhvr>
+                                        <p:cTn id="26" dur="1000" fill="hold"/>
+                                        <p:tgtEl>
+                                          <p:spTgt spid="3">
+                                            <p:txEl>
+                                              <p:pRg st="3" end="3"/>
+                                            </p:txEl>
+                                          </p:spTgt>
+                                        </p:tgtEl>
+                                        <p:attrNameLst>
+                                          <p:attrName>ppt_y</p:attrName>
+                                        </p:attrNameLst>
+                                      </p:cBhvr>
+                                      <p:tavLst>
+                                        <p:tav tm="0">
+                                          <p:val>
+                                            <p:strVal val="#ppt_y+.1"/>
+                                          </p:val>
+                                        </p:tav>
+                                        <p:tav tm="100000">
+                                          <p:val>
+                                            <p:strVal val="#ppt_y"/>
+                                          </p:val>
+                                        </p:tav>
+                                      </p:tavLst>
+                                    </p:anim>
+                                  </p:childTnLst>
+                                </p:cTn>
+                              </p:par>
+                            </p:childTnLst>
+                          </p:cTn>
+                        </p:par>
+                      </p:childTnLst>
+                    </p:cTn>
+                  </p:par>
+                  <p:par>
+                    <p:cTn id="27" fill="hold">
+                      <p:stCondLst>
+                        <p:cond delay="indefinite"/>
+                      </p:stCondLst>
+                      <p:childTnLst>
+                        <p:par>
+                          <p:cTn id="28" fill="hold">
+                            <p:stCondLst>
+                              <p:cond delay="0"/>
+                            </p:stCondLst>
+                            <p:childTnLst>
+                              <p:par>
+                                <p:cTn id="29" presetID="42" presetClass="entr" presetSubtype="0" fill="hold" nodeType="clickEffect">
+                                  <p:stCondLst>
+                                    <p:cond delay="0"/>
+                                  </p:stCondLst>
+                                  <p:childTnLst>
+                                    <p:set>
+                                      <p:cBhvr>
+                                        <p:cTn id="30" dur="1" fill="hold">
+                                          <p:stCondLst>
+                                            <p:cond delay="0"/>
+                                          </p:stCondLst>
+                                        </p:cTn>
+                                        <p:tgtEl>
+                                          <p:spTgt spid="3">
+                                            <p:txEl>
+                                              <p:pRg st="4" end="4"/>
+                                            </p:txEl>
+                                          </p:spTgt>
+                                        </p:tgtEl>
+                                        <p:attrNameLst>
+                                          <p:attrName>style.visibility</p:attrName>
+                                        </p:attrNameLst>
+                                      </p:cBhvr>
+                                      <p:to>
+                                        <p:strVal val="visible"/>
+                                      </p:to>
+                                    </p:set>
+                                    <p:animEffect transition="in" filter="fade">
+                                      <p:cBhvr>
+                                        <p:cTn id="31" dur="1000"/>
+                                        <p:tgtEl>
+                                          <p:spTgt spid="3">
+                                            <p:txEl>
+                                              <p:pRg st="4" end="4"/>
+                                            </p:txEl>
+                                          </p:spTgt>
+                                        </p:tgtEl>
+                                      </p:cBhvr>
+                                    </p:animEffect>
+                                    <p:anim calcmode="lin" valueType="num">
+                                      <p:cBhvr>
+                                        <p:cTn id="32" dur="1000" fill="hold"/>
+                                        <p:tgtEl>
+                                          <p:spTgt spid="3">
+                                            <p:txEl>
+                                              <p:pRg st="4" end="4"/>
+                                            </p:txEl>
+                                          </p:spTgt>
+                                        </p:tgtEl>
+                                        <p:attrNameLst>
+                                          <p:attrName>ppt_x</p:attrName>
+                                        </p:attrNameLst>
+                                      </p:cBhvr>
+                                      <p:tavLst>
+                                        <p:tav tm="0">
+                                          <p:val>
+                                            <p:strVal val="#ppt_x"/>
+                                          </p:val>
+                                        </p:tav>
+                                        <p:tav tm="100000">
+                                          <p:val>
+                                            <p:strVal val="#ppt_x"/>
+                                          </p:val>
+                                        </p:tav>
+                                      </p:tavLst>
+                                    </p:anim>
+                                    <p:anim calcmode="lin" valueType="num">
+                                      <p:cBhvr>
+                                        <p:cTn id="33" dur="1000" fill="hold"/>
+                                        <p:tgtEl>
+                                          <p:spTgt spid="3">
+                                            <p:txEl>
+                                              <p:pRg st="4" end="4"/>
+                                            </p:txEl>
+                                          </p:spTgt>
+                                        </p:tgtEl>
+                                        <p:attrNameLst>
+                                          <p:attrName>ppt_y</p:attrName>
+                                        </p:attrNameLst>
+                                      </p:cBhvr>
+                                      <p:tavLst>
+                                        <p:tav tm="0">
+                                          <p:val>
+                                            <p:strVal val="#ppt_y+.1"/>
+                                          </p:val>
+                                        </p:tav>
+                                        <p:tav tm="100000">
+                                          <p:val>
+                                            <p:strVal val="#ppt_y"/>
+                                          </p:val>
+                                        </p:tav>
+                                      </p:tavLst>
+                                    </p:anim>
+                                  </p:childTnLst>
+                                </p:cTn>
+                              </p:par>
+                              <p:par>
+                                <p:cTn id="34" presetID="42" presetClass="entr" presetSubtype="0" fill="hold" nodeType="withEffect">
+                                  <p:stCondLst>
+                                    <p:cond delay="0"/>
+                                  </p:stCondLst>
+                                  <p:childTnLst>
+                                    <p:set>
+                                      <p:cBhvr>
+                                        <p:cTn id="35" dur="1" fill="hold">
+                                          <p:stCondLst>
+                                            <p:cond delay="0"/>
+                                          </p:stCondLst>
+                                        </p:cTn>
+                                        <p:tgtEl>
+                                          <p:spTgt spid="3">
+                                            <p:txEl>
+                                              <p:pRg st="5" end="5"/>
+                                            </p:txEl>
+                                          </p:spTgt>
+                                        </p:tgtEl>
+                                        <p:attrNameLst>
+                                          <p:attrName>style.visibility</p:attrName>
+                                        </p:attrNameLst>
+                                      </p:cBhvr>
+                                      <p:to>
+                                        <p:strVal val="visible"/>
+                                      </p:to>
+                                    </p:set>
+                                    <p:animEffect transition="in" filter="fade">
+                                      <p:cBhvr>
+                                        <p:cTn id="36" dur="1000"/>
+                                        <p:tgtEl>
+                                          <p:spTgt spid="3">
+                                            <p:txEl>
+                                              <p:pRg st="5" end="5"/>
+                                            </p:txEl>
+                                          </p:spTgt>
+                                        </p:tgtEl>
+                                      </p:cBhvr>
+                                    </p:animEffect>
+                                    <p:anim calcmode="lin" valueType="num">
+                                      <p:cBhvr>
+                                        <p:cTn id="37" dur="1000" fill="hold"/>
+                                        <p:tgtEl>
+                                          <p:spTgt spid="3">
+                                            <p:txEl>
+                                              <p:pRg st="5" end="5"/>
+                                            </p:txEl>
+                                          </p:spTgt>
+                                        </p:tgtEl>
+                                        <p:attrNameLst>
+                                          <p:attrName>ppt_x</p:attrName>
+                                        </p:attrNameLst>
+                                      </p:cBhvr>
+                                      <p:tavLst>
+                                        <p:tav tm="0">
+                                          <p:val>
+                                            <p:strVal val="#ppt_x"/>
+                                          </p:val>
+                                        </p:tav>
+                                        <p:tav tm="100000">
+                                          <p:val>
+                                            <p:strVal val="#ppt_x"/>
+                                          </p:val>
+                                        </p:tav>
+                                      </p:tavLst>
+                                    </p:anim>
+                                    <p:anim calcmode="lin" valueType="num">
+                                      <p:cBhvr>
+                                        <p:cTn id="38" dur="1000" fill="hold"/>
+                                        <p:tgtEl>
+                                          <p:spTgt spid="3">
+                                            <p:txEl>
+                                              <p:pRg st="5" end="5"/>
+                                            </p:txEl>
+                                          </p:spTgt>
+                                        </p:tgtEl>
+                                        <p:attrNameLst>
+                                          <p:attrName>ppt_y</p:attrName>
+                                        </p:attrNameLst>
+                                      </p:cBhvr>
+                                      <p:tavLst>
+                                        <p:tav tm="0">
+                                          <p:val>
+                                            <p:strVal val="#ppt_y+.1"/>
+                                          </p:val>
+                                        </p:tav>
+                                        <p:tav tm="100000">
+                                          <p:val>
+                                            <p:strVal val="#ppt_y"/>
+                                          </p:val>
+                                        </p:tav>
+                                      </p:tavLst>
+                                    </p:anim>
+                                  </p:childTnLst>
+                                </p:cTn>
+                              </p:par>
+                            </p:childTnLst>
+                          </p:cTn>
+                        </p:par>
+                      </p:childTnLst>
+                    </p:cTn>
+                  </p:par>
+                  <p:par>
+                    <p:cTn id="39" fill="hold">
+                      <p:stCondLst>
+                        <p:cond delay="indefinite"/>
+                      </p:stCondLst>
+                      <p:childTnLst>
+                        <p:par>
+                          <p:cTn id="40" fill="hold">
+                            <p:stCondLst>
+                              <p:cond delay="0"/>
+                            </p:stCondLst>
+                            <p:childTnLst>
+                              <p:par>
+                                <p:cTn id="41" presetID="42" presetClass="entr" presetSubtype="0" fill="hold" nodeType="clickEffect">
+                                  <p:stCondLst>
+                                    <p:cond delay="0"/>
+                                  </p:stCondLst>
+                                  <p:childTnLst>
+                                    <p:set>
+                                      <p:cBhvr>
+                                        <p:cTn id="42" dur="1" fill="hold">
+                                          <p:stCondLst>
+                                            <p:cond delay="0"/>
+                                          </p:stCondLst>
+                                        </p:cTn>
+                                        <p:tgtEl>
+                                          <p:spTgt spid="3">
+                                            <p:txEl>
+                                              <p:pRg st="6" end="6"/>
+                                            </p:txEl>
+                                          </p:spTgt>
+                                        </p:tgtEl>
+                                        <p:attrNameLst>
+                                          <p:attrName>style.visibility</p:attrName>
+                                        </p:attrNameLst>
+                                      </p:cBhvr>
+                                      <p:to>
+                                        <p:strVal val="visible"/>
+                                      </p:to>
+                                    </p:set>
+                                    <p:animEffect transition="in" filter="fade">
+                                      <p:cBhvr>
+                                        <p:cTn id="43" dur="1000"/>
+                                        <p:tgtEl>
+                                          <p:spTgt spid="3">
+                                            <p:txEl>
+                                              <p:pRg st="6" end="6"/>
+                                            </p:txEl>
+                                          </p:spTgt>
+                                        </p:tgtEl>
+                                      </p:cBhvr>
+                                    </p:animEffect>
+                                    <p:anim calcmode="lin" valueType="num">
+                                      <p:cBhvr>
+                                        <p:cTn id="44" dur="1000" fill="hold"/>
+                                        <p:tgtEl>
+                                          <p:spTgt spid="3">
+                                            <p:txEl>
+                                              <p:pRg st="6" end="6"/>
+                                            </p:txEl>
+                                          </p:spTgt>
+                                        </p:tgtEl>
+                                        <p:attrNameLst>
+                                          <p:attrName>ppt_x</p:attrName>
+                                        </p:attrNameLst>
+                                      </p:cBhvr>
+                                      <p:tavLst>
+                                        <p:tav tm="0">
+                                          <p:val>
+                                            <p:strVal val="#ppt_x"/>
+                                          </p:val>
+                                        </p:tav>
+                                        <p:tav tm="100000">
+                                          <p:val>
+                                            <p:strVal val="#ppt_x"/>
+                                          </p:val>
+                                        </p:tav>
+                                      </p:tavLst>
+                                    </p:anim>
+                                    <p:anim calcmode="lin" valueType="num">
+                                      <p:cBhvr>
+                                        <p:cTn id="45" dur="1000" fill="hold"/>
+                                        <p:tgtEl>
+                                          <p:spTgt spid="3">
+                                            <p:txEl>
+                                              <p:pRg st="6" end="6"/>
+                                            </p:txEl>
+                                          </p:spTgt>
+                                        </p:tgtEl>
+                                        <p:attrNameLst>
+                                          <p:attrName>ppt_y</p:attrName>
+                                        </p:attrNameLst>
+                                      </p:cBhvr>
+                                      <p:tavLst>
+                                        <p:tav tm="0">
+                                          <p:val>
+                                            <p:strVal val="#ppt_y+.1"/>
+                                          </p:val>
+                                        </p:tav>
+                                        <p:tav tm="100000">
+                                          <p:val>
+                                            <p:strVal val="#ppt_y"/>
+                                          </p:val>
+                                        </p:tav>
+                                      </p:tavLst>
+                                    </p:anim>
+                                  </p:childTnLst>
+                                </p:cTn>
+                              </p:par>
+                              <p:par>
+                                <p:cTn id="46" presetID="42" presetClass="entr" presetSubtype="0" fill="hold" nodeType="withEffect">
+                                  <p:stCondLst>
+                                    <p:cond delay="0"/>
+                                  </p:stCondLst>
+                                  <p:childTnLst>
+                                    <p:set>
+                                      <p:cBhvr>
+                                        <p:cTn id="47" dur="1" fill="hold">
+                                          <p:stCondLst>
+                                            <p:cond delay="0"/>
+                                          </p:stCondLst>
+                                        </p:cTn>
+                                        <p:tgtEl>
+                                          <p:spTgt spid="3">
+                                            <p:txEl>
+                                              <p:pRg st="7" end="7"/>
+                                            </p:txEl>
+                                          </p:spTgt>
+                                        </p:tgtEl>
+                                        <p:attrNameLst>
+                                          <p:attrName>style.visibility</p:attrName>
+                                        </p:attrNameLst>
+                                      </p:cBhvr>
+                                      <p:to>
+                                        <p:strVal val="visible"/>
+                                      </p:to>
+                                    </p:set>
+                                    <p:animEffect transition="in" filter="fade">
+                                      <p:cBhvr>
+                                        <p:cTn id="48" dur="1000"/>
+                                        <p:tgtEl>
+                                          <p:spTgt spid="3">
+                                            <p:txEl>
+                                              <p:pRg st="7" end="7"/>
+                                            </p:txEl>
+                                          </p:spTgt>
+                                        </p:tgtEl>
+                                      </p:cBhvr>
+                                    </p:animEffect>
+                                    <p:anim calcmode="lin" valueType="num">
+                                      <p:cBhvr>
+                                        <p:cTn id="49" dur="1000" fill="hold"/>
+                                        <p:tgtEl>
+                                          <p:spTgt spid="3">
+                                            <p:txEl>
+                                              <p:pRg st="7" end="7"/>
+                                            </p:txEl>
+                                          </p:spTgt>
+                                        </p:tgtEl>
+                                        <p:attrNameLst>
+                                          <p:attrName>ppt_x</p:attrName>
+                                        </p:attrNameLst>
+                                      </p:cBhvr>
+                                      <p:tavLst>
+                                        <p:tav tm="0">
+                                          <p:val>
+                                            <p:strVal val="#ppt_x"/>
+                                          </p:val>
+                                        </p:tav>
+                                        <p:tav tm="100000">
+                                          <p:val>
+                                            <p:strVal val="#ppt_x"/>
+                                          </p:val>
+                                        </p:tav>
+                                      </p:tavLst>
+                                    </p:anim>
+                                    <p:anim calcmode="lin" valueType="num">
+                                      <p:cBhvr>
+                                        <p:cTn id="50" dur="1000" fill="hold"/>
+                                        <p:tgtEl>
+                                          <p:spTgt spid="3">
+                                            <p:txEl>
+                                              <p:pRg st="7" end="7"/>
+                                            </p:txEl>
+                                          </p:spTgt>
+                                        </p:tgtEl>
+                                        <p:attrNameLst>
+                                          <p:attrName>ppt_y</p:attrName>
+                                        </p:attrNameLst>
+                                      </p:cBhvr>
+                                      <p:tavLst>
+                                        <p:tav tm="0">
+                                          <p:val>
+                                            <p:strVal val="#ppt_y+.1"/>
+                                          </p:val>
+                                        </p:tav>
+                                        <p:tav tm="100000">
+                                          <p:val>
+                                            <p:strVal val="#ppt_y"/>
+                                          </p:val>
+                                        </p:tav>
+                                      </p:tavLst>
+                                    </p:anim>
+                                  </p:childTnLst>
+                                </p:cTn>
+                              </p:par>
+                            </p:childTnLst>
+                          </p:cTn>
+                        </p:par>
+                      </p:childTnLst>
+                    </p:cTn>
+                  </p:par>
+                  <p:par>
+                    <p:cTn id="51" fill="hold">
+                      <p:stCondLst>
+                        <p:cond delay="indefinite"/>
+                      </p:stCondLst>
+                      <p:childTnLst>
+                        <p:par>
+                          <p:cTn id="52" fill="hold">
+                            <p:stCondLst>
+                              <p:cond delay="0"/>
+                            </p:stCondLst>
+                            <p:childTnLst>
+                              <p:par>
+                                <p:cTn id="53" presetID="42" presetClass="entr" presetSubtype="0" fill="hold" nodeType="clickEffect">
+                                  <p:stCondLst>
+                                    <p:cond delay="0"/>
+                                  </p:stCondLst>
+                                  <p:childTnLst>
+                                    <p:set>
+                                      <p:cBhvr>
+                                        <p:cTn id="54" dur="1" fill="hold">
+                                          <p:stCondLst>
+                                            <p:cond delay="0"/>
+                                          </p:stCondLst>
+                                        </p:cTn>
+                                        <p:tgtEl>
+                                          <p:spTgt spid="3">
+                                            <p:txEl>
+                                              <p:pRg st="8" end="8"/>
+                                            </p:txEl>
+                                          </p:spTgt>
+                                        </p:tgtEl>
+                                        <p:attrNameLst>
+                                          <p:attrName>style.visibility</p:attrName>
+                                        </p:attrNameLst>
+                                      </p:cBhvr>
+                                      <p:to>
+                                        <p:strVal val="visible"/>
+                                      </p:to>
+                                    </p:set>
+                                    <p:animEffect transition="in" filter="fade">
+                                      <p:cBhvr>
+                                        <p:cTn id="55" dur="1000"/>
+                                        <p:tgtEl>
+                                          <p:spTgt spid="3">
+                                            <p:txEl>
+                                              <p:pRg st="8" end="8"/>
+                                            </p:txEl>
+                                          </p:spTgt>
+                                        </p:tgtEl>
+                                      </p:cBhvr>
+                                    </p:animEffect>
+                                    <p:anim calcmode="lin" valueType="num">
+                                      <p:cBhvr>
+                                        <p:cTn id="56" dur="1000" fill="hold"/>
+                                        <p:tgtEl>
+                                          <p:spTgt spid="3">
+                                            <p:txEl>
+                                              <p:pRg st="8" end="8"/>
+                                            </p:txEl>
+                                          </p:spTgt>
+                                        </p:tgtEl>
+                                        <p:attrNameLst>
+                                          <p:attrName>ppt_x</p:attrName>
+                                        </p:attrNameLst>
+                                      </p:cBhvr>
+                                      <p:tavLst>
+                                        <p:tav tm="0">
+                                          <p:val>
+                                            <p:strVal val="#ppt_x"/>
+                                          </p:val>
+                                        </p:tav>
+                                        <p:tav tm="100000">
+                                          <p:val>
+                                            <p:strVal val="#ppt_x"/>
+                                          </p:val>
+                                        </p:tav>
+                                      </p:tavLst>
+                                    </p:anim>
+                                    <p:anim calcmode="lin" valueType="num">
+                                      <p:cBhvr>
+                                        <p:cTn id="57" dur="1000" fill="hold"/>
+                                        <p:tgtEl>
+                                          <p:spTgt spid="3">
+                                            <p:txEl>
+                                              <p:pRg st="8" end="8"/>
+                                            </p:txEl>
+                                          </p:spTgt>
+                                        </p:tgtEl>
+                                        <p:attrNameLst>
+                                          <p:attrName>ppt_y</p:attrName>
+                                        </p:attrNameLst>
+                                      </p:cBhvr>
+                                      <p:tavLst>
+                                        <p:tav tm="0">
+                                          <p:val>
+                                            <p:strVal val="#ppt_y+.1"/>
+                                          </p:val>
+                                        </p:tav>
+                                        <p:tav tm="100000">
+                                          <p:val>
+                                            <p:strVal val="#ppt_y"/>
+                                          </p:val>
+                                        </p:tav>
+                                      </p:tavLst>
+                                    </p:anim>
+                                  </p:childTnLst>
+                                </p:cTn>
+                              </p:par>
+                              <p:par>
+                                <p:cTn id="58" presetID="42" presetClass="entr" presetSubtype="0" fill="hold" nodeType="withEffect">
+                                  <p:stCondLst>
+                                    <p:cond delay="0"/>
+                                  </p:stCondLst>
+                                  <p:childTnLst>
+                                    <p:set>
+                                      <p:cBhvr>
+                                        <p:cTn id="59" dur="1" fill="hold">
+                                          <p:stCondLst>
+                                            <p:cond delay="0"/>
+                                          </p:stCondLst>
+                                        </p:cTn>
+                                        <p:tgtEl>
+                                          <p:spTgt spid="3">
+                                            <p:txEl>
+                                              <p:pRg st="9" end="9"/>
+                                            </p:txEl>
+                                          </p:spTgt>
+                                        </p:tgtEl>
+                                        <p:attrNameLst>
+                                          <p:attrName>style.visibility</p:attrName>
+                                        </p:attrNameLst>
+                                      </p:cBhvr>
+                                      <p:to>
+                                        <p:strVal val="visible"/>
+                                      </p:to>
+                                    </p:set>
+                                    <p:animEffect transition="in" filter="fade">
+                                      <p:cBhvr>
+                                        <p:cTn id="60" dur="1000"/>
+                                        <p:tgtEl>
+                                          <p:spTgt spid="3">
+                                            <p:txEl>
+                                              <p:pRg st="9" end="9"/>
+                                            </p:txEl>
+                                          </p:spTgt>
+                                        </p:tgtEl>
+                                      </p:cBhvr>
+                                    </p:animEffect>
+                                    <p:anim calcmode="lin" valueType="num">
+                                      <p:cBhvr>
+                                        <p:cTn id="61" dur="1000" fill="hold"/>
+                                        <p:tgtEl>
+                                          <p:spTgt spid="3">
+                                            <p:txEl>
+                                              <p:pRg st="9" end="9"/>
+                                            </p:txEl>
+                                          </p:spTgt>
+                                        </p:tgtEl>
+                                        <p:attrNameLst>
+                                          <p:attrName>ppt_x</p:attrName>
+                                        </p:attrNameLst>
+                                      </p:cBhvr>
+                                      <p:tavLst>
+                                        <p:tav tm="0">
+                                          <p:val>
+                                            <p:strVal val="#ppt_x"/>
+                                          </p:val>
+                                        </p:tav>
+                                        <p:tav tm="100000">
+                                          <p:val>
+                                            <p:strVal val="#ppt_x"/>
+                                          </p:val>
+                                        </p:tav>
+                                      </p:tavLst>
+                                    </p:anim>
+                                    <p:anim calcmode="lin" valueType="num">
+                                      <p:cBhvr>
+                                        <p:cTn id="62" dur="1000" fill="hold"/>
+                                        <p:tgtEl>
+                                          <p:spTgt spid="3">
+                                            <p:txEl>
+                                              <p:pRg st="9" end="9"/>
+                                            </p:txEl>
+                                          </p:spTgt>
+                                        </p:tgtEl>
+                                        <p:attrNameLst>
+                                          <p:attrName>ppt_y</p:attrName>
+                                        </p:attrNameLst>
+                                      </p:cBhvr>
+                                      <p:tavLst>
+                                        <p:tav tm="0">
+                                          <p:val>
+                                            <p:strVal val="#ppt_y+.1"/>
+                                          </p:val>
+                                        </p:tav>
+                                        <p:tav tm="100000">
+                                          <p:val>
+                                            <p:strVal val="#ppt_y"/>
+                                          </p:val>
+                                        </p:tav>
+                                      </p:tavLst>
+                                    </p:anim>
+                                  </p:childTnLst>
+                                </p:cTn>
+                              </p:par>
+                            </p:childTnLst>
+                          </p:cTn>
+                        </p:par>
+                      </p:childTnLst>
+                    </p:cTn>
+                  </p:par>
+                  <p:par>
+                    <p:cTn id="63" fill="hold">
+                      <p:stCondLst>
+                        <p:cond delay="indefinite"/>
+                      </p:stCondLst>
+                      <p:childTnLst>
+                        <p:par>
+                          <p:cTn id="64" fill="hold">
+                            <p:stCondLst>
+                              <p:cond delay="0"/>
+                            </p:stCondLst>
+                            <p:childTnLst>
+                              <p:par>
+                                <p:cTn id="65" presetID="42" presetClass="entr" presetSubtype="0" fill="hold" nodeType="clickEffect">
+                                  <p:stCondLst>
+                                    <p:cond delay="0"/>
+                                  </p:stCondLst>
+                                  <p:childTnLst>
+                                    <p:set>
+                                      <p:cBhvr>
+                                        <p:cTn id="66" dur="1" fill="hold">
+                                          <p:stCondLst>
+                                            <p:cond delay="0"/>
+                                          </p:stCondLst>
+                                        </p:cTn>
+                                        <p:tgtEl>
+                                          <p:spTgt spid="3">
+                                            <p:txEl>
+                                              <p:pRg st="10" end="10"/>
+                                            </p:txEl>
+                                          </p:spTgt>
+                                        </p:tgtEl>
+                                        <p:attrNameLst>
+                                          <p:attrName>style.visibility</p:attrName>
+                                        </p:attrNameLst>
+                                      </p:cBhvr>
+                                      <p:to>
+                                        <p:strVal val="visible"/>
+                                      </p:to>
+                                    </p:set>
+                                    <p:animEffect transition="in" filter="fade">
+                                      <p:cBhvr>
+                                        <p:cTn id="67" dur="1000"/>
+                                        <p:tgtEl>
+                                          <p:spTgt spid="3">
+                                            <p:txEl>
+                                              <p:pRg st="10" end="10"/>
+                                            </p:txEl>
+                                          </p:spTgt>
+                                        </p:tgtEl>
+                                      </p:cBhvr>
+                                    </p:animEffect>
+                                    <p:anim calcmode="lin" valueType="num">
+                                      <p:cBhvr>
+                                        <p:cTn id="68" dur="1000" fill="hold"/>
+                                        <p:tgtEl>
+                                          <p:spTgt spid="3">
+                                            <p:txEl>
+                                              <p:pRg st="10" end="10"/>
+                                            </p:txEl>
+                                          </p:spTgt>
+                                        </p:tgtEl>
+                                        <p:attrNameLst>
+                                          <p:attrName>ppt_x</p:attrName>
+                                        </p:attrNameLst>
+                                      </p:cBhvr>
+                                      <p:tavLst>
+                                        <p:tav tm="0">
+                                          <p:val>
+                                            <p:strVal val="#ppt_x"/>
+                                          </p:val>
+                                        </p:tav>
+                                        <p:tav tm="100000">
+                                          <p:val>
+                                            <p:strVal val="#ppt_x"/>
+                                          </p:val>
+                                        </p:tav>
+                                      </p:tavLst>
+                                    </p:anim>
+                                    <p:anim calcmode="lin" valueType="num">
+                                      <p:cBhvr>
+                                        <p:cTn id="69" dur="1000" fill="hold"/>
+                                        <p:tgtEl>
+                                          <p:spTgt spid="3">
+                                            <p:txEl>
+                                              <p:pRg st="10" end="10"/>
+                                            </p:txEl>
+                                          </p:spTgt>
+                                        </p:tgtEl>
+                                        <p:attrNameLst>
+                                          <p:attrName>ppt_y</p:attrName>
+                                        </p:attrNameLst>
+                                      </p:cBhvr>
+                                      <p:tavLst>
+                                        <p:tav tm="0">
+                                          <p:val>
+                                            <p:strVal val="#ppt_y+.1"/>
+                                          </p:val>
+                                        </p:tav>
+                                        <p:tav tm="100000">
+                                          <p:val>
+                                            <p:strVal val="#ppt_y"/>
+                                          </p:val>
+                                        </p:tav>
+                                      </p:tavLst>
+                                    </p:anim>
+                                  </p:childTnLst>
+                                </p:cTn>
+                              </p:par>
+                              <p:par>
+                                <p:cTn id="70" presetID="42" presetClass="entr" presetSubtype="0" fill="hold" nodeType="withEffect">
+                                  <p:stCondLst>
+                                    <p:cond delay="0"/>
+                                  </p:stCondLst>
+                                  <p:childTnLst>
+                                    <p:set>
+                                      <p:cBhvr>
+                                        <p:cTn id="71" dur="1" fill="hold">
+                                          <p:stCondLst>
+                                            <p:cond delay="0"/>
+                                          </p:stCondLst>
+                                        </p:cTn>
+                                        <p:tgtEl>
+                                          <p:spTgt spid="3">
+                                            <p:txEl>
+                                              <p:pRg st="11" end="11"/>
+                                            </p:txEl>
+                                          </p:spTgt>
+                                        </p:tgtEl>
+                                        <p:attrNameLst>
+                                          <p:attrName>style.visibility</p:attrName>
+                                        </p:attrNameLst>
+                                      </p:cBhvr>
+                                      <p:to>
+                                        <p:strVal val="visible"/>
+                                      </p:to>
+                                    </p:set>
+                                    <p:animEffect transition="in" filter="fade">
+                                      <p:cBhvr>
+                                        <p:cTn id="72" dur="1000"/>
+                                        <p:tgtEl>
+                                          <p:spTgt spid="3">
+                                            <p:txEl>
+                                              <p:pRg st="11" end="11"/>
+                                            </p:txEl>
+                                          </p:spTgt>
+                                        </p:tgtEl>
+                                      </p:cBhvr>
+                                    </p:animEffect>
+                                    <p:anim calcmode="lin" valueType="num">
+                                      <p:cBhvr>
+                                        <p:cTn id="73" dur="1000" fill="hold"/>
+                                        <p:tgtEl>
+                                          <p:spTgt spid="3">
+                                            <p:txEl>
+                                              <p:pRg st="11" end="11"/>
+                                            </p:txEl>
+                                          </p:spTgt>
+                                        </p:tgtEl>
+                                        <p:attrNameLst>
+                                          <p:attrName>ppt_x</p:attrName>
+                                        </p:attrNameLst>
+                                      </p:cBhvr>
+                                      <p:tavLst>
+                                        <p:tav tm="0">
+                                          <p:val>
+                                            <p:strVal val="#ppt_x"/>
+                                          </p:val>
+                                        </p:tav>
+                                        <p:tav tm="100000">
+                                          <p:val>
+                                            <p:strVal val="#ppt_x"/>
+                                          </p:val>
+                                        </p:tav>
+                                      </p:tavLst>
+                                    </p:anim>
+                                    <p:anim calcmode="lin" valueType="num">
+                                      <p:cBhvr>
+                                        <p:cTn id="74" dur="1000" fill="hold"/>
+                                        <p:tgtEl>
+                                          <p:spTgt spid="3">
+                                            <p:txEl>
+                                              <p:pRg st="11" end="11"/>
+                                            </p:txEl>
+                                          </p:spTgt>
+                                        </p:tgtEl>
+                                        <p:attrNameLst>
+                                          <p:attrName>ppt_y</p:attrName>
+                                        </p:attrNameLst>
+                                      </p:cBhvr>
+                                      <p:tavLst>
+                                        <p:tav tm="0">
+                                          <p:val>
+                                            <p:strVal val="#ppt_y+.1"/>
+                                          </p:val>
+                                        </p:tav>
+                                        <p:tav tm="100000">
+                                          <p:val>
+                                            <p:strVal val="#ppt_y"/>
+                                          </p:val>
+                                        </p:tav>
+                                      </p:tavLst>
+                                    </p:anim>
+                                  </p:childTnLst>
+                                </p:cTn>
+                              </p:par>
+                            </p:childTnLst>
+                          </p:cTn>
+                        </p:par>
+                      </p:childTnLst>
+                    </p:cTn>
+                  </p:par>
+                </p:childTnLst>
+              </p:cTn>
+              <p:prevCondLst>
+                <p:cond evt="onPrev" delay="0">
+                  <p:tgtEl>
+                    <p:sldTgt/>
+                  </p:tgtEl>
+                </p:cond>
+              </p:prevCondLst>
+              <p:nextCondLst>
+                <p:cond evt="onNext" delay="0">
+                  <p:tgtEl>
+                    <p:sldTgt/>
+                  </p:tgtEl>
+                </p:cond>
+              </p:nextCondLst>
+            </p:seq>
+          </p:childTnLst>
+        </p:cTn>
+      </p:par>
+    </p:tnLst>
+  </p:timing>
 </p:sld>
 </file>
 
@@ -7833,7 +14148,7 @@
           <a:p>
             <a:r>
               <a:rPr lang="en-US" dirty="0"/>
-              <a:t>Avg Price per unit by Week</a:t>
+              <a:t>Avg Price per unit by Month</a:t>
             </a:r>
           </a:p>
         </p:txBody>
@@ -7855,7 +14170,7 @@
           </p:nvPr>
         </p:nvPicPr>
         <p:blipFill>
-          <a:blip r:embed="rId2">
+          <a:blip r:embed="rId3">
             <a:extLst>
               <a:ext uri="{28A0092B-C50C-407E-A947-70E740481C1C}">
                 <a14:useLocalDpi xmlns:a14="http://schemas.microsoft.com/office/drawing/2010/main" val="0"/>
@@ -7871,6 +14186,11 @@
             <a:off x="1516369" y="1404173"/>
             <a:ext cx="9148614" cy="5453827"/>
           </a:xfrm>
+          <a:ln>
+            <a:solidFill>
+              <a:schemeClr val="accent1"/>
+            </a:solidFill>
+          </a:ln>
           <a:effectLst>
             <a:outerShdw blurRad="25400" dir="17880000">
               <a:srgbClr val="000000">
@@ -7881,6 +14201,419 @@
           </a:effectLst>
         </p:spPr>
       </p:pic>
+      <p:sp>
+        <p:nvSpPr>
+          <p:cNvPr id="3" name="Rectangle 2">
+            <a:extLst>
+              <a:ext uri="{FF2B5EF4-FFF2-40B4-BE49-F238E27FC236}">
+                <a16:creationId xmlns:a16="http://schemas.microsoft.com/office/drawing/2014/main" id="{3C6ED755-7F3D-29D5-E11B-42003B71B881}"/>
+              </a:ext>
+            </a:extLst>
+          </p:cNvPr>
+          <p:cNvSpPr/>
+          <p:nvPr/>
+        </p:nvSpPr>
+        <p:spPr>
+          <a:xfrm>
+            <a:off x="5956852" y="6732104"/>
+            <a:ext cx="596348" cy="53009"/>
+          </a:xfrm>
+          <a:prstGeom prst="rect">
+            <a:avLst/>
+          </a:prstGeom>
+          <a:solidFill>
+            <a:schemeClr val="tx1"/>
+          </a:solidFill>
+          <a:ln>
+            <a:solidFill>
+              <a:schemeClr val="tx1"/>
+            </a:solidFill>
+          </a:ln>
+        </p:spPr>
+        <p:style>
+          <a:lnRef idx="2">
+            <a:schemeClr val="accent1">
+              <a:shade val="15000"/>
+            </a:schemeClr>
+          </a:lnRef>
+          <a:fillRef idx="1">
+            <a:schemeClr val="accent1"/>
+          </a:fillRef>
+          <a:effectRef idx="0">
+            <a:schemeClr val="accent1"/>
+          </a:effectRef>
+          <a:fontRef idx="minor">
+            <a:schemeClr val="lt1"/>
+          </a:fontRef>
+        </p:style>
+        <p:txBody>
+          <a:bodyPr rtlCol="0" anchor="ctr"/>
+          <a:lstStyle/>
+          <a:p>
+            <a:pPr algn="ctr"/>
+            <a:endParaRPr lang="en-US"/>
+          </a:p>
+        </p:txBody>
+      </p:sp>
+      <p:cxnSp>
+        <p:nvCxnSpPr>
+          <p:cNvPr id="6" name="Straight Connector 5">
+            <a:extLst>
+              <a:ext uri="{FF2B5EF4-FFF2-40B4-BE49-F238E27FC236}">
+                <a16:creationId xmlns:a16="http://schemas.microsoft.com/office/drawing/2014/main" id="{61AD7690-A4EE-2A82-9BC2-6CB9FD3BEE0D}"/>
+              </a:ext>
+            </a:extLst>
+          </p:cNvPr>
+          <p:cNvCxnSpPr/>
+          <p:nvPr/>
+        </p:nvCxnSpPr>
+        <p:spPr>
+          <a:xfrm>
+            <a:off x="3074505" y="3790122"/>
+            <a:ext cx="0" cy="2789582"/>
+          </a:xfrm>
+          <a:prstGeom prst="line">
+            <a:avLst/>
+          </a:prstGeom>
+          <a:ln w="19050"/>
+        </p:spPr>
+        <p:style>
+          <a:lnRef idx="1">
+            <a:schemeClr val="accent1"/>
+          </a:lnRef>
+          <a:fillRef idx="0">
+            <a:schemeClr val="accent1"/>
+          </a:fillRef>
+          <a:effectRef idx="0">
+            <a:schemeClr val="accent1"/>
+          </a:effectRef>
+          <a:fontRef idx="minor">
+            <a:schemeClr val="tx1"/>
+          </a:fontRef>
+        </p:style>
+      </p:cxnSp>
+      <p:cxnSp>
+        <p:nvCxnSpPr>
+          <p:cNvPr id="7" name="Straight Connector 6">
+            <a:extLst>
+              <a:ext uri="{FF2B5EF4-FFF2-40B4-BE49-F238E27FC236}">
+                <a16:creationId xmlns:a16="http://schemas.microsoft.com/office/drawing/2014/main" id="{5054CBC8-303E-4684-B861-E9453E83E1FA}"/>
+              </a:ext>
+            </a:extLst>
+          </p:cNvPr>
+          <p:cNvCxnSpPr/>
+          <p:nvPr/>
+        </p:nvCxnSpPr>
+        <p:spPr>
+          <a:xfrm>
+            <a:off x="3783496" y="3790122"/>
+            <a:ext cx="0" cy="2789582"/>
+          </a:xfrm>
+          <a:prstGeom prst="line">
+            <a:avLst/>
+          </a:prstGeom>
+          <a:ln w="19050"/>
+        </p:spPr>
+        <p:style>
+          <a:lnRef idx="1">
+            <a:schemeClr val="accent1"/>
+          </a:lnRef>
+          <a:fillRef idx="0">
+            <a:schemeClr val="accent1"/>
+          </a:fillRef>
+          <a:effectRef idx="0">
+            <a:schemeClr val="accent1"/>
+          </a:effectRef>
+          <a:fontRef idx="minor">
+            <a:schemeClr val="tx1"/>
+          </a:fontRef>
+        </p:style>
+      </p:cxnSp>
+      <p:cxnSp>
+        <p:nvCxnSpPr>
+          <p:cNvPr id="8" name="Straight Connector 7">
+            <a:extLst>
+              <a:ext uri="{FF2B5EF4-FFF2-40B4-BE49-F238E27FC236}">
+                <a16:creationId xmlns:a16="http://schemas.microsoft.com/office/drawing/2014/main" id="{F74B1C40-6AD1-1291-61C2-26665AFCBD6F}"/>
+              </a:ext>
+            </a:extLst>
+          </p:cNvPr>
+          <p:cNvCxnSpPr/>
+          <p:nvPr/>
+        </p:nvCxnSpPr>
+        <p:spPr>
+          <a:xfrm>
+            <a:off x="4320210" y="3790122"/>
+            <a:ext cx="0" cy="2789582"/>
+          </a:xfrm>
+          <a:prstGeom prst="line">
+            <a:avLst/>
+          </a:prstGeom>
+          <a:ln w="19050"/>
+        </p:spPr>
+        <p:style>
+          <a:lnRef idx="1">
+            <a:schemeClr val="accent1"/>
+          </a:lnRef>
+          <a:fillRef idx="0">
+            <a:schemeClr val="accent1"/>
+          </a:fillRef>
+          <a:effectRef idx="0">
+            <a:schemeClr val="accent1"/>
+          </a:effectRef>
+          <a:fontRef idx="minor">
+            <a:schemeClr val="tx1"/>
+          </a:fontRef>
+        </p:style>
+      </p:cxnSp>
+      <p:cxnSp>
+        <p:nvCxnSpPr>
+          <p:cNvPr id="9" name="Straight Connector 8">
+            <a:extLst>
+              <a:ext uri="{FF2B5EF4-FFF2-40B4-BE49-F238E27FC236}">
+                <a16:creationId xmlns:a16="http://schemas.microsoft.com/office/drawing/2014/main" id="{78E67220-7C96-87A3-8517-631A3501386F}"/>
+              </a:ext>
+            </a:extLst>
+          </p:cNvPr>
+          <p:cNvCxnSpPr/>
+          <p:nvPr/>
+        </p:nvCxnSpPr>
+        <p:spPr>
+          <a:xfrm>
+            <a:off x="5804453" y="3790122"/>
+            <a:ext cx="0" cy="2789582"/>
+          </a:xfrm>
+          <a:prstGeom prst="line">
+            <a:avLst/>
+          </a:prstGeom>
+          <a:ln w="19050"/>
+        </p:spPr>
+        <p:style>
+          <a:lnRef idx="1">
+            <a:schemeClr val="accent1"/>
+          </a:lnRef>
+          <a:fillRef idx="0">
+            <a:schemeClr val="accent1"/>
+          </a:fillRef>
+          <a:effectRef idx="0">
+            <a:schemeClr val="accent1"/>
+          </a:effectRef>
+          <a:fontRef idx="minor">
+            <a:schemeClr val="tx1"/>
+          </a:fontRef>
+        </p:style>
+      </p:cxnSp>
+      <p:cxnSp>
+        <p:nvCxnSpPr>
+          <p:cNvPr id="10" name="Straight Connector 9">
+            <a:extLst>
+              <a:ext uri="{FF2B5EF4-FFF2-40B4-BE49-F238E27FC236}">
+                <a16:creationId xmlns:a16="http://schemas.microsoft.com/office/drawing/2014/main" id="{D46828A5-06B9-0E94-CE7A-9B6968D8F6AA}"/>
+              </a:ext>
+            </a:extLst>
+          </p:cNvPr>
+          <p:cNvCxnSpPr/>
+          <p:nvPr/>
+        </p:nvCxnSpPr>
+        <p:spPr>
+          <a:xfrm>
+            <a:off x="8004314" y="3790122"/>
+            <a:ext cx="0" cy="2789582"/>
+          </a:xfrm>
+          <a:prstGeom prst="line">
+            <a:avLst/>
+          </a:prstGeom>
+          <a:ln w="19050"/>
+        </p:spPr>
+        <p:style>
+          <a:lnRef idx="1">
+            <a:schemeClr val="accent1"/>
+          </a:lnRef>
+          <a:fillRef idx="0">
+            <a:schemeClr val="accent1"/>
+          </a:fillRef>
+          <a:effectRef idx="0">
+            <a:schemeClr val="accent1"/>
+          </a:effectRef>
+          <a:fontRef idx="minor">
+            <a:schemeClr val="tx1"/>
+          </a:fontRef>
+        </p:style>
+      </p:cxnSp>
+      <p:cxnSp>
+        <p:nvCxnSpPr>
+          <p:cNvPr id="11" name="Straight Connector 10">
+            <a:extLst>
+              <a:ext uri="{FF2B5EF4-FFF2-40B4-BE49-F238E27FC236}">
+                <a16:creationId xmlns:a16="http://schemas.microsoft.com/office/drawing/2014/main" id="{0AECA0A0-619D-57E7-A7F8-818A6D8F03E0}"/>
+              </a:ext>
+            </a:extLst>
+          </p:cNvPr>
+          <p:cNvCxnSpPr/>
+          <p:nvPr/>
+        </p:nvCxnSpPr>
+        <p:spPr>
+          <a:xfrm>
+            <a:off x="8368749" y="3790122"/>
+            <a:ext cx="0" cy="2789582"/>
+          </a:xfrm>
+          <a:prstGeom prst="line">
+            <a:avLst/>
+          </a:prstGeom>
+          <a:ln w="19050"/>
+        </p:spPr>
+        <p:style>
+          <a:lnRef idx="1">
+            <a:schemeClr val="accent1"/>
+          </a:lnRef>
+          <a:fillRef idx="0">
+            <a:schemeClr val="accent1"/>
+          </a:fillRef>
+          <a:effectRef idx="0">
+            <a:schemeClr val="accent1"/>
+          </a:effectRef>
+          <a:fontRef idx="minor">
+            <a:schemeClr val="tx1"/>
+          </a:fontRef>
+        </p:style>
+      </p:cxnSp>
+      <p:cxnSp>
+        <p:nvCxnSpPr>
+          <p:cNvPr id="12" name="Straight Connector 11">
+            <a:extLst>
+              <a:ext uri="{FF2B5EF4-FFF2-40B4-BE49-F238E27FC236}">
+                <a16:creationId xmlns:a16="http://schemas.microsoft.com/office/drawing/2014/main" id="{D520F319-90E7-5C8D-2F43-6FE55A9A993D}"/>
+              </a:ext>
+            </a:extLst>
+          </p:cNvPr>
+          <p:cNvCxnSpPr/>
+          <p:nvPr/>
+        </p:nvCxnSpPr>
+        <p:spPr>
+          <a:xfrm>
+            <a:off x="9448801" y="3790122"/>
+            <a:ext cx="0" cy="2789582"/>
+          </a:xfrm>
+          <a:prstGeom prst="line">
+            <a:avLst/>
+          </a:prstGeom>
+          <a:ln w="19050"/>
+        </p:spPr>
+        <p:style>
+          <a:lnRef idx="1">
+            <a:schemeClr val="accent1"/>
+          </a:lnRef>
+          <a:fillRef idx="0">
+            <a:schemeClr val="accent1"/>
+          </a:fillRef>
+          <a:effectRef idx="0">
+            <a:schemeClr val="accent1"/>
+          </a:effectRef>
+          <a:fontRef idx="minor">
+            <a:schemeClr val="tx1"/>
+          </a:fontRef>
+        </p:style>
+      </p:cxnSp>
+      <p:sp>
+        <p:nvSpPr>
+          <p:cNvPr id="13" name="TextBox 12">
+            <a:extLst>
+              <a:ext uri="{FF2B5EF4-FFF2-40B4-BE49-F238E27FC236}">
+                <a16:creationId xmlns:a16="http://schemas.microsoft.com/office/drawing/2014/main" id="{959DC9A2-2445-0166-D53E-C3D65A160323}"/>
+              </a:ext>
+            </a:extLst>
+          </p:cNvPr>
+          <p:cNvSpPr txBox="1"/>
+          <p:nvPr/>
+        </p:nvSpPr>
+        <p:spPr>
+          <a:xfrm>
+            <a:off x="8030515" y="1559015"/>
+            <a:ext cx="2358886" cy="1631216"/>
+          </a:xfrm>
+          <a:prstGeom prst="rect">
+            <a:avLst/>
+          </a:prstGeom>
+          <a:noFill/>
+        </p:spPr>
+        <p:txBody>
+          <a:bodyPr wrap="square" rtlCol="0">
+            <a:spAutoFit/>
+          </a:bodyPr>
+          <a:lstStyle/>
+          <a:p>
+            <a:pPr marL="742950" lvl="1" indent="-285750">
+              <a:buFont typeface="Wingdings" panose="05000000000000000000" pitchFamily="2" charset="2"/>
+              <a:buChar char="v"/>
+            </a:pPr>
+            <a:r>
+              <a:rPr lang="en-US" sz="2000" b="1" dirty="0">
+                <a:solidFill>
+                  <a:srgbClr val="76B7B2"/>
+                </a:solidFill>
+              </a:rPr>
+              <a:t>Strength</a:t>
+            </a:r>
+          </a:p>
+          <a:p>
+            <a:pPr marL="742950" lvl="1" indent="-285750">
+              <a:buFont typeface="Wingdings" panose="05000000000000000000" pitchFamily="2" charset="2"/>
+              <a:buChar char="v"/>
+            </a:pPr>
+            <a:r>
+              <a:rPr lang="en-US" sz="2000" b="1" dirty="0">
+                <a:solidFill>
+                  <a:srgbClr val="4E79A7"/>
+                </a:solidFill>
+              </a:rPr>
+              <a:t>Dexterity</a:t>
+            </a:r>
+          </a:p>
+          <a:p>
+            <a:pPr marL="742950" lvl="1" indent="-285750">
+              <a:buFont typeface="Wingdings" panose="05000000000000000000" pitchFamily="2" charset="2"/>
+              <a:buChar char="v"/>
+            </a:pPr>
+            <a:r>
+              <a:rPr lang="en-US" sz="2000" b="1" dirty="0">
+                <a:solidFill>
+                  <a:srgbClr val="E15759"/>
+                </a:solidFill>
+              </a:rPr>
+              <a:t>Mind</a:t>
+            </a:r>
+          </a:p>
+          <a:p>
+            <a:pPr marL="742950" lvl="1" indent="-285750">
+              <a:buFont typeface="Wingdings" panose="05000000000000000000" pitchFamily="2" charset="2"/>
+              <a:buChar char="v"/>
+            </a:pPr>
+            <a:r>
+              <a:rPr lang="en-US" sz="2000" b="1" dirty="0">
+                <a:solidFill>
+                  <a:srgbClr val="F28E2B"/>
+                </a:solidFill>
+              </a:rPr>
+              <a:t>Intelligence</a:t>
+            </a:r>
+          </a:p>
+          <a:p>
+            <a:pPr marL="742950" lvl="1" indent="-285750">
+              <a:buFont typeface="Wingdings" panose="05000000000000000000" pitchFamily="2" charset="2"/>
+              <a:buChar char="v"/>
+            </a:pPr>
+            <a:r>
+              <a:rPr lang="en-US" sz="2000" b="1" dirty="0">
+                <a:solidFill>
+                  <a:srgbClr val="58A04C"/>
+                </a:solidFill>
+              </a:rPr>
+              <a:t>Vitality</a:t>
+            </a:r>
+            <a:endParaRPr lang="en-US" sz="2000" b="1" dirty="0"/>
+          </a:p>
+        </p:txBody>
+      </p:sp>
     </p:spTree>
     <p:extLst>
       <p:ext uri="{BB962C8B-B14F-4D97-AF65-F5344CB8AC3E}">
@@ -7891,6 +14624,351 @@
   <p:clrMapOvr>
     <a:masterClrMapping/>
   </p:clrMapOvr>
+  <p:timing>
+    <p:tnLst>
+      <p:par>
+        <p:cTn id="1" dur="indefinite" restart="never" nodeType="tmRoot">
+          <p:childTnLst>
+            <p:seq concurrent="1" nextAc="seek">
+              <p:cTn id="2" dur="indefinite" nodeType="mainSeq">
+                <p:childTnLst>
+                  <p:par>
+                    <p:cTn id="3" fill="hold">
+                      <p:stCondLst>
+                        <p:cond delay="indefinite"/>
+                      </p:stCondLst>
+                      <p:childTnLst>
+                        <p:par>
+                          <p:cTn id="4" fill="hold">
+                            <p:stCondLst>
+                              <p:cond delay="0"/>
+                            </p:stCondLst>
+                            <p:childTnLst>
+                              <p:par>
+                                <p:cTn id="5" presetID="1" presetClass="entr" presetSubtype="0" fill="hold" nodeType="clickEffect">
+                                  <p:stCondLst>
+                                    <p:cond delay="0"/>
+                                  </p:stCondLst>
+                                  <p:childTnLst>
+                                    <p:set>
+                                      <p:cBhvr>
+                                        <p:cTn id="6" dur="1" fill="hold">
+                                          <p:stCondLst>
+                                            <p:cond delay="0"/>
+                                          </p:stCondLst>
+                                        </p:cTn>
+                                        <p:tgtEl>
+                                          <p:spTgt spid="6"/>
+                                        </p:tgtEl>
+                                        <p:attrNameLst>
+                                          <p:attrName>style.visibility</p:attrName>
+                                        </p:attrNameLst>
+                                      </p:cBhvr>
+                                      <p:to>
+                                        <p:strVal val="visible"/>
+                                      </p:to>
+                                    </p:set>
+                                  </p:childTnLst>
+                                </p:cTn>
+                              </p:par>
+                            </p:childTnLst>
+                          </p:cTn>
+                        </p:par>
+                      </p:childTnLst>
+                    </p:cTn>
+                  </p:par>
+                  <p:par>
+                    <p:cTn id="7" fill="hold">
+                      <p:stCondLst>
+                        <p:cond delay="indefinite"/>
+                      </p:stCondLst>
+                      <p:childTnLst>
+                        <p:par>
+                          <p:cTn id="8" fill="hold">
+                            <p:stCondLst>
+                              <p:cond delay="0"/>
+                            </p:stCondLst>
+                            <p:childTnLst>
+                              <p:par>
+                                <p:cTn id="9" presetID="1" presetClass="entr" presetSubtype="0" fill="hold" nodeType="clickEffect">
+                                  <p:stCondLst>
+                                    <p:cond delay="0"/>
+                                  </p:stCondLst>
+                                  <p:childTnLst>
+                                    <p:set>
+                                      <p:cBhvr>
+                                        <p:cTn id="10" dur="1" fill="hold">
+                                          <p:stCondLst>
+                                            <p:cond delay="0"/>
+                                          </p:stCondLst>
+                                        </p:cTn>
+                                        <p:tgtEl>
+                                          <p:spTgt spid="7"/>
+                                        </p:tgtEl>
+                                        <p:attrNameLst>
+                                          <p:attrName>style.visibility</p:attrName>
+                                        </p:attrNameLst>
+                                      </p:cBhvr>
+                                      <p:to>
+                                        <p:strVal val="visible"/>
+                                      </p:to>
+                                    </p:set>
+                                  </p:childTnLst>
+                                </p:cTn>
+                              </p:par>
+                            </p:childTnLst>
+                          </p:cTn>
+                        </p:par>
+                      </p:childTnLst>
+                    </p:cTn>
+                  </p:par>
+                  <p:par>
+                    <p:cTn id="11" fill="hold">
+                      <p:stCondLst>
+                        <p:cond delay="indefinite"/>
+                      </p:stCondLst>
+                      <p:childTnLst>
+                        <p:par>
+                          <p:cTn id="12" fill="hold">
+                            <p:stCondLst>
+                              <p:cond delay="0"/>
+                            </p:stCondLst>
+                            <p:childTnLst>
+                              <p:par>
+                                <p:cTn id="13" presetID="1" presetClass="entr" presetSubtype="0" fill="hold" nodeType="clickEffect">
+                                  <p:stCondLst>
+                                    <p:cond delay="0"/>
+                                  </p:stCondLst>
+                                  <p:childTnLst>
+                                    <p:set>
+                                      <p:cBhvr>
+                                        <p:cTn id="14" dur="1" fill="hold">
+                                          <p:stCondLst>
+                                            <p:cond delay="0"/>
+                                          </p:stCondLst>
+                                        </p:cTn>
+                                        <p:tgtEl>
+                                          <p:spTgt spid="8"/>
+                                        </p:tgtEl>
+                                        <p:attrNameLst>
+                                          <p:attrName>style.visibility</p:attrName>
+                                        </p:attrNameLst>
+                                      </p:cBhvr>
+                                      <p:to>
+                                        <p:strVal val="visible"/>
+                                      </p:to>
+                                    </p:set>
+                                  </p:childTnLst>
+                                </p:cTn>
+                              </p:par>
+                            </p:childTnLst>
+                          </p:cTn>
+                        </p:par>
+                      </p:childTnLst>
+                    </p:cTn>
+                  </p:par>
+                  <p:par>
+                    <p:cTn id="15" fill="hold">
+                      <p:stCondLst>
+                        <p:cond delay="indefinite"/>
+                      </p:stCondLst>
+                      <p:childTnLst>
+                        <p:par>
+                          <p:cTn id="16" fill="hold">
+                            <p:stCondLst>
+                              <p:cond delay="0"/>
+                            </p:stCondLst>
+                            <p:childTnLst>
+                              <p:par>
+                                <p:cTn id="17" presetID="1" presetClass="entr" presetSubtype="0" fill="hold" nodeType="clickEffect">
+                                  <p:stCondLst>
+                                    <p:cond delay="0"/>
+                                  </p:stCondLst>
+                                  <p:childTnLst>
+                                    <p:set>
+                                      <p:cBhvr>
+                                        <p:cTn id="18" dur="1" fill="hold">
+                                          <p:stCondLst>
+                                            <p:cond delay="0"/>
+                                          </p:stCondLst>
+                                        </p:cTn>
+                                        <p:tgtEl>
+                                          <p:spTgt spid="9"/>
+                                        </p:tgtEl>
+                                        <p:attrNameLst>
+                                          <p:attrName>style.visibility</p:attrName>
+                                        </p:attrNameLst>
+                                      </p:cBhvr>
+                                      <p:to>
+                                        <p:strVal val="visible"/>
+                                      </p:to>
+                                    </p:set>
+                                  </p:childTnLst>
+                                </p:cTn>
+                              </p:par>
+                            </p:childTnLst>
+                          </p:cTn>
+                        </p:par>
+                      </p:childTnLst>
+                    </p:cTn>
+                  </p:par>
+                  <p:par>
+                    <p:cTn id="19" fill="hold">
+                      <p:stCondLst>
+                        <p:cond delay="indefinite"/>
+                      </p:stCondLst>
+                      <p:childTnLst>
+                        <p:par>
+                          <p:cTn id="20" fill="hold">
+                            <p:stCondLst>
+                              <p:cond delay="0"/>
+                            </p:stCondLst>
+                            <p:childTnLst>
+                              <p:par>
+                                <p:cTn id="21" presetID="1" presetClass="entr" presetSubtype="0" fill="hold" nodeType="clickEffect">
+                                  <p:stCondLst>
+                                    <p:cond delay="0"/>
+                                  </p:stCondLst>
+                                  <p:childTnLst>
+                                    <p:set>
+                                      <p:cBhvr>
+                                        <p:cTn id="22" dur="1" fill="hold">
+                                          <p:stCondLst>
+                                            <p:cond delay="0"/>
+                                          </p:stCondLst>
+                                        </p:cTn>
+                                        <p:tgtEl>
+                                          <p:spTgt spid="10"/>
+                                        </p:tgtEl>
+                                        <p:attrNameLst>
+                                          <p:attrName>style.visibility</p:attrName>
+                                        </p:attrNameLst>
+                                      </p:cBhvr>
+                                      <p:to>
+                                        <p:strVal val="visible"/>
+                                      </p:to>
+                                    </p:set>
+                                  </p:childTnLst>
+                                </p:cTn>
+                              </p:par>
+                            </p:childTnLst>
+                          </p:cTn>
+                        </p:par>
+                      </p:childTnLst>
+                    </p:cTn>
+                  </p:par>
+                  <p:par>
+                    <p:cTn id="23" fill="hold">
+                      <p:stCondLst>
+                        <p:cond delay="indefinite"/>
+                      </p:stCondLst>
+                      <p:childTnLst>
+                        <p:par>
+                          <p:cTn id="24" fill="hold">
+                            <p:stCondLst>
+                              <p:cond delay="0"/>
+                            </p:stCondLst>
+                            <p:childTnLst>
+                              <p:par>
+                                <p:cTn id="25" presetID="1" presetClass="entr" presetSubtype="0" fill="hold" nodeType="clickEffect">
+                                  <p:stCondLst>
+                                    <p:cond delay="0"/>
+                                  </p:stCondLst>
+                                  <p:childTnLst>
+                                    <p:set>
+                                      <p:cBhvr>
+                                        <p:cTn id="26" dur="1" fill="hold">
+                                          <p:stCondLst>
+                                            <p:cond delay="0"/>
+                                          </p:stCondLst>
+                                        </p:cTn>
+                                        <p:tgtEl>
+                                          <p:spTgt spid="11"/>
+                                        </p:tgtEl>
+                                        <p:attrNameLst>
+                                          <p:attrName>style.visibility</p:attrName>
+                                        </p:attrNameLst>
+                                      </p:cBhvr>
+                                      <p:to>
+                                        <p:strVal val="visible"/>
+                                      </p:to>
+                                    </p:set>
+                                  </p:childTnLst>
+                                </p:cTn>
+                              </p:par>
+                            </p:childTnLst>
+                          </p:cTn>
+                        </p:par>
+                      </p:childTnLst>
+                    </p:cTn>
+                  </p:par>
+                  <p:par>
+                    <p:cTn id="27" fill="hold">
+                      <p:stCondLst>
+                        <p:cond delay="indefinite"/>
+                      </p:stCondLst>
+                      <p:childTnLst>
+                        <p:par>
+                          <p:cTn id="28" fill="hold">
+                            <p:stCondLst>
+                              <p:cond delay="0"/>
+                            </p:stCondLst>
+                            <p:childTnLst>
+                              <p:par>
+                                <p:cTn id="29" presetID="1" presetClass="entr" presetSubtype="0" fill="hold" nodeType="clickEffect">
+                                  <p:stCondLst>
+                                    <p:cond delay="0"/>
+                                  </p:stCondLst>
+                                  <p:childTnLst>
+                                    <p:set>
+                                      <p:cBhvr>
+                                        <p:cTn id="30" dur="1" fill="hold">
+                                          <p:stCondLst>
+                                            <p:cond delay="0"/>
+                                          </p:stCondLst>
+                                        </p:cTn>
+                                        <p:tgtEl>
+                                          <p:spTgt spid="12"/>
+                                        </p:tgtEl>
+                                        <p:attrNameLst>
+                                          <p:attrName>style.visibility</p:attrName>
+                                        </p:attrNameLst>
+                                      </p:cBhvr>
+                                      <p:to>
+                                        <p:strVal val="visible"/>
+                                      </p:to>
+                                    </p:set>
+                                  </p:childTnLst>
+                                </p:cTn>
+                              </p:par>
+                            </p:childTnLst>
+                          </p:cTn>
+                        </p:par>
+                      </p:childTnLst>
+                    </p:cTn>
+                  </p:par>
+                </p:childTnLst>
+              </p:cTn>
+              <p:prevCondLst>
+                <p:cond evt="onPrev" delay="0">
+                  <p:tgtEl>
+                    <p:sldTgt/>
+                  </p:tgtEl>
+                </p:cond>
+              </p:prevCondLst>
+              <p:nextCondLst>
+                <p:cond evt="onNext" delay="0">
+                  <p:tgtEl>
+                    <p:sldTgt/>
+                  </p:tgtEl>
+                </p:cond>
+              </p:nextCondLst>
+            </p:seq>
+          </p:childTnLst>
+        </p:cTn>
+      </p:par>
+    </p:tnLst>
+  </p:timing>
 </p:sld>
 </file>
 
@@ -7916,6 +14994,357 @@
           <p:cNvPr id="2" name="Title 1">
             <a:extLst>
               <a:ext uri="{FF2B5EF4-FFF2-40B4-BE49-F238E27FC236}">
+                <a16:creationId xmlns:a16="http://schemas.microsoft.com/office/drawing/2014/main" id="{C6EEADE6-EE7F-EAE4-243D-952C3654C256}"/>
+              </a:ext>
+            </a:extLst>
+          </p:cNvPr>
+          <p:cNvSpPr>
+            <a:spLocks noGrp="1"/>
+          </p:cNvSpPr>
+          <p:nvPr>
+            <p:ph type="title"/>
+          </p:nvPr>
+        </p:nvSpPr>
+        <p:spPr>
+          <a:xfrm>
+            <a:off x="919119" y="0"/>
+            <a:ext cx="10353762" cy="543339"/>
+          </a:xfrm>
+        </p:spPr>
+        <p:txBody>
+          <a:bodyPr>
+            <a:normAutofit fontScale="90000"/>
+          </a:bodyPr>
+          <a:lstStyle/>
+          <a:p>
+            <a:r>
+              <a:rPr lang="en-US" dirty="0"/>
+              <a:t>Forecasting</a:t>
+            </a:r>
+          </a:p>
+        </p:txBody>
+      </p:sp>
+      <p:pic>
+        <p:nvPicPr>
+          <p:cNvPr id="5" name="Content Placeholder 4">
+            <a:extLst>
+              <a:ext uri="{FF2B5EF4-FFF2-40B4-BE49-F238E27FC236}">
+                <a16:creationId xmlns:a16="http://schemas.microsoft.com/office/drawing/2014/main" id="{00B4B63B-A357-511A-1C58-4A4BD2337464}"/>
+              </a:ext>
+            </a:extLst>
+          </p:cNvPr>
+          <p:cNvPicPr>
+            <a:picLocks noGrp="1" noChangeAspect="1"/>
+          </p:cNvPicPr>
+          <p:nvPr>
+            <p:ph idx="1"/>
+          </p:nvPr>
+        </p:nvPicPr>
+        <p:blipFill rotWithShape="1">
+          <a:blip r:embed="rId3">
+            <a:extLst>
+              <a:ext uri="{28A0092B-C50C-407E-A947-70E740481C1C}">
+                <a14:useLocalDpi xmlns:a14="http://schemas.microsoft.com/office/drawing/2010/main" val="0"/>
+              </a:ext>
+            </a:extLst>
+          </a:blip>
+          <a:srcRect t="36537"/>
+          <a:stretch/>
+        </p:blipFill>
+        <p:spPr>
+          <a:xfrm>
+            <a:off x="0" y="543339"/>
+            <a:ext cx="6613552" cy="2511288"/>
+          </a:xfrm>
+        </p:spPr>
+      </p:pic>
+      <p:pic>
+        <p:nvPicPr>
+          <p:cNvPr id="3" name="Content Placeholder 4">
+            <a:extLst>
+              <a:ext uri="{FF2B5EF4-FFF2-40B4-BE49-F238E27FC236}">
+                <a16:creationId xmlns:a16="http://schemas.microsoft.com/office/drawing/2014/main" id="{372DE5D0-AD78-6A6C-F956-48D1454112B1}"/>
+              </a:ext>
+            </a:extLst>
+          </p:cNvPr>
+          <p:cNvPicPr>
+            <a:picLocks noChangeAspect="1"/>
+          </p:cNvPicPr>
+          <p:nvPr/>
+        </p:nvPicPr>
+        <p:blipFill rotWithShape="1">
+          <a:blip r:embed="rId4">
+            <a:extLst>
+              <a:ext uri="{28A0092B-C50C-407E-A947-70E740481C1C}">
+                <a14:useLocalDpi xmlns:a14="http://schemas.microsoft.com/office/drawing/2010/main" val="0"/>
+              </a:ext>
+            </a:extLst>
+          </a:blip>
+          <a:srcRect t="35676"/>
+          <a:stretch/>
+        </p:blipFill>
+        <p:spPr>
+          <a:xfrm>
+            <a:off x="97831" y="4174434"/>
+            <a:ext cx="6608486" cy="2511288"/>
+          </a:xfrm>
+          <a:prstGeom prst="rect">
+            <a:avLst/>
+          </a:prstGeom>
+          <a:effectLst>
+            <a:outerShdw blurRad="25400" dir="17880000">
+              <a:srgbClr val="000000">
+                <a:alpha val="46000"/>
+              </a:srgbClr>
+            </a:outerShdw>
+          </a:effectLst>
+        </p:spPr>
+      </p:pic>
+      <p:pic>
+        <p:nvPicPr>
+          <p:cNvPr id="6" name="Content Placeholder 4">
+            <a:extLst>
+              <a:ext uri="{FF2B5EF4-FFF2-40B4-BE49-F238E27FC236}">
+                <a16:creationId xmlns:a16="http://schemas.microsoft.com/office/drawing/2014/main" id="{4E1327A9-B166-6BC5-B641-B1682CA1C990}"/>
+              </a:ext>
+            </a:extLst>
+          </p:cNvPr>
+          <p:cNvPicPr>
+            <a:picLocks noChangeAspect="1"/>
+          </p:cNvPicPr>
+          <p:nvPr/>
+        </p:nvPicPr>
+        <p:blipFill rotWithShape="1">
+          <a:blip r:embed="rId5">
+            <a:extLst>
+              <a:ext uri="{28A0092B-C50C-407E-A947-70E740481C1C}">
+                <a14:useLocalDpi xmlns:a14="http://schemas.microsoft.com/office/drawing/2010/main" val="0"/>
+              </a:ext>
+            </a:extLst>
+          </a:blip>
+          <a:srcRect t="36002"/>
+          <a:stretch/>
+        </p:blipFill>
+        <p:spPr>
+          <a:xfrm>
+            <a:off x="5487522" y="2756452"/>
+            <a:ext cx="6606647" cy="2511288"/>
+          </a:xfrm>
+          <a:prstGeom prst="rect">
+            <a:avLst/>
+          </a:prstGeom>
+          <a:effectLst>
+            <a:outerShdw blurRad="25400" dir="17880000">
+              <a:srgbClr val="000000">
+                <a:alpha val="46000"/>
+              </a:srgbClr>
+            </a:outerShdw>
+          </a:effectLst>
+        </p:spPr>
+      </p:pic>
+      <p:sp>
+        <p:nvSpPr>
+          <p:cNvPr id="8" name="TextBox 7">
+            <a:extLst>
+              <a:ext uri="{FF2B5EF4-FFF2-40B4-BE49-F238E27FC236}">
+                <a16:creationId xmlns:a16="http://schemas.microsoft.com/office/drawing/2014/main" id="{E9269CED-BCBA-864F-1856-6D1F5E56D99D}"/>
+              </a:ext>
+            </a:extLst>
+          </p:cNvPr>
+          <p:cNvSpPr txBox="1"/>
+          <p:nvPr/>
+        </p:nvSpPr>
+        <p:spPr>
+          <a:xfrm>
+            <a:off x="2941983" y="781878"/>
+            <a:ext cx="2146852" cy="369332"/>
+          </a:xfrm>
+          <a:prstGeom prst="rect">
+            <a:avLst/>
+          </a:prstGeom>
+          <a:noFill/>
+        </p:spPr>
+        <p:txBody>
+          <a:bodyPr wrap="square" rtlCol="0">
+            <a:spAutoFit/>
+          </a:bodyPr>
+          <a:lstStyle/>
+          <a:p>
+            <a:pPr marL="285750" indent="-285750">
+              <a:buFont typeface="Wingdings" panose="05000000000000000000" pitchFamily="2" charset="2"/>
+              <a:buChar char="v"/>
+            </a:pPr>
+            <a:r>
+              <a:rPr lang="en-US" sz="1800" b="1" dirty="0">
+                <a:solidFill>
+                  <a:srgbClr val="4E79A7"/>
+                </a:solidFill>
+              </a:rPr>
+              <a:t>Dexterity</a:t>
+            </a:r>
+          </a:p>
+        </p:txBody>
+      </p:sp>
+      <p:sp>
+        <p:nvSpPr>
+          <p:cNvPr id="9" name="TextBox 8">
+            <a:extLst>
+              <a:ext uri="{FF2B5EF4-FFF2-40B4-BE49-F238E27FC236}">
+                <a16:creationId xmlns:a16="http://schemas.microsoft.com/office/drawing/2014/main" id="{52A8B7B5-D65C-AE17-135E-2A6469696D73}"/>
+              </a:ext>
+            </a:extLst>
+          </p:cNvPr>
+          <p:cNvSpPr txBox="1"/>
+          <p:nvPr/>
+        </p:nvSpPr>
+        <p:spPr>
+          <a:xfrm>
+            <a:off x="2405270" y="4379843"/>
+            <a:ext cx="1457739" cy="369332"/>
+          </a:xfrm>
+          <a:prstGeom prst="rect">
+            <a:avLst/>
+          </a:prstGeom>
+          <a:noFill/>
+        </p:spPr>
+        <p:txBody>
+          <a:bodyPr wrap="square" rtlCol="0">
+            <a:spAutoFit/>
+          </a:bodyPr>
+          <a:lstStyle/>
+          <a:p>
+            <a:pPr marL="285750" indent="-285750">
+              <a:buFont typeface="Wingdings" panose="05000000000000000000" pitchFamily="2" charset="2"/>
+              <a:buChar char="v"/>
+            </a:pPr>
+            <a:r>
+              <a:rPr lang="en-US" sz="1800" b="1" dirty="0">
+                <a:solidFill>
+                  <a:srgbClr val="E15759"/>
+                </a:solidFill>
+              </a:rPr>
+              <a:t>Mind</a:t>
+            </a:r>
+          </a:p>
+        </p:txBody>
+      </p:sp>
+      <p:sp>
+        <p:nvSpPr>
+          <p:cNvPr id="10" name="TextBox 9">
+            <a:extLst>
+              <a:ext uri="{FF2B5EF4-FFF2-40B4-BE49-F238E27FC236}">
+                <a16:creationId xmlns:a16="http://schemas.microsoft.com/office/drawing/2014/main" id="{6152B551-1935-CF8C-4767-8B2EA964F1D1}"/>
+              </a:ext>
+            </a:extLst>
+          </p:cNvPr>
+          <p:cNvSpPr txBox="1"/>
+          <p:nvPr/>
+        </p:nvSpPr>
+        <p:spPr>
+          <a:xfrm>
+            <a:off x="7805530" y="3429000"/>
+            <a:ext cx="1842053" cy="369332"/>
+          </a:xfrm>
+          <a:prstGeom prst="rect">
+            <a:avLst/>
+          </a:prstGeom>
+          <a:noFill/>
+        </p:spPr>
+        <p:txBody>
+          <a:bodyPr wrap="square" rtlCol="0">
+            <a:spAutoFit/>
+          </a:bodyPr>
+          <a:lstStyle/>
+          <a:p>
+            <a:pPr marL="285750" indent="-285750">
+              <a:buFont typeface="Wingdings" panose="05000000000000000000" pitchFamily="2" charset="2"/>
+              <a:buChar char="v"/>
+            </a:pPr>
+            <a:r>
+              <a:rPr lang="en-US" sz="1800" b="1" dirty="0">
+                <a:solidFill>
+                  <a:srgbClr val="F28E2B"/>
+                </a:solidFill>
+              </a:rPr>
+              <a:t>Intelligence</a:t>
+            </a:r>
+          </a:p>
+        </p:txBody>
+      </p:sp>
+      <p:sp>
+        <p:nvSpPr>
+          <p:cNvPr id="11" name="TextBox 10">
+            <a:extLst>
+              <a:ext uri="{FF2B5EF4-FFF2-40B4-BE49-F238E27FC236}">
+                <a16:creationId xmlns:a16="http://schemas.microsoft.com/office/drawing/2014/main" id="{8164B867-7CF4-66A1-BD71-6EF03A4E98C9}"/>
+              </a:ext>
+            </a:extLst>
+          </p:cNvPr>
+          <p:cNvSpPr txBox="1"/>
+          <p:nvPr/>
+        </p:nvSpPr>
+        <p:spPr>
+          <a:xfrm>
+            <a:off x="7480852" y="1338470"/>
+            <a:ext cx="3485322" cy="369332"/>
+          </a:xfrm>
+          <a:prstGeom prst="rect">
+            <a:avLst/>
+          </a:prstGeom>
+          <a:noFill/>
+        </p:spPr>
+        <p:txBody>
+          <a:bodyPr wrap="square" rtlCol="0">
+            <a:spAutoFit/>
+          </a:bodyPr>
+          <a:lstStyle/>
+          <a:p>
+            <a:pPr marL="285750" indent="-285750">
+              <a:buFont typeface="Wingdings" panose="05000000000000000000" pitchFamily="2" charset="2"/>
+              <a:buChar char="v"/>
+            </a:pPr>
+            <a:r>
+              <a:rPr lang="en-US" dirty="0"/>
+              <a:t>OLS Regression models</a:t>
+            </a:r>
+          </a:p>
+        </p:txBody>
+      </p:sp>
+    </p:spTree>
+    <p:extLst>
+      <p:ext uri="{BB962C8B-B14F-4D97-AF65-F5344CB8AC3E}">
+        <p14:creationId xmlns:p14="http://schemas.microsoft.com/office/powerpoint/2010/main" val="201594190"/>
+      </p:ext>
+    </p:extLst>
+  </p:cSld>
+  <p:clrMapOvr>
+    <a:masterClrMapping/>
+  </p:clrMapOvr>
+</p:sld>
+</file>
+
+<file path=ppt/slides/slide9.xml><?xml version="1.0" encoding="utf-8"?>
+<p:sld xmlns:a="http://schemas.openxmlformats.org/drawingml/2006/main" xmlns:r="http://schemas.openxmlformats.org/officeDocument/2006/relationships" xmlns:p="http://schemas.openxmlformats.org/presentationml/2006/main">
+  <p:cSld>
+    <p:spTree>
+      <p:nvGrpSpPr>
+        <p:cNvPr id="1" name=""/>
+        <p:cNvGrpSpPr/>
+        <p:nvPr/>
+      </p:nvGrpSpPr>
+      <p:grpSpPr>
+        <a:xfrm>
+          <a:off x="0" y="0"/>
+          <a:ext cx="0" cy="0"/>
+          <a:chOff x="0" y="0"/>
+          <a:chExt cx="0" cy="0"/>
+        </a:xfrm>
+      </p:grpSpPr>
+      <p:sp>
+        <p:nvSpPr>
+          <p:cNvPr id="2" name="Title 1">
+            <a:extLst>
+              <a:ext uri="{FF2B5EF4-FFF2-40B4-BE49-F238E27FC236}">
                 <a16:creationId xmlns:a16="http://schemas.microsoft.com/office/drawing/2014/main" id="{7C1791A1-C254-23CB-C2A4-EEFF697765D4}"/>
               </a:ext>
             </a:extLst>
@@ -7933,38 +15362,47 @@
           <a:lstStyle/>
           <a:p>
             <a:r>
-              <a:rPr lang="en-US"/>
-              <a:t>Forecasting</a:t>
-            </a:r>
-            <a:endParaRPr lang="en-US" dirty="0"/>
+              <a:rPr lang="en-US" dirty="0"/>
+              <a:t>Forecasting-Strength</a:t>
+            </a:r>
           </a:p>
         </p:txBody>
       </p:sp>
-      <p:sp>
-        <p:nvSpPr>
-          <p:cNvPr id="3" name="Content Placeholder 2">
+      <p:pic>
+        <p:nvPicPr>
+          <p:cNvPr id="5" name="Content Placeholder 4">
             <a:extLst>
               <a:ext uri="{FF2B5EF4-FFF2-40B4-BE49-F238E27FC236}">
-                <a16:creationId xmlns:a16="http://schemas.microsoft.com/office/drawing/2014/main" id="{4DCB6032-E0A8-E01D-5F8E-CFA3FA1111E3}"/>
+                <a16:creationId xmlns:a16="http://schemas.microsoft.com/office/drawing/2014/main" id="{8AC9A2FF-FC18-BFE8-630E-E1610DC3D1D7}"/>
               </a:ext>
             </a:extLst>
           </p:cNvPr>
-          <p:cNvSpPr>
-            <a:spLocks noGrp="1"/>
-          </p:cNvSpPr>
+          <p:cNvPicPr>
+            <a:picLocks noGrp="1" noChangeAspect="1"/>
+          </p:cNvPicPr>
           <p:nvPr>
             <p:ph idx="1"/>
           </p:nvPr>
-        </p:nvSpPr>
-        <p:spPr/>
-        <p:txBody>
-          <a:bodyPr/>
-          <a:lstStyle/>
-          <a:p>
-            <a:endParaRPr lang="en-US"/>
-          </a:p>
-        </p:txBody>
-      </p:sp>
+        </p:nvPicPr>
+        <p:blipFill>
+          <a:blip r:embed="rId3">
+            <a:extLst>
+              <a:ext uri="{28A0092B-C50C-407E-A947-70E740481C1C}">
+                <a14:useLocalDpi xmlns:a14="http://schemas.microsoft.com/office/drawing/2010/main" val="0"/>
+              </a:ext>
+            </a:extLst>
+          </a:blip>
+          <a:stretch>
+            <a:fillRect/>
+          </a:stretch>
+        </p:blipFill>
+        <p:spPr>
+          <a:xfrm>
+            <a:off x="1564397" y="1463040"/>
+            <a:ext cx="9052558" cy="5394960"/>
+          </a:xfrm>
+        </p:spPr>
+      </p:pic>
     </p:spTree>
     <p:extLst>
       <p:ext uri="{BB962C8B-B14F-4D97-AF65-F5344CB8AC3E}">
@@ -8218,4 +15656,299 @@
     </a:ext>
   </a:extLst>
 </a:theme>
+</file>
+
+<file path=ppt/theme/theme2.xml><?xml version="1.0" encoding="utf-8"?>
+<a:theme xmlns:a="http://schemas.openxmlformats.org/drawingml/2006/main" name="Office Theme">
+  <a:themeElements>
+    <a:clrScheme name="Office">
+      <a:dk1>
+        <a:sysClr val="windowText" lastClr="000000"/>
+      </a:dk1>
+      <a:lt1>
+        <a:sysClr val="window" lastClr="FFFFFF"/>
+      </a:lt1>
+      <a:dk2>
+        <a:srgbClr val="44546A"/>
+      </a:dk2>
+      <a:lt2>
+        <a:srgbClr val="E7E6E6"/>
+      </a:lt2>
+      <a:accent1>
+        <a:srgbClr val="4472C4"/>
+      </a:accent1>
+      <a:accent2>
+        <a:srgbClr val="ED7D31"/>
+      </a:accent2>
+      <a:accent3>
+        <a:srgbClr val="A5A5A5"/>
+      </a:accent3>
+      <a:accent4>
+        <a:srgbClr val="FFC000"/>
+      </a:accent4>
+      <a:accent5>
+        <a:srgbClr val="5B9BD5"/>
+      </a:accent5>
+      <a:accent6>
+        <a:srgbClr val="70AD47"/>
+      </a:accent6>
+      <a:hlink>
+        <a:srgbClr val="0563C1"/>
+      </a:hlink>
+      <a:folHlink>
+        <a:srgbClr val="954F72"/>
+      </a:folHlink>
+    </a:clrScheme>
+    <a:fontScheme name="Office">
+      <a:majorFont>
+        <a:latin typeface="Calibri Light" panose="020F0302020204030204"/>
+        <a:ea typeface=""/>
+        <a:cs typeface=""/>
+        <a:font script="Jpan" typeface="游ゴシック Light"/>
+        <a:font script="Hang" typeface="맑은 고딕"/>
+        <a:font script="Hans" typeface="等线 Light"/>
+        <a:font script="Hant" typeface="新細明體"/>
+        <a:font script="Arab" typeface="Times New Roman"/>
+        <a:font script="Hebr" typeface="Times New Roman"/>
+        <a:font script="Thai" typeface="Angsana New"/>
+        <a:font script="Ethi" typeface="Nyala"/>
+        <a:font script="Beng" typeface="Vrinda"/>
+        <a:font script="Gujr" typeface="Shruti"/>
+        <a:font script="Khmr" typeface="MoolBoran"/>
+        <a:font script="Knda" typeface="Tunga"/>
+        <a:font script="Guru" typeface="Raavi"/>
+        <a:font script="Cans" typeface="Euphemia"/>
+        <a:font script="Cher" typeface="Plantagenet Cherokee"/>
+        <a:font script="Yiii" typeface="Microsoft Yi Baiti"/>
+        <a:font script="Tibt" typeface="Microsoft Himalaya"/>
+        <a:font script="Thaa" typeface="MV Boli"/>
+        <a:font script="Deva" typeface="Mangal"/>
+        <a:font script="Telu" typeface="Gautami"/>
+        <a:font script="Taml" typeface="Latha"/>
+        <a:font script="Syrc" typeface="Estrangelo Edessa"/>
+        <a:font script="Orya" typeface="Kalinga"/>
+        <a:font script="Mlym" typeface="Kartika"/>
+        <a:font script="Laoo" typeface="DokChampa"/>
+        <a:font script="Sinh" typeface="Iskoola Pota"/>
+        <a:font script="Mong" typeface="Mongolian Baiti"/>
+        <a:font script="Viet" typeface="Times New Roman"/>
+        <a:font script="Uigh" typeface="Microsoft Uighur"/>
+        <a:font script="Geor" typeface="Sylfaen"/>
+        <a:font script="Armn" typeface="Arial"/>
+        <a:font script="Bugi" typeface="Leelawadee UI"/>
+        <a:font script="Bopo" typeface="Microsoft JhengHei"/>
+        <a:font script="Java" typeface="Javanese Text"/>
+        <a:font script="Lisu" typeface="Segoe UI"/>
+        <a:font script="Mymr" typeface="Myanmar Text"/>
+        <a:font script="Nkoo" typeface="Ebrima"/>
+        <a:font script="Olck" typeface="Nirmala UI"/>
+        <a:font script="Osma" typeface="Ebrima"/>
+        <a:font script="Phag" typeface="Phagspa"/>
+        <a:font script="Syrn" typeface="Estrangelo Edessa"/>
+        <a:font script="Syrj" typeface="Estrangelo Edessa"/>
+        <a:font script="Syre" typeface="Estrangelo Edessa"/>
+        <a:font script="Sora" typeface="Nirmala UI"/>
+        <a:font script="Tale" typeface="Microsoft Tai Le"/>
+        <a:font script="Talu" typeface="Microsoft New Tai Lue"/>
+        <a:font script="Tfng" typeface="Ebrima"/>
+      </a:majorFont>
+      <a:minorFont>
+        <a:latin typeface="Calibri" panose="020F0502020204030204"/>
+        <a:ea typeface=""/>
+        <a:cs typeface=""/>
+        <a:font script="Jpan" typeface="游ゴシック"/>
+        <a:font script="Hang" typeface="맑은 고딕"/>
+        <a:font script="Hans" typeface="等线"/>
+        <a:font script="Hant" typeface="新細明體"/>
+        <a:font script="Arab" typeface="Arial"/>
+        <a:font script="Hebr" typeface="Arial"/>
+        <a:font script="Thai" typeface="Cordia New"/>
+        <a:font script="Ethi" typeface="Nyala"/>
+        <a:font script="Beng" typeface="Vrinda"/>
+        <a:font script="Gujr" typeface="Shruti"/>
+        <a:font script="Khmr" typeface="DaunPenh"/>
+        <a:font script="Knda" typeface="Tunga"/>
+        <a:font script="Guru" typeface="Raavi"/>
+        <a:font script="Cans" typeface="Euphemia"/>
+        <a:font script="Cher" typeface="Plantagenet Cherokee"/>
+        <a:font script="Yiii" typeface="Microsoft Yi Baiti"/>
+        <a:font script="Tibt" typeface="Microsoft Himalaya"/>
+        <a:font script="Thaa" typeface="MV Boli"/>
+        <a:font script="Deva" typeface="Mangal"/>
+        <a:font script="Telu" typeface="Gautami"/>
+        <a:font script="Taml" typeface="Latha"/>
+        <a:font script="Syrc" typeface="Estrangelo Edessa"/>
+        <a:font script="Orya" typeface="Kalinga"/>
+        <a:font script="Mlym" typeface="Kartika"/>
+        <a:font script="Laoo" typeface="DokChampa"/>
+        <a:font script="Sinh" typeface="Iskoola Pota"/>
+        <a:font script="Mong" typeface="Mongolian Baiti"/>
+        <a:font script="Viet" typeface="Arial"/>
+        <a:font script="Uigh" typeface="Microsoft Uighur"/>
+        <a:font script="Geor" typeface="Sylfaen"/>
+        <a:font script="Armn" typeface="Arial"/>
+        <a:font script="Bugi" typeface="Leelawadee UI"/>
+        <a:font script="Bopo" typeface="Microsoft JhengHei"/>
+        <a:font script="Java" typeface="Javanese Text"/>
+        <a:font script="Lisu" typeface="Segoe UI"/>
+        <a:font script="Mymr" typeface="Myanmar Text"/>
+        <a:font script="Nkoo" typeface="Ebrima"/>
+        <a:font script="Olck" typeface="Nirmala UI"/>
+        <a:font script="Osma" typeface="Ebrima"/>
+        <a:font script="Phag" typeface="Phagspa"/>
+        <a:font script="Syrn" typeface="Estrangelo Edessa"/>
+        <a:font script="Syrj" typeface="Estrangelo Edessa"/>
+        <a:font script="Syre" typeface="Estrangelo Edessa"/>
+        <a:font script="Sora" typeface="Nirmala UI"/>
+        <a:font script="Tale" typeface="Microsoft Tai Le"/>
+        <a:font script="Talu" typeface="Microsoft New Tai Lue"/>
+        <a:font script="Tfng" typeface="Ebrima"/>
+      </a:minorFont>
+    </a:fontScheme>
+    <a:fmtScheme name="Office">
+      <a:fillStyleLst>
+        <a:solidFill>
+          <a:schemeClr val="phClr"/>
+        </a:solidFill>
+        <a:gradFill rotWithShape="1">
+          <a:gsLst>
+            <a:gs pos="0">
+              <a:schemeClr val="phClr">
+                <a:lumMod val="110000"/>
+                <a:satMod val="105000"/>
+                <a:tint val="67000"/>
+              </a:schemeClr>
+            </a:gs>
+            <a:gs pos="50000">
+              <a:schemeClr val="phClr">
+                <a:lumMod val="105000"/>
+                <a:satMod val="103000"/>
+                <a:tint val="73000"/>
+              </a:schemeClr>
+            </a:gs>
+            <a:gs pos="100000">
+              <a:schemeClr val="phClr">
+                <a:lumMod val="105000"/>
+                <a:satMod val="109000"/>
+                <a:tint val="81000"/>
+              </a:schemeClr>
+            </a:gs>
+          </a:gsLst>
+          <a:lin ang="5400000" scaled="0"/>
+        </a:gradFill>
+        <a:gradFill rotWithShape="1">
+          <a:gsLst>
+            <a:gs pos="0">
+              <a:schemeClr val="phClr">
+                <a:satMod val="103000"/>
+                <a:lumMod val="102000"/>
+                <a:tint val="94000"/>
+              </a:schemeClr>
+            </a:gs>
+            <a:gs pos="50000">
+              <a:schemeClr val="phClr">
+                <a:satMod val="110000"/>
+                <a:lumMod val="100000"/>
+                <a:shade val="100000"/>
+              </a:schemeClr>
+            </a:gs>
+            <a:gs pos="100000">
+              <a:schemeClr val="phClr">
+                <a:lumMod val="99000"/>
+                <a:satMod val="120000"/>
+                <a:shade val="78000"/>
+              </a:schemeClr>
+            </a:gs>
+          </a:gsLst>
+          <a:lin ang="5400000" scaled="0"/>
+        </a:gradFill>
+      </a:fillStyleLst>
+      <a:lnStyleLst>
+        <a:ln w="6350" cap="flat" cmpd="sng" algn="ctr">
+          <a:solidFill>
+            <a:schemeClr val="phClr"/>
+          </a:solidFill>
+          <a:prstDash val="solid"/>
+          <a:miter lim="800000"/>
+        </a:ln>
+        <a:ln w="12700" cap="flat" cmpd="sng" algn="ctr">
+          <a:solidFill>
+            <a:schemeClr val="phClr"/>
+          </a:solidFill>
+          <a:prstDash val="solid"/>
+          <a:miter lim="800000"/>
+        </a:ln>
+        <a:ln w="19050" cap="flat" cmpd="sng" algn="ctr">
+          <a:solidFill>
+            <a:schemeClr val="phClr"/>
+          </a:solidFill>
+          <a:prstDash val="solid"/>
+          <a:miter lim="800000"/>
+        </a:ln>
+      </a:lnStyleLst>
+      <a:effectStyleLst>
+        <a:effectStyle>
+          <a:effectLst/>
+        </a:effectStyle>
+        <a:effectStyle>
+          <a:effectLst/>
+        </a:effectStyle>
+        <a:effectStyle>
+          <a:effectLst>
+            <a:outerShdw blurRad="57150" dist="19050" dir="5400000" algn="ctr" rotWithShape="0">
+              <a:srgbClr val="000000">
+                <a:alpha val="63000"/>
+              </a:srgbClr>
+            </a:outerShdw>
+          </a:effectLst>
+        </a:effectStyle>
+      </a:effectStyleLst>
+      <a:bgFillStyleLst>
+        <a:solidFill>
+          <a:schemeClr val="phClr"/>
+        </a:solidFill>
+        <a:solidFill>
+          <a:schemeClr val="phClr">
+            <a:tint val="95000"/>
+            <a:satMod val="170000"/>
+          </a:schemeClr>
+        </a:solidFill>
+        <a:gradFill rotWithShape="1">
+          <a:gsLst>
+            <a:gs pos="0">
+              <a:schemeClr val="phClr">
+                <a:tint val="93000"/>
+                <a:satMod val="150000"/>
+                <a:shade val="98000"/>
+                <a:lumMod val="102000"/>
+              </a:schemeClr>
+            </a:gs>
+            <a:gs pos="50000">
+              <a:schemeClr val="phClr">
+                <a:tint val="98000"/>
+                <a:satMod val="130000"/>
+                <a:shade val="90000"/>
+                <a:lumMod val="103000"/>
+              </a:schemeClr>
+            </a:gs>
+            <a:gs pos="100000">
+              <a:schemeClr val="phClr">
+                <a:shade val="63000"/>
+                <a:satMod val="120000"/>
+              </a:schemeClr>
+            </a:gs>
+          </a:gsLst>
+          <a:lin ang="5400000" scaled="0"/>
+        </a:gradFill>
+      </a:bgFillStyleLst>
+    </a:fmtScheme>
+  </a:themeElements>
+  <a:objectDefaults/>
+  <a:extraClrSchemeLst/>
+  <a:extLst>
+    <a:ext uri="{05A4C25C-085E-4340-85A3-A5531E510DB2}">
+      <thm15:themeFamily xmlns:thm15="http://schemas.microsoft.com/office/thememl/2012/main" name="Office Theme" id="{62F939B6-93AF-4DB8-9C6B-D6C7DFDC589F}" vid="{4A3C46E8-61CC-4603-A589-7422A47A8E4A}"/>
+    </a:ext>
+  </a:extLst>
+</a:theme>
 </file>